--- a/Datawarehouse.pptx
+++ b/Datawarehouse.pptx
@@ -573,7 +573,7 @@
           <a:noFill/>
           <a:extLst>
             <a:ext uri="{909E8E84-426E-40dd-AFC4-6F175D3DCCD1}">
-              <a14:hiddenFill xmlns="" xmlns:a14="http://schemas.microsoft.com/office/drawing/2010/main">
+              <a14:hiddenFill xmlns:a14="http://schemas.microsoft.com/office/drawing/2010/main" xmlns="">
                 <a:solidFill>
                   <a:srgbClr val="FFFFFF"/>
                 </a:solidFill>
@@ -633,7 +633,7 @@
             </a:ln>
             <a:extLst>
               <a:ext uri="{91240B29-F687-4f45-9708-019B960494DF}">
-                <a14:hiddenLine xmlns="" xmlns:a14="http://schemas.microsoft.com/office/drawing/2010/main" w="9525">
+                <a14:hiddenLine xmlns:a14="http://schemas.microsoft.com/office/drawing/2010/main" xmlns="" w="9525">
                   <a:solidFill>
                     <a:srgbClr val="000000"/>
                   </a:solidFill>
@@ -723,7 +723,7 @@
             </a:ln>
             <a:extLst>
               <a:ext uri="{91240B29-F687-4f45-9708-019B960494DF}">
-                <a14:hiddenLine xmlns="" xmlns:a14="http://schemas.microsoft.com/office/drawing/2010/main" w="9525">
+                <a14:hiddenLine xmlns:a14="http://schemas.microsoft.com/office/drawing/2010/main" xmlns="" w="9525">
                   <a:solidFill>
                     <a:srgbClr val="000000"/>
                   </a:solidFill>
@@ -813,7 +813,7 @@
             </a:ln>
             <a:extLst>
               <a:ext uri="{91240B29-F687-4f45-9708-019B960494DF}">
-                <a14:hiddenLine xmlns="" xmlns:a14="http://schemas.microsoft.com/office/drawing/2010/main" w="9525">
+                <a14:hiddenLine xmlns:a14="http://schemas.microsoft.com/office/drawing/2010/main" xmlns="" w="9525">
                   <a:solidFill>
                     <a:srgbClr val="000000"/>
                   </a:solidFill>
@@ -847,7 +847,7 @@
             </a:ln>
             <a:extLst>
               <a:ext uri="{91240B29-F687-4f45-9708-019B960494DF}">
-                <a14:hiddenLine xmlns="" xmlns:a14="http://schemas.microsoft.com/office/drawing/2010/main" w="9525">
+                <a14:hiddenLine xmlns:a14="http://schemas.microsoft.com/office/drawing/2010/main" xmlns="" w="9525">
                   <a:solidFill>
                     <a:srgbClr val="000000"/>
                   </a:solidFill>
@@ -937,7 +937,7 @@
             </a:ln>
             <a:extLst>
               <a:ext uri="{91240B29-F687-4f45-9708-019B960494DF}">
-                <a14:hiddenLine xmlns="" xmlns:a14="http://schemas.microsoft.com/office/drawing/2010/main" w="9525">
+                <a14:hiddenLine xmlns:a14="http://schemas.microsoft.com/office/drawing/2010/main" xmlns="" w="9525">
                   <a:solidFill>
                     <a:srgbClr val="000000"/>
                   </a:solidFill>
@@ -999,7 +999,7 @@
             </a:ln>
             <a:extLst>
               <a:ext uri="{91240B29-F687-4f45-9708-019B960494DF}">
-                <a14:hiddenLine xmlns="" xmlns:a14="http://schemas.microsoft.com/office/drawing/2010/main" w="9525">
+                <a14:hiddenLine xmlns:a14="http://schemas.microsoft.com/office/drawing/2010/main" xmlns="" w="9525">
                   <a:solidFill>
                     <a:srgbClr val="000000"/>
                   </a:solidFill>
@@ -1061,7 +1061,7 @@
             </a:ln>
             <a:extLst>
               <a:ext uri="{91240B29-F687-4f45-9708-019B960494DF}">
-                <a14:hiddenLine xmlns="" xmlns:a14="http://schemas.microsoft.com/office/drawing/2010/main" w="9525">
+                <a14:hiddenLine xmlns:a14="http://schemas.microsoft.com/office/drawing/2010/main" xmlns="" w="9525">
                   <a:solidFill>
                     <a:srgbClr val="000000"/>
                   </a:solidFill>
@@ -1151,7 +1151,7 @@
             </a:ln>
             <a:extLst>
               <a:ext uri="{91240B29-F687-4f45-9708-019B960494DF}">
-                <a14:hiddenLine xmlns="" xmlns:a14="http://schemas.microsoft.com/office/drawing/2010/main" w="9525">
+                <a14:hiddenLine xmlns:a14="http://schemas.microsoft.com/office/drawing/2010/main" xmlns="" w="9525">
                   <a:solidFill>
                     <a:srgbClr val="000000"/>
                   </a:solidFill>
@@ -1213,7 +1213,7 @@
             </a:ln>
             <a:extLst>
               <a:ext uri="{91240B29-F687-4f45-9708-019B960494DF}">
-                <a14:hiddenLine xmlns="" xmlns:a14="http://schemas.microsoft.com/office/drawing/2010/main" w="9525">
+                <a14:hiddenLine xmlns:a14="http://schemas.microsoft.com/office/drawing/2010/main" xmlns="" w="9525">
                   <a:solidFill>
                     <a:srgbClr val="000000"/>
                   </a:solidFill>
@@ -1275,7 +1275,7 @@
             </a:ln>
             <a:extLst>
               <a:ext uri="{91240B29-F687-4f45-9708-019B960494DF}">
-                <a14:hiddenLine xmlns="" xmlns:a14="http://schemas.microsoft.com/office/drawing/2010/main" w="9525">
+                <a14:hiddenLine xmlns:a14="http://schemas.microsoft.com/office/drawing/2010/main" xmlns="" w="9525">
                   <a:solidFill>
                     <a:srgbClr val="000000"/>
                   </a:solidFill>
@@ -1365,7 +1365,7 @@
             </a:ln>
             <a:extLst>
               <a:ext uri="{91240B29-F687-4f45-9708-019B960494DF}">
-                <a14:hiddenLine xmlns="" xmlns:a14="http://schemas.microsoft.com/office/drawing/2010/main" w="9525">
+                <a14:hiddenLine xmlns:a14="http://schemas.microsoft.com/office/drawing/2010/main" xmlns="" w="9525">
                   <a:solidFill>
                     <a:srgbClr val="000000"/>
                   </a:solidFill>
@@ -1455,7 +1455,7 @@
             </a:ln>
             <a:extLst>
               <a:ext uri="{91240B29-F687-4f45-9708-019B960494DF}">
-                <a14:hiddenLine xmlns="" xmlns:a14="http://schemas.microsoft.com/office/drawing/2010/main" w="9525">
+                <a14:hiddenLine xmlns:a14="http://schemas.microsoft.com/office/drawing/2010/main" xmlns="" w="9525">
                   <a:solidFill>
                     <a:srgbClr val="000000"/>
                   </a:solidFill>
@@ -1517,7 +1517,7 @@
             </a:ln>
             <a:extLst>
               <a:ext uri="{91240B29-F687-4f45-9708-019B960494DF}">
-                <a14:hiddenLine xmlns="" xmlns:a14="http://schemas.microsoft.com/office/drawing/2010/main" w="9525">
+                <a14:hiddenLine xmlns:a14="http://schemas.microsoft.com/office/drawing/2010/main" xmlns="" w="9525">
                   <a:solidFill>
                     <a:srgbClr val="000000"/>
                   </a:solidFill>
@@ -1627,7 +1627,7 @@
             </a:ln>
             <a:extLst>
               <a:ext uri="{91240B29-F687-4f45-9708-019B960494DF}">
-                <a14:hiddenLine xmlns="" xmlns:a14="http://schemas.microsoft.com/office/drawing/2010/main" w="9525">
+                <a14:hiddenLine xmlns:a14="http://schemas.microsoft.com/office/drawing/2010/main" xmlns="" w="9525">
                   <a:solidFill>
                     <a:srgbClr val="000000"/>
                   </a:solidFill>
@@ -1689,7 +1689,7 @@
             </a:ln>
             <a:extLst>
               <a:ext uri="{91240B29-F687-4f45-9708-019B960494DF}">
-                <a14:hiddenLine xmlns="" xmlns:a14="http://schemas.microsoft.com/office/drawing/2010/main" w="9525">
+                <a14:hiddenLine xmlns:a14="http://schemas.microsoft.com/office/drawing/2010/main" xmlns="" w="9525">
                   <a:solidFill>
                     <a:srgbClr val="000000"/>
                   </a:solidFill>
@@ -1779,7 +1779,7 @@
             </a:ln>
             <a:extLst>
               <a:ext uri="{91240B29-F687-4f45-9708-019B960494DF}">
-                <a14:hiddenLine xmlns="" xmlns:a14="http://schemas.microsoft.com/office/drawing/2010/main" w="9525">
+                <a14:hiddenLine xmlns:a14="http://schemas.microsoft.com/office/drawing/2010/main" xmlns="" w="9525">
                   <a:solidFill>
                     <a:srgbClr val="000000"/>
                   </a:solidFill>
@@ -1869,7 +1869,7 @@
             </a:ln>
             <a:extLst>
               <a:ext uri="{91240B29-F687-4f45-9708-019B960494DF}">
-                <a14:hiddenLine xmlns="" xmlns:a14="http://schemas.microsoft.com/office/drawing/2010/main" w="9525">
+                <a14:hiddenLine xmlns:a14="http://schemas.microsoft.com/office/drawing/2010/main" xmlns="" w="9525">
                   <a:solidFill>
                     <a:srgbClr val="000000"/>
                   </a:solidFill>
@@ -1931,7 +1931,7 @@
             </a:ln>
             <a:extLst>
               <a:ext uri="{91240B29-F687-4f45-9708-019B960494DF}">
-                <a14:hiddenLine xmlns="" xmlns:a14="http://schemas.microsoft.com/office/drawing/2010/main" w="9525">
+                <a14:hiddenLine xmlns:a14="http://schemas.microsoft.com/office/drawing/2010/main" xmlns="" w="9525">
                   <a:solidFill>
                     <a:srgbClr val="000000"/>
                   </a:solidFill>
@@ -2021,7 +2021,7 @@
             </a:ln>
             <a:extLst>
               <a:ext uri="{91240B29-F687-4f45-9708-019B960494DF}">
-                <a14:hiddenLine xmlns="" xmlns:a14="http://schemas.microsoft.com/office/drawing/2010/main" w="9525">
+                <a14:hiddenLine xmlns:a14="http://schemas.microsoft.com/office/drawing/2010/main" xmlns="" w="9525">
                   <a:solidFill>
                     <a:srgbClr val="000000"/>
                   </a:solidFill>
@@ -2111,7 +2111,7 @@
             </a:ln>
             <a:extLst>
               <a:ext uri="{91240B29-F687-4f45-9708-019B960494DF}">
-                <a14:hiddenLine xmlns="" xmlns:a14="http://schemas.microsoft.com/office/drawing/2010/main" w="9525">
+                <a14:hiddenLine xmlns:a14="http://schemas.microsoft.com/office/drawing/2010/main" xmlns="" w="9525">
                   <a:solidFill>
                     <a:srgbClr val="000000"/>
                   </a:solidFill>
@@ -2167,7 +2167,7 @@
             </a:ln>
             <a:extLst>
               <a:ext uri="{91240B29-F687-4f45-9708-019B960494DF}">
-                <a14:hiddenLine xmlns="" xmlns:a14="http://schemas.microsoft.com/office/drawing/2010/main" w="9525">
+                <a14:hiddenLine xmlns:a14="http://schemas.microsoft.com/office/drawing/2010/main" xmlns="" w="9525">
                   <a:solidFill>
                     <a:srgbClr val="000000"/>
                   </a:solidFill>
@@ -2257,7 +2257,7 @@
             </a:ln>
             <a:extLst>
               <a:ext uri="{91240B29-F687-4f45-9708-019B960494DF}">
-                <a14:hiddenLine xmlns="" xmlns:a14="http://schemas.microsoft.com/office/drawing/2010/main" w="9525">
+                <a14:hiddenLine xmlns:a14="http://schemas.microsoft.com/office/drawing/2010/main" xmlns="" w="9525">
                   <a:solidFill>
                     <a:srgbClr val="000000"/>
                   </a:solidFill>
@@ -2313,7 +2313,7 @@
             </a:ln>
             <a:extLst>
               <a:ext uri="{91240B29-F687-4f45-9708-019B960494DF}">
-                <a14:hiddenLine xmlns="" xmlns:a14="http://schemas.microsoft.com/office/drawing/2010/main" w="9525">
+                <a14:hiddenLine xmlns:a14="http://schemas.microsoft.com/office/drawing/2010/main" xmlns="" w="9525">
                   <a:solidFill>
                     <a:srgbClr val="000000"/>
                   </a:solidFill>
@@ -2403,7 +2403,7 @@
             </a:ln>
             <a:extLst>
               <a:ext uri="{91240B29-F687-4f45-9708-019B960494DF}">
-                <a14:hiddenLine xmlns="" xmlns:a14="http://schemas.microsoft.com/office/drawing/2010/main" w="9525">
+                <a14:hiddenLine xmlns:a14="http://schemas.microsoft.com/office/drawing/2010/main" xmlns="" w="9525">
                   <a:solidFill>
                     <a:srgbClr val="000000"/>
                   </a:solidFill>
@@ -2471,7 +2471,7 @@
             </a:ln>
             <a:extLst>
               <a:ext uri="{91240B29-F687-4f45-9708-019B960494DF}">
-                <a14:hiddenLine xmlns="" xmlns:a14="http://schemas.microsoft.com/office/drawing/2010/main" w="9525">
+                <a14:hiddenLine xmlns:a14="http://schemas.microsoft.com/office/drawing/2010/main" xmlns="" w="9525">
                   <a:solidFill>
                     <a:srgbClr val="000000"/>
                   </a:solidFill>
@@ -2561,7 +2561,7 @@
             </a:ln>
             <a:extLst>
               <a:ext uri="{91240B29-F687-4f45-9708-019B960494DF}">
-                <a14:hiddenLine xmlns="" xmlns:a14="http://schemas.microsoft.com/office/drawing/2010/main" w="9525">
+                <a14:hiddenLine xmlns:a14="http://schemas.microsoft.com/office/drawing/2010/main" xmlns="" w="9525">
                   <a:solidFill>
                     <a:srgbClr val="000000"/>
                   </a:solidFill>
@@ -2629,7 +2629,7 @@
             </a:ln>
             <a:extLst>
               <a:ext uri="{91240B29-F687-4f45-9708-019B960494DF}">
-                <a14:hiddenLine xmlns="" xmlns:a14="http://schemas.microsoft.com/office/drawing/2010/main" w="9525">
+                <a14:hiddenLine xmlns:a14="http://schemas.microsoft.com/office/drawing/2010/main" xmlns="" w="9525">
                   <a:solidFill>
                     <a:srgbClr val="000000"/>
                   </a:solidFill>
@@ -2719,7 +2719,7 @@
             </a:ln>
             <a:extLst>
               <a:ext uri="{91240B29-F687-4f45-9708-019B960494DF}">
-                <a14:hiddenLine xmlns="" xmlns:a14="http://schemas.microsoft.com/office/drawing/2010/main" w="9525">
+                <a14:hiddenLine xmlns:a14="http://schemas.microsoft.com/office/drawing/2010/main" xmlns="" w="9525">
                   <a:solidFill>
                     <a:srgbClr val="000000"/>
                   </a:solidFill>
@@ -2753,7 +2753,7 @@
             </a:ln>
             <a:extLst>
               <a:ext uri="{91240B29-F687-4f45-9708-019B960494DF}">
-                <a14:hiddenLine xmlns="" xmlns:a14="http://schemas.microsoft.com/office/drawing/2010/main" w="9525">
+                <a14:hiddenLine xmlns:a14="http://schemas.microsoft.com/office/drawing/2010/main" xmlns="" w="9525">
                   <a:solidFill>
                     <a:srgbClr val="000000"/>
                   </a:solidFill>
@@ -2843,7 +2843,7 @@
             </a:ln>
             <a:extLst>
               <a:ext uri="{91240B29-F687-4f45-9708-019B960494DF}">
-                <a14:hiddenLine xmlns="" xmlns:a14="http://schemas.microsoft.com/office/drawing/2010/main" w="9525">
+                <a14:hiddenLine xmlns:a14="http://schemas.microsoft.com/office/drawing/2010/main" xmlns="" w="9525">
                   <a:solidFill>
                     <a:srgbClr val="000000"/>
                   </a:solidFill>
@@ -2905,7 +2905,7 @@
             </a:ln>
             <a:extLst>
               <a:ext uri="{91240B29-F687-4f45-9708-019B960494DF}">
-                <a14:hiddenLine xmlns="" xmlns:a14="http://schemas.microsoft.com/office/drawing/2010/main" w="9525">
+                <a14:hiddenLine xmlns:a14="http://schemas.microsoft.com/office/drawing/2010/main" xmlns="" w="9525">
                   <a:solidFill>
                     <a:srgbClr val="000000"/>
                   </a:solidFill>
@@ -2967,7 +2967,7 @@
             </a:ln>
             <a:extLst>
               <a:ext uri="{91240B29-F687-4f45-9708-019B960494DF}">
-                <a14:hiddenLine xmlns="" xmlns:a14="http://schemas.microsoft.com/office/drawing/2010/main" w="9525">
+                <a14:hiddenLine xmlns:a14="http://schemas.microsoft.com/office/drawing/2010/main" xmlns="" w="9525">
                   <a:solidFill>
                     <a:srgbClr val="000000"/>
                   </a:solidFill>
@@ -3057,7 +3057,7 @@
             </a:ln>
             <a:extLst>
               <a:ext uri="{91240B29-F687-4f45-9708-019B960494DF}">
-                <a14:hiddenLine xmlns="" xmlns:a14="http://schemas.microsoft.com/office/drawing/2010/main" w="9525">
+                <a14:hiddenLine xmlns:a14="http://schemas.microsoft.com/office/drawing/2010/main" xmlns="" w="9525">
                   <a:solidFill>
                     <a:srgbClr val="000000"/>
                   </a:solidFill>
@@ -3125,7 +3125,7 @@
             </a:ln>
             <a:extLst>
               <a:ext uri="{91240B29-F687-4f45-9708-019B960494DF}">
-                <a14:hiddenLine xmlns="" xmlns:a14="http://schemas.microsoft.com/office/drawing/2010/main" w="9525">
+                <a14:hiddenLine xmlns:a14="http://schemas.microsoft.com/office/drawing/2010/main" xmlns="" w="9525">
                   <a:solidFill>
                     <a:srgbClr val="000000"/>
                   </a:solidFill>
@@ -3187,7 +3187,7 @@
             </a:ln>
             <a:extLst>
               <a:ext uri="{91240B29-F687-4f45-9708-019B960494DF}">
-                <a14:hiddenLine xmlns="" xmlns:a14="http://schemas.microsoft.com/office/drawing/2010/main" w="9525">
+                <a14:hiddenLine xmlns:a14="http://schemas.microsoft.com/office/drawing/2010/main" xmlns="" w="9525">
                   <a:solidFill>
                     <a:srgbClr val="000000"/>
                   </a:solidFill>
@@ -3277,7 +3277,7 @@
             </a:ln>
             <a:extLst>
               <a:ext uri="{91240B29-F687-4f45-9708-019B960494DF}">
-                <a14:hiddenLine xmlns="" xmlns:a14="http://schemas.microsoft.com/office/drawing/2010/main" w="9525">
+                <a14:hiddenLine xmlns:a14="http://schemas.microsoft.com/office/drawing/2010/main" xmlns="" w="9525">
                   <a:solidFill>
                     <a:srgbClr val="000000"/>
                   </a:solidFill>
@@ -3339,7 +3339,7 @@
             </a:ln>
             <a:extLst>
               <a:ext uri="{91240B29-F687-4f45-9708-019B960494DF}">
-                <a14:hiddenLine xmlns="" xmlns:a14="http://schemas.microsoft.com/office/drawing/2010/main" w="9525">
+                <a14:hiddenLine xmlns:a14="http://schemas.microsoft.com/office/drawing/2010/main" xmlns="" w="9525">
                   <a:solidFill>
                     <a:srgbClr val="000000"/>
                   </a:solidFill>
@@ -3429,7 +3429,7 @@
             </a:ln>
             <a:extLst>
               <a:ext uri="{91240B29-F687-4f45-9708-019B960494DF}">
-                <a14:hiddenLine xmlns="" xmlns:a14="http://schemas.microsoft.com/office/drawing/2010/main" w="9525">
+                <a14:hiddenLine xmlns:a14="http://schemas.microsoft.com/office/drawing/2010/main" xmlns="" w="9525">
                   <a:solidFill>
                     <a:srgbClr val="000000"/>
                   </a:solidFill>
@@ -3491,7 +3491,7 @@
             </a:ln>
             <a:extLst>
               <a:ext uri="{91240B29-F687-4f45-9708-019B960494DF}">
-                <a14:hiddenLine xmlns="" xmlns:a14="http://schemas.microsoft.com/office/drawing/2010/main" w="9525">
+                <a14:hiddenLine xmlns:a14="http://schemas.microsoft.com/office/drawing/2010/main" xmlns="" w="9525">
                   <a:solidFill>
                     <a:srgbClr val="000000"/>
                   </a:solidFill>
@@ -3581,7 +3581,7 @@
             </a:ln>
             <a:extLst>
               <a:ext uri="{91240B29-F687-4f45-9708-019B960494DF}">
-                <a14:hiddenLine xmlns="" xmlns:a14="http://schemas.microsoft.com/office/drawing/2010/main" w="9525">
+                <a14:hiddenLine xmlns:a14="http://schemas.microsoft.com/office/drawing/2010/main" xmlns="" w="9525">
                   <a:solidFill>
                     <a:srgbClr val="000000"/>
                   </a:solidFill>
@@ -3615,7 +3615,7 @@
             </a:ln>
             <a:extLst>
               <a:ext uri="{91240B29-F687-4f45-9708-019B960494DF}">
-                <a14:hiddenLine xmlns="" xmlns:a14="http://schemas.microsoft.com/office/drawing/2010/main" w="9525">
+                <a14:hiddenLine xmlns:a14="http://schemas.microsoft.com/office/drawing/2010/main" xmlns="" w="9525">
                   <a:solidFill>
                     <a:srgbClr val="000000"/>
                   </a:solidFill>
@@ -3680,7 +3680,7 @@
             </a:ln>
             <a:extLst>
               <a:ext uri="{91240B29-F687-4f45-9708-019B960494DF}">
-                <a14:hiddenLine xmlns="" xmlns:a14="http://schemas.microsoft.com/office/drawing/2010/main" w="9525">
+                <a14:hiddenLine xmlns:a14="http://schemas.microsoft.com/office/drawing/2010/main" xmlns="" w="9525">
                   <a:solidFill>
                     <a:srgbClr val="000000"/>
                   </a:solidFill>
@@ -3770,7 +3770,7 @@
             </a:ln>
             <a:extLst>
               <a:ext uri="{91240B29-F687-4f45-9708-019B960494DF}">
-                <a14:hiddenLine xmlns="" xmlns:a14="http://schemas.microsoft.com/office/drawing/2010/main" w="9525">
+                <a14:hiddenLine xmlns:a14="http://schemas.microsoft.com/office/drawing/2010/main" xmlns="" w="9525">
                   <a:solidFill>
                     <a:srgbClr val="000000"/>
                   </a:solidFill>
@@ -3832,7 +3832,7 @@
             </a:ln>
             <a:extLst>
               <a:ext uri="{91240B29-F687-4f45-9708-019B960494DF}">
-                <a14:hiddenLine xmlns="" xmlns:a14="http://schemas.microsoft.com/office/drawing/2010/main" w="9525">
+                <a14:hiddenLine xmlns:a14="http://schemas.microsoft.com/office/drawing/2010/main" xmlns="" w="9525">
                   <a:solidFill>
                     <a:srgbClr val="000000"/>
                   </a:solidFill>
@@ -3922,7 +3922,7 @@
             </a:ln>
             <a:extLst>
               <a:ext uri="{91240B29-F687-4f45-9708-019B960494DF}">
-                <a14:hiddenLine xmlns="" xmlns:a14="http://schemas.microsoft.com/office/drawing/2010/main" w="9525">
+                <a14:hiddenLine xmlns:a14="http://schemas.microsoft.com/office/drawing/2010/main" xmlns="" w="9525">
                   <a:solidFill>
                     <a:srgbClr val="000000"/>
                   </a:solidFill>
@@ -4012,7 +4012,7 @@
             </a:ln>
             <a:extLst>
               <a:ext uri="{91240B29-F687-4f45-9708-019B960494DF}">
-                <a14:hiddenLine xmlns="" xmlns:a14="http://schemas.microsoft.com/office/drawing/2010/main" w="9525">
+                <a14:hiddenLine xmlns:a14="http://schemas.microsoft.com/office/drawing/2010/main" xmlns="" w="9525">
                   <a:solidFill>
                     <a:srgbClr val="000000"/>
                   </a:solidFill>
@@ -4077,7 +4077,7 @@
             </a:ln>
             <a:extLst>
               <a:ext uri="{91240B29-F687-4f45-9708-019B960494DF}">
-                <a14:hiddenLine xmlns="" xmlns:a14="http://schemas.microsoft.com/office/drawing/2010/main" w="9525">
+                <a14:hiddenLine xmlns:a14="http://schemas.microsoft.com/office/drawing/2010/main" xmlns="" w="9525">
                   <a:solidFill>
                     <a:srgbClr val="000000"/>
                   </a:solidFill>
@@ -4139,7 +4139,7 @@
             </a:ln>
             <a:extLst>
               <a:ext uri="{91240B29-F687-4f45-9708-019B960494DF}">
-                <a14:hiddenLine xmlns="" xmlns:a14="http://schemas.microsoft.com/office/drawing/2010/main" w="9525">
+                <a14:hiddenLine xmlns:a14="http://schemas.microsoft.com/office/drawing/2010/main" xmlns="" w="9525">
                   <a:solidFill>
                     <a:srgbClr val="000000"/>
                   </a:solidFill>
@@ -4229,7 +4229,7 @@
             </a:ln>
             <a:extLst>
               <a:ext uri="{91240B29-F687-4f45-9708-019B960494DF}">
-                <a14:hiddenLine xmlns="" xmlns:a14="http://schemas.microsoft.com/office/drawing/2010/main" w="9525">
+                <a14:hiddenLine xmlns:a14="http://schemas.microsoft.com/office/drawing/2010/main" xmlns="" w="9525">
                   <a:solidFill>
                     <a:srgbClr val="000000"/>
                   </a:solidFill>
@@ -4319,7 +4319,7 @@
             </a:ln>
             <a:extLst>
               <a:ext uri="{91240B29-F687-4f45-9708-019B960494DF}">
-                <a14:hiddenLine xmlns="" xmlns:a14="http://schemas.microsoft.com/office/drawing/2010/main" w="9525">
+                <a14:hiddenLine xmlns:a14="http://schemas.microsoft.com/office/drawing/2010/main" xmlns="" w="9525">
                   <a:solidFill>
                     <a:srgbClr val="000000"/>
                   </a:solidFill>
@@ -4381,7 +4381,7 @@
             </a:ln>
             <a:extLst>
               <a:ext uri="{91240B29-F687-4f45-9708-019B960494DF}">
-                <a14:hiddenLine xmlns="" xmlns:a14="http://schemas.microsoft.com/office/drawing/2010/main" w="9525">
+                <a14:hiddenLine xmlns:a14="http://schemas.microsoft.com/office/drawing/2010/main" xmlns="" w="9525">
                   <a:solidFill>
                     <a:srgbClr val="000000"/>
                   </a:solidFill>
@@ -4501,7 +4501,7 @@
             </a:ln>
             <a:extLst>
               <a:ext uri="{91240B29-F687-4f45-9708-019B960494DF}">
-                <a14:hiddenLine xmlns="" xmlns:a14="http://schemas.microsoft.com/office/drawing/2010/main" w="9525">
+                <a14:hiddenLine xmlns:a14="http://schemas.microsoft.com/office/drawing/2010/main" xmlns="" w="9525">
                   <a:solidFill>
                     <a:srgbClr val="000000"/>
                   </a:solidFill>
@@ -4569,7 +4569,7 @@
             </a:ln>
             <a:extLst>
               <a:ext uri="{91240B29-F687-4f45-9708-019B960494DF}">
-                <a14:hiddenLine xmlns="" xmlns:a14="http://schemas.microsoft.com/office/drawing/2010/main" w="9525">
+                <a14:hiddenLine xmlns:a14="http://schemas.microsoft.com/office/drawing/2010/main" xmlns="" w="9525">
                   <a:solidFill>
                     <a:srgbClr val="000000"/>
                   </a:solidFill>
@@ -4659,7 +4659,7 @@
             </a:ln>
             <a:extLst>
               <a:ext uri="{91240B29-F687-4f45-9708-019B960494DF}">
-                <a14:hiddenLine xmlns="" xmlns:a14="http://schemas.microsoft.com/office/drawing/2010/main" w="9525">
+                <a14:hiddenLine xmlns:a14="http://schemas.microsoft.com/office/drawing/2010/main" xmlns="" w="9525">
                   <a:solidFill>
                     <a:srgbClr val="000000"/>
                   </a:solidFill>
@@ -9466,7 +9466,7 @@
           <a:noFill/>
           <a:extLst>
             <a:ext uri="{909E8E84-426E-40dd-AFC4-6F175D3DCCD1}">
-              <a14:hiddenFill xmlns="" xmlns:a14="http://schemas.microsoft.com/office/drawing/2010/main">
+              <a14:hiddenFill xmlns:a14="http://schemas.microsoft.com/office/drawing/2010/main" xmlns="">
                 <a:solidFill>
                   <a:srgbClr val="FFFFFF"/>
                 </a:solidFill>
@@ -9540,7 +9540,7 @@
               </a:ln>
               <a:extLst>
                 <a:ext uri="{91240B29-F687-4f45-9708-019B960494DF}">
-                  <a14:hiddenLine xmlns="" xmlns:a14="http://schemas.microsoft.com/office/drawing/2010/main" w="9525">
+                  <a14:hiddenLine xmlns:a14="http://schemas.microsoft.com/office/drawing/2010/main" xmlns="" w="9525">
                     <a:solidFill>
                       <a:srgbClr val="000000"/>
                     </a:solidFill>
@@ -9630,7 +9630,7 @@
               </a:ln>
               <a:extLst>
                 <a:ext uri="{91240B29-F687-4f45-9708-019B960494DF}">
-                  <a14:hiddenLine xmlns="" xmlns:a14="http://schemas.microsoft.com/office/drawing/2010/main" w="9525">
+                  <a14:hiddenLine xmlns:a14="http://schemas.microsoft.com/office/drawing/2010/main" xmlns="" w="9525">
                     <a:solidFill>
                       <a:srgbClr val="000000"/>
                     </a:solidFill>
@@ -9720,7 +9720,7 @@
               </a:ln>
               <a:extLst>
                 <a:ext uri="{91240B29-F687-4f45-9708-019B960494DF}">
-                  <a14:hiddenLine xmlns="" xmlns:a14="http://schemas.microsoft.com/office/drawing/2010/main" w="9525">
+                  <a14:hiddenLine xmlns:a14="http://schemas.microsoft.com/office/drawing/2010/main" xmlns="" w="9525">
                     <a:solidFill>
                       <a:srgbClr val="000000"/>
                     </a:solidFill>
@@ -9782,7 +9782,7 @@
               </a:ln>
               <a:extLst>
                 <a:ext uri="{91240B29-F687-4f45-9708-019B960494DF}">
-                  <a14:hiddenLine xmlns="" xmlns:a14="http://schemas.microsoft.com/office/drawing/2010/main" w="9525">
+                  <a14:hiddenLine xmlns:a14="http://schemas.microsoft.com/office/drawing/2010/main" xmlns="" w="9525">
                     <a:solidFill>
                       <a:srgbClr val="000000"/>
                     </a:solidFill>
@@ -9872,7 +9872,7 @@
               </a:ln>
               <a:extLst>
                 <a:ext uri="{91240B29-F687-4f45-9708-019B960494DF}">
-                  <a14:hiddenLine xmlns="" xmlns:a14="http://schemas.microsoft.com/office/drawing/2010/main" w="9525">
+                  <a14:hiddenLine xmlns:a14="http://schemas.microsoft.com/office/drawing/2010/main" xmlns="" w="9525">
                     <a:solidFill>
                       <a:srgbClr val="000000"/>
                     </a:solidFill>
@@ -9934,7 +9934,7 @@
               </a:ln>
               <a:extLst>
                 <a:ext uri="{91240B29-F687-4f45-9708-019B960494DF}">
-                  <a14:hiddenLine xmlns="" xmlns:a14="http://schemas.microsoft.com/office/drawing/2010/main" w="9525">
+                  <a14:hiddenLine xmlns:a14="http://schemas.microsoft.com/office/drawing/2010/main" xmlns="" w="9525">
                     <a:solidFill>
                       <a:srgbClr val="000000"/>
                     </a:solidFill>
@@ -9996,7 +9996,7 @@
               </a:ln>
               <a:extLst>
                 <a:ext uri="{91240B29-F687-4f45-9708-019B960494DF}">
-                  <a14:hiddenLine xmlns="" xmlns:a14="http://schemas.microsoft.com/office/drawing/2010/main" w="9525">
+                  <a14:hiddenLine xmlns:a14="http://schemas.microsoft.com/office/drawing/2010/main" xmlns="" w="9525">
                     <a:solidFill>
                       <a:srgbClr val="000000"/>
                     </a:solidFill>
@@ -10086,7 +10086,7 @@
               </a:ln>
               <a:extLst>
                 <a:ext uri="{91240B29-F687-4f45-9708-019B960494DF}">
-                  <a14:hiddenLine xmlns="" xmlns:a14="http://schemas.microsoft.com/office/drawing/2010/main" w="9525">
+                  <a14:hiddenLine xmlns:a14="http://schemas.microsoft.com/office/drawing/2010/main" xmlns="" w="9525">
                     <a:solidFill>
                       <a:srgbClr val="000000"/>
                     </a:solidFill>
@@ -10176,7 +10176,7 @@
               </a:ln>
               <a:extLst>
                 <a:ext uri="{91240B29-F687-4f45-9708-019B960494DF}">
-                  <a14:hiddenLine xmlns="" xmlns:a14="http://schemas.microsoft.com/office/drawing/2010/main" w="9525">
+                  <a14:hiddenLine xmlns:a14="http://schemas.microsoft.com/office/drawing/2010/main" xmlns="" w="9525">
                     <a:solidFill>
                       <a:srgbClr val="000000"/>
                     </a:solidFill>
@@ -10238,7 +10238,7 @@
               </a:ln>
               <a:extLst>
                 <a:ext uri="{91240B29-F687-4f45-9708-019B960494DF}">
-                  <a14:hiddenLine xmlns="" xmlns:a14="http://schemas.microsoft.com/office/drawing/2010/main" w="9525">
+                  <a14:hiddenLine xmlns:a14="http://schemas.microsoft.com/office/drawing/2010/main" xmlns="" w="9525">
                     <a:solidFill>
                       <a:srgbClr val="000000"/>
                     </a:solidFill>
@@ -10348,7 +10348,7 @@
               </a:ln>
               <a:extLst>
                 <a:ext uri="{91240B29-F687-4f45-9708-019B960494DF}">
-                  <a14:hiddenLine xmlns="" xmlns:a14="http://schemas.microsoft.com/office/drawing/2010/main" w="9525">
+                  <a14:hiddenLine xmlns:a14="http://schemas.microsoft.com/office/drawing/2010/main" xmlns="" w="9525">
                     <a:solidFill>
                       <a:srgbClr val="000000"/>
                     </a:solidFill>
@@ -10432,7 +10432,7 @@
               </a:ln>
               <a:extLst>
                 <a:ext uri="{91240B29-F687-4f45-9708-019B960494DF}">
-                  <a14:hiddenLine xmlns="" xmlns:a14="http://schemas.microsoft.com/office/drawing/2010/main" w="9525">
+                  <a14:hiddenLine xmlns:a14="http://schemas.microsoft.com/office/drawing/2010/main" xmlns="" w="9525">
                     <a:solidFill>
                       <a:srgbClr val="000000"/>
                     </a:solidFill>
@@ -10494,7 +10494,7 @@
               </a:ln>
               <a:extLst>
                 <a:ext uri="{91240B29-F687-4f45-9708-019B960494DF}">
-                  <a14:hiddenLine xmlns="" xmlns:a14="http://schemas.microsoft.com/office/drawing/2010/main" w="9525">
+                  <a14:hiddenLine xmlns:a14="http://schemas.microsoft.com/office/drawing/2010/main" xmlns="" w="9525">
                     <a:solidFill>
                       <a:srgbClr val="000000"/>
                     </a:solidFill>
@@ -10556,7 +10556,7 @@
               </a:ln>
               <a:extLst>
                 <a:ext uri="{91240B29-F687-4f45-9708-019B960494DF}">
-                  <a14:hiddenLine xmlns="" xmlns:a14="http://schemas.microsoft.com/office/drawing/2010/main" w="9525">
+                  <a14:hiddenLine xmlns:a14="http://schemas.microsoft.com/office/drawing/2010/main" xmlns="" w="9525">
                     <a:solidFill>
                       <a:srgbClr val="000000"/>
                     </a:solidFill>
@@ -10646,7 +10646,7 @@
               </a:ln>
               <a:extLst>
                 <a:ext uri="{91240B29-F687-4f45-9708-019B960494DF}">
-                  <a14:hiddenLine xmlns="" xmlns:a14="http://schemas.microsoft.com/office/drawing/2010/main" w="9525">
+                  <a14:hiddenLine xmlns:a14="http://schemas.microsoft.com/office/drawing/2010/main" xmlns="" w="9525">
                     <a:solidFill>
                       <a:srgbClr val="000000"/>
                     </a:solidFill>
@@ -10680,7 +10680,7 @@
               </a:ln>
               <a:extLst>
                 <a:ext uri="{91240B29-F687-4f45-9708-019B960494DF}">
-                  <a14:hiddenLine xmlns="" xmlns:a14="http://schemas.microsoft.com/office/drawing/2010/main" w="9525">
+                  <a14:hiddenLine xmlns:a14="http://schemas.microsoft.com/office/drawing/2010/main" xmlns="" w="9525">
                     <a:solidFill>
                       <a:srgbClr val="000000"/>
                     </a:solidFill>
@@ -10745,7 +10745,7 @@
               </a:ln>
               <a:extLst>
                 <a:ext uri="{91240B29-F687-4f45-9708-019B960494DF}">
-                  <a14:hiddenLine xmlns="" xmlns:a14="http://schemas.microsoft.com/office/drawing/2010/main" w="9525">
+                  <a14:hiddenLine xmlns:a14="http://schemas.microsoft.com/office/drawing/2010/main" xmlns="" w="9525">
                     <a:solidFill>
                       <a:srgbClr val="000000"/>
                     </a:solidFill>
@@ -10835,7 +10835,7 @@
               </a:ln>
               <a:extLst>
                 <a:ext uri="{91240B29-F687-4f45-9708-019B960494DF}">
-                  <a14:hiddenLine xmlns="" xmlns:a14="http://schemas.microsoft.com/office/drawing/2010/main" w="9525">
+                  <a14:hiddenLine xmlns:a14="http://schemas.microsoft.com/office/drawing/2010/main" xmlns="" w="9525">
                     <a:solidFill>
                       <a:srgbClr val="000000"/>
                     </a:solidFill>
@@ -10897,7 +10897,7 @@
               </a:ln>
               <a:extLst>
                 <a:ext uri="{91240B29-F687-4f45-9708-019B960494DF}">
-                  <a14:hiddenLine xmlns="" xmlns:a14="http://schemas.microsoft.com/office/drawing/2010/main" w="9525">
+                  <a14:hiddenLine xmlns:a14="http://schemas.microsoft.com/office/drawing/2010/main" xmlns="" w="9525">
                     <a:solidFill>
                       <a:srgbClr val="000000"/>
                     </a:solidFill>
@@ -10987,7 +10987,7 @@
               </a:ln>
               <a:extLst>
                 <a:ext uri="{91240B29-F687-4f45-9708-019B960494DF}">
-                  <a14:hiddenLine xmlns="" xmlns:a14="http://schemas.microsoft.com/office/drawing/2010/main" w="9525">
+                  <a14:hiddenLine xmlns:a14="http://schemas.microsoft.com/office/drawing/2010/main" xmlns="" w="9525">
                     <a:solidFill>
                       <a:srgbClr val="000000"/>
                     </a:solidFill>
@@ -11052,7 +11052,7 @@
               </a:ln>
               <a:extLst>
                 <a:ext uri="{91240B29-F687-4f45-9708-019B960494DF}">
-                  <a14:hiddenLine xmlns="" xmlns:a14="http://schemas.microsoft.com/office/drawing/2010/main" w="9525">
+                  <a14:hiddenLine xmlns:a14="http://schemas.microsoft.com/office/drawing/2010/main" xmlns="" w="9525">
                     <a:solidFill>
                       <a:srgbClr val="000000"/>
                     </a:solidFill>
@@ -11114,7 +11114,7 @@
               </a:ln>
               <a:extLst>
                 <a:ext uri="{91240B29-F687-4f45-9708-019B960494DF}">
-                  <a14:hiddenLine xmlns="" xmlns:a14="http://schemas.microsoft.com/office/drawing/2010/main" w="9525">
+                  <a14:hiddenLine xmlns:a14="http://schemas.microsoft.com/office/drawing/2010/main" xmlns="" w="9525">
                     <a:solidFill>
                       <a:srgbClr val="000000"/>
                     </a:solidFill>
@@ -11204,7 +11204,7 @@
               </a:ln>
               <a:extLst>
                 <a:ext uri="{91240B29-F687-4f45-9708-019B960494DF}">
-                  <a14:hiddenLine xmlns="" xmlns:a14="http://schemas.microsoft.com/office/drawing/2010/main" w="9525">
+                  <a14:hiddenLine xmlns:a14="http://schemas.microsoft.com/office/drawing/2010/main" xmlns="" w="9525">
                     <a:solidFill>
                       <a:srgbClr val="000000"/>
                     </a:solidFill>
@@ -11294,7 +11294,7 @@
               </a:ln>
               <a:extLst>
                 <a:ext uri="{91240B29-F687-4f45-9708-019B960494DF}">
-                  <a14:hiddenLine xmlns="" xmlns:a14="http://schemas.microsoft.com/office/drawing/2010/main" w="9525">
+                  <a14:hiddenLine xmlns:a14="http://schemas.microsoft.com/office/drawing/2010/main" xmlns="" w="9525">
                     <a:solidFill>
                       <a:srgbClr val="000000"/>
                     </a:solidFill>
@@ -11359,7 +11359,7 @@
               </a:ln>
               <a:extLst>
                 <a:ext uri="{91240B29-F687-4f45-9708-019B960494DF}">
-                  <a14:hiddenLine xmlns="" xmlns:a14="http://schemas.microsoft.com/office/drawing/2010/main" w="9525">
+                  <a14:hiddenLine xmlns:a14="http://schemas.microsoft.com/office/drawing/2010/main" xmlns="" w="9525">
                     <a:solidFill>
                       <a:srgbClr val="000000"/>
                     </a:solidFill>
@@ -11479,7 +11479,7 @@
               </a:ln>
               <a:extLst>
                 <a:ext uri="{91240B29-F687-4f45-9708-019B960494DF}">
-                  <a14:hiddenLine xmlns="" xmlns:a14="http://schemas.microsoft.com/office/drawing/2010/main" w="9525">
+                  <a14:hiddenLine xmlns:a14="http://schemas.microsoft.com/office/drawing/2010/main" xmlns="" w="9525">
                     <a:solidFill>
                       <a:srgbClr val="000000"/>
                     </a:solidFill>
@@ -11577,7 +11577,7 @@
               </a:ln>
               <a:extLst>
                 <a:ext uri="{91240B29-F687-4f45-9708-019B960494DF}">
-                  <a14:hiddenLine xmlns="" xmlns:a14="http://schemas.microsoft.com/office/drawing/2010/main" w="9525">
+                  <a14:hiddenLine xmlns:a14="http://schemas.microsoft.com/office/drawing/2010/main" xmlns="" w="9525">
                     <a:solidFill>
                       <a:srgbClr val="000000"/>
                     </a:solidFill>
@@ -11692,7 +11692,7 @@
               </a:ln>
               <a:extLst>
                 <a:ext uri="{91240B29-F687-4f45-9708-019B960494DF}">
-                  <a14:hiddenLine xmlns="" xmlns:a14="http://schemas.microsoft.com/office/drawing/2010/main" w="9525">
+                  <a14:hiddenLine xmlns:a14="http://schemas.microsoft.com/office/drawing/2010/main" xmlns="" w="9525">
                     <a:solidFill>
                       <a:srgbClr val="000000"/>
                     </a:solidFill>
@@ -11782,7 +11782,7 @@
               </a:ln>
               <a:extLst>
                 <a:ext uri="{91240B29-F687-4f45-9708-019B960494DF}">
-                  <a14:hiddenLine xmlns="" xmlns:a14="http://schemas.microsoft.com/office/drawing/2010/main" w="9525">
+                  <a14:hiddenLine xmlns:a14="http://schemas.microsoft.com/office/drawing/2010/main" xmlns="" w="9525">
                     <a:solidFill>
                       <a:srgbClr val="000000"/>
                     </a:solidFill>
@@ -11847,7 +11847,7 @@
               </a:ln>
               <a:extLst>
                 <a:ext uri="{91240B29-F687-4f45-9708-019B960494DF}">
-                  <a14:hiddenLine xmlns="" xmlns:a14="http://schemas.microsoft.com/office/drawing/2010/main" w="9525">
+                  <a14:hiddenLine xmlns:a14="http://schemas.microsoft.com/office/drawing/2010/main" xmlns="" w="9525">
                     <a:solidFill>
                       <a:srgbClr val="000000"/>
                     </a:solidFill>
@@ -11937,7 +11937,7 @@
               </a:ln>
               <a:extLst>
                 <a:ext uri="{91240B29-F687-4f45-9708-019B960494DF}">
-                  <a14:hiddenLine xmlns="" xmlns:a14="http://schemas.microsoft.com/office/drawing/2010/main" w="9525">
+                  <a14:hiddenLine xmlns:a14="http://schemas.microsoft.com/office/drawing/2010/main" xmlns="" w="9525">
                     <a:solidFill>
                       <a:srgbClr val="000000"/>
                     </a:solidFill>
@@ -12005,7 +12005,7 @@
               </a:ln>
               <a:extLst>
                 <a:ext uri="{91240B29-F687-4f45-9708-019B960494DF}">
-                  <a14:hiddenLine xmlns="" xmlns:a14="http://schemas.microsoft.com/office/drawing/2010/main" w="9525">
+                  <a14:hiddenLine xmlns:a14="http://schemas.microsoft.com/office/drawing/2010/main" xmlns="" w="9525">
                     <a:solidFill>
                       <a:srgbClr val="000000"/>
                     </a:solidFill>
@@ -12095,7 +12095,7 @@
               </a:ln>
               <a:extLst>
                 <a:ext uri="{91240B29-F687-4f45-9708-019B960494DF}">
-                  <a14:hiddenLine xmlns="" xmlns:a14="http://schemas.microsoft.com/office/drawing/2010/main" w="9525">
+                  <a14:hiddenLine xmlns:a14="http://schemas.microsoft.com/office/drawing/2010/main" xmlns="" w="9525">
                     <a:solidFill>
                       <a:srgbClr val="000000"/>
                     </a:solidFill>
@@ -12163,7 +12163,7 @@
               </a:ln>
               <a:extLst>
                 <a:ext uri="{91240B29-F687-4f45-9708-019B960494DF}">
-                  <a14:hiddenLine xmlns="" xmlns:a14="http://schemas.microsoft.com/office/drawing/2010/main" w="9525">
+                  <a14:hiddenLine xmlns:a14="http://schemas.microsoft.com/office/drawing/2010/main" xmlns="" w="9525">
                     <a:solidFill>
                       <a:srgbClr val="000000"/>
                     </a:solidFill>
@@ -12253,7 +12253,7 @@
               </a:ln>
               <a:extLst>
                 <a:ext uri="{91240B29-F687-4f45-9708-019B960494DF}">
-                  <a14:hiddenLine xmlns="" xmlns:a14="http://schemas.microsoft.com/office/drawing/2010/main" w="9525">
+                  <a14:hiddenLine xmlns:a14="http://schemas.microsoft.com/office/drawing/2010/main" xmlns="" w="9525">
                     <a:solidFill>
                       <a:srgbClr val="000000"/>
                     </a:solidFill>
@@ -12287,7 +12287,7 @@
               </a:ln>
               <a:extLst>
                 <a:ext uri="{91240B29-F687-4f45-9708-019B960494DF}">
-                  <a14:hiddenLine xmlns="" xmlns:a14="http://schemas.microsoft.com/office/drawing/2010/main" w="9525">
+                  <a14:hiddenLine xmlns:a14="http://schemas.microsoft.com/office/drawing/2010/main" xmlns="" w="9525">
                     <a:solidFill>
                       <a:srgbClr val="000000"/>
                     </a:solidFill>
@@ -14141,7 +14141,7 @@
       </p:sp>
       <p:pic>
         <p:nvPicPr>
-          <p:cNvPr id="4" name="Picture 3"/>
+          <p:cNvPr id="2" name="Picture 1"/>
           <p:cNvPicPr>
             <a:picLocks noChangeAspect="1"/>
           </p:cNvPicPr>
@@ -14161,8 +14161,8 @@
         </p:blipFill>
         <p:spPr>
           <a:xfrm>
-            <a:off x="4809981" y="203200"/>
-            <a:ext cx="4638820" cy="6349349"/>
+            <a:off x="4771880" y="152400"/>
+            <a:ext cx="4740420" cy="6488414"/>
           </a:xfrm>
           <a:prstGeom prst="rect">
             <a:avLst/>

--- a/Datawarehouse.pptx
+++ b/Datawarehouse.pptx
@@ -202,7 +202,7 @@
           <a:p>
             <a:fld id="{3EFD42F7-718C-4B98-AAEC-167E6DDD60A7}" type="datetimeFigureOut">
               <a:rPr lang="en-US" smtClean="0"/>
-              <a:t>8/8/2020</a:t>
+              <a:t>8/9/2020</a:t>
             </a:fld>
             <a:endParaRPr lang="en-US"/>
           </a:p>
@@ -4699,7 +4699,7 @@
           </a:lstStyle>
           <a:p>
             <a:r>
-              <a:rPr lang="en-US" smtClean="0"/>
+              <a:rPr lang="en-US"/>
               <a:t>Click to edit Master title style</a:t>
             </a:r>
             <a:endParaRPr lang="en-US" dirty="0"/>
@@ -4770,7 +4770,7 @@
           </a:lstStyle>
           <a:p>
             <a:r>
-              <a:rPr lang="en-US" smtClean="0"/>
+              <a:rPr lang="en-US"/>
               <a:t>Click to edit Master subtitle style</a:t>
             </a:r>
             <a:endParaRPr lang="en-US" dirty="0"/>
@@ -4799,7 +4799,7 @@
           <a:p>
             <a:fld id="{AA6B33E2-E582-49CA-B802-EA2BFF3F3A0C}" type="datetimeFigureOut">
               <a:rPr lang="en-US" smtClean="0"/>
-              <a:t>8/8/2020</a:t>
+              <a:t>8/9/2020</a:t>
             </a:fld>
             <a:endParaRPr lang="en-US"/>
           </a:p>
@@ -4914,7 +4914,7 @@
           </a:lstStyle>
           <a:p>
             <a:r>
-              <a:rPr lang="en-US" smtClean="0"/>
+              <a:rPr lang="en-US"/>
               <a:t>Click to edit Master title style</a:t>
             </a:r>
             <a:endParaRPr lang="en-US" dirty="0"/>
@@ -4975,7 +4975,7 @@
               <a:buNone/>
             </a:pPr>
             <a:r>
-              <a:rPr lang="en-US" smtClean="0"/>
+              <a:rPr lang="en-US"/>
               <a:t>Click icon to add picture</a:t>
             </a:r>
             <a:endParaRPr lang="en-US" dirty="0"/>
@@ -5043,7 +5043,7 @@
           <a:p>
             <a:pPr lvl="0"/>
             <a:r>
-              <a:rPr lang="en-US" smtClean="0"/>
+              <a:rPr lang="en-US"/>
               <a:t>Edit Master text styles</a:t>
             </a:r>
           </a:p>
@@ -5066,7 +5066,7 @@
           <a:p>
             <a:fld id="{AA6B33E2-E582-49CA-B802-EA2BFF3F3A0C}" type="datetimeFigureOut">
               <a:rPr lang="en-US" smtClean="0"/>
-              <a:t>8/8/2020</a:t>
+              <a:t>8/9/2020</a:t>
             </a:fld>
             <a:endParaRPr lang="en-US"/>
           </a:p>
@@ -5171,7 +5171,7 @@
           </a:lstStyle>
           <a:p>
             <a:r>
-              <a:rPr lang="en-US" smtClean="0"/>
+              <a:rPr lang="en-US"/>
               <a:t>Click to edit Master title style</a:t>
             </a:r>
             <a:endParaRPr lang="en-US" dirty="0"/>
@@ -5239,7 +5239,7 @@
           <a:p>
             <a:pPr lvl="0"/>
             <a:r>
-              <a:rPr lang="en-US" smtClean="0"/>
+              <a:rPr lang="en-US"/>
               <a:t>Edit Master text styles</a:t>
             </a:r>
           </a:p>
@@ -5262,7 +5262,7 @@
           <a:p>
             <a:fld id="{AA6B33E2-E582-49CA-B802-EA2BFF3F3A0C}" type="datetimeFigureOut">
               <a:rPr lang="en-US" smtClean="0"/>
-              <a:t>8/8/2020</a:t>
+              <a:t>8/9/2020</a:t>
             </a:fld>
             <a:endParaRPr lang="en-US"/>
           </a:p>
@@ -5367,7 +5367,7 @@
           </a:lstStyle>
           <a:p>
             <a:r>
-              <a:rPr lang="en-US" smtClean="0"/>
+              <a:rPr lang="en-US"/>
               <a:t>Click to edit Master title style</a:t>
             </a:r>
             <a:endParaRPr lang="en-US" dirty="0"/>
@@ -5435,7 +5435,7 @@
           <a:p>
             <a:pPr lvl="0"/>
             <a:r>
-              <a:rPr lang="en-US" smtClean="0"/>
+              <a:rPr lang="en-US"/>
               <a:t>Edit Master text styles</a:t>
             </a:r>
           </a:p>
@@ -5502,7 +5502,7 @@
           <a:p>
             <a:pPr lvl="0"/>
             <a:r>
-              <a:rPr lang="en-US" smtClean="0"/>
+              <a:rPr lang="en-US"/>
               <a:t>Edit Master text styles</a:t>
             </a:r>
           </a:p>
@@ -5525,7 +5525,7 @@
           <a:p>
             <a:fld id="{AA6B33E2-E582-49CA-B802-EA2BFF3F3A0C}" type="datetimeFigureOut">
               <a:rPr lang="en-US" smtClean="0"/>
-              <a:t>8/8/2020</a:t>
+              <a:t>8/9/2020</a:t>
             </a:fld>
             <a:endParaRPr lang="en-US"/>
           </a:p>
@@ -5868,7 +5868,7 @@
           </a:lstStyle>
           <a:p>
             <a:r>
-              <a:rPr lang="en-US" smtClean="0"/>
+              <a:rPr lang="en-US"/>
               <a:t>Click to edit Master title style</a:t>
             </a:r>
             <a:endParaRPr lang="en-US" dirty="0"/>
@@ -5936,7 +5936,7 @@
           <a:p>
             <a:pPr lvl="0"/>
             <a:r>
-              <a:rPr lang="en-US" smtClean="0"/>
+              <a:rPr lang="en-US"/>
               <a:t>Edit Master text styles</a:t>
             </a:r>
           </a:p>
@@ -5959,7 +5959,7 @@
           <a:p>
             <a:fld id="{AA6B33E2-E582-49CA-B802-EA2BFF3F3A0C}" type="datetimeFigureOut">
               <a:rPr lang="en-US" smtClean="0"/>
-              <a:t>8/8/2020</a:t>
+              <a:t>8/9/2020</a:t>
             </a:fld>
             <a:endParaRPr lang="en-US"/>
           </a:p>
@@ -6058,7 +6058,7 @@
           <a:lstStyle/>
           <a:p>
             <a:r>
-              <a:rPr lang="en-US" smtClean="0"/>
+              <a:rPr lang="en-US"/>
               <a:t>Click to edit Master title style</a:t>
             </a:r>
             <a:endParaRPr lang="en-US" dirty="0"/>
@@ -6133,7 +6133,7 @@
           <a:p>
             <a:pPr lvl="0"/>
             <a:r>
-              <a:rPr lang="en-US" smtClean="0"/>
+              <a:rPr lang="en-US"/>
               <a:t>Edit Master text styles</a:t>
             </a:r>
           </a:p>
@@ -6200,7 +6200,7 @@
           <a:p>
             <a:pPr lvl="0"/>
             <a:r>
-              <a:rPr lang="en-US" smtClean="0"/>
+              <a:rPr lang="en-US"/>
               <a:t>Edit Master text styles</a:t>
             </a:r>
           </a:p>
@@ -6274,7 +6274,7 @@
           <a:p>
             <a:pPr lvl="0"/>
             <a:r>
-              <a:rPr lang="en-US" smtClean="0"/>
+              <a:rPr lang="en-US"/>
               <a:t>Edit Master text styles</a:t>
             </a:r>
           </a:p>
@@ -6341,7 +6341,7 @@
           <a:p>
             <a:pPr lvl="0"/>
             <a:r>
-              <a:rPr lang="en-US" smtClean="0"/>
+              <a:rPr lang="en-US"/>
               <a:t>Edit Master text styles</a:t>
             </a:r>
           </a:p>
@@ -6415,7 +6415,7 @@
           <a:p>
             <a:pPr lvl="0"/>
             <a:r>
-              <a:rPr lang="en-US" smtClean="0"/>
+              <a:rPr lang="en-US"/>
               <a:t>Edit Master text styles</a:t>
             </a:r>
           </a:p>
@@ -6482,7 +6482,7 @@
           <a:p>
             <a:pPr lvl="0"/>
             <a:r>
-              <a:rPr lang="en-US" smtClean="0"/>
+              <a:rPr lang="en-US"/>
               <a:t>Edit Master text styles</a:t>
             </a:r>
           </a:p>
@@ -6505,7 +6505,7 @@
           <a:p>
             <a:fld id="{AA6B33E2-E582-49CA-B802-EA2BFF3F3A0C}" type="datetimeFigureOut">
               <a:rPr lang="en-US" smtClean="0"/>
-              <a:t>8/8/2020</a:t>
+              <a:t>8/9/2020</a:t>
             </a:fld>
             <a:endParaRPr lang="en-US"/>
           </a:p>
@@ -6604,7 +6604,7 @@
           <a:lstStyle/>
           <a:p>
             <a:r>
-              <a:rPr lang="en-US" smtClean="0"/>
+              <a:rPr lang="en-US"/>
               <a:t>Click to edit Master title style</a:t>
             </a:r>
             <a:endParaRPr lang="en-US" dirty="0"/>
@@ -6679,7 +6679,7 @@
           <a:p>
             <a:pPr lvl="0"/>
             <a:r>
-              <a:rPr lang="en-US" smtClean="0"/>
+              <a:rPr lang="en-US"/>
               <a:t>Edit Master text styles</a:t>
             </a:r>
           </a:p>
@@ -6736,7 +6736,7 @@
               <a:buNone/>
             </a:pPr>
             <a:r>
-              <a:rPr lang="en-US" smtClean="0"/>
+              <a:rPr lang="en-US"/>
               <a:t>Click icon to add picture</a:t>
             </a:r>
             <a:endParaRPr lang="en-US" dirty="0"/>
@@ -6804,7 +6804,7 @@
           <a:p>
             <a:pPr lvl="0"/>
             <a:r>
-              <a:rPr lang="en-US" smtClean="0"/>
+              <a:rPr lang="en-US"/>
               <a:t>Edit Master text styles</a:t>
             </a:r>
           </a:p>
@@ -6878,7 +6878,7 @@
           <a:p>
             <a:pPr lvl="0"/>
             <a:r>
-              <a:rPr lang="en-US" smtClean="0"/>
+              <a:rPr lang="en-US"/>
               <a:t>Edit Master text styles</a:t>
             </a:r>
           </a:p>
@@ -6935,7 +6935,7 @@
               <a:buNone/>
             </a:pPr>
             <a:r>
-              <a:rPr lang="en-US" smtClean="0"/>
+              <a:rPr lang="en-US"/>
               <a:t>Click icon to add picture</a:t>
             </a:r>
             <a:endParaRPr lang="en-US" dirty="0"/>
@@ -7003,7 +7003,7 @@
           <a:p>
             <a:pPr lvl="0"/>
             <a:r>
-              <a:rPr lang="en-US" smtClean="0"/>
+              <a:rPr lang="en-US"/>
               <a:t>Edit Master text styles</a:t>
             </a:r>
           </a:p>
@@ -7077,7 +7077,7 @@
           <a:p>
             <a:pPr lvl="0"/>
             <a:r>
-              <a:rPr lang="en-US" smtClean="0"/>
+              <a:rPr lang="en-US"/>
               <a:t>Edit Master text styles</a:t>
             </a:r>
           </a:p>
@@ -7134,7 +7134,7 @@
               <a:buNone/>
             </a:pPr>
             <a:r>
-              <a:rPr lang="en-US" smtClean="0"/>
+              <a:rPr lang="en-US"/>
               <a:t>Click icon to add picture</a:t>
             </a:r>
             <a:endParaRPr lang="en-US" dirty="0"/>
@@ -7202,7 +7202,7 @@
           <a:p>
             <a:pPr lvl="0"/>
             <a:r>
-              <a:rPr lang="en-US" smtClean="0"/>
+              <a:rPr lang="en-US"/>
               <a:t>Edit Master text styles</a:t>
             </a:r>
           </a:p>
@@ -7225,7 +7225,7 @@
           <a:p>
             <a:fld id="{AA6B33E2-E582-49CA-B802-EA2BFF3F3A0C}" type="datetimeFigureOut">
               <a:rPr lang="en-US" smtClean="0"/>
-              <a:t>8/8/2020</a:t>
+              <a:t>8/9/2020</a:t>
             </a:fld>
             <a:endParaRPr lang="en-US"/>
           </a:p>
@@ -7319,7 +7319,7 @@
           <a:lstStyle/>
           <a:p>
             <a:r>
-              <a:rPr lang="en-US" smtClean="0"/>
+              <a:rPr lang="en-US"/>
               <a:t>Click to edit Master title style</a:t>
             </a:r>
             <a:endParaRPr lang="en-US" dirty="0"/>
@@ -7343,35 +7343,35 @@
           <a:p>
             <a:pPr lvl="0"/>
             <a:r>
-              <a:rPr lang="en-US" smtClean="0"/>
+              <a:rPr lang="en-US"/>
               <a:t>Edit Master text styles</a:t>
             </a:r>
           </a:p>
           <a:p>
             <a:pPr lvl="1"/>
             <a:r>
-              <a:rPr lang="en-US" smtClean="0"/>
+              <a:rPr lang="en-US"/>
               <a:t>Second level</a:t>
             </a:r>
           </a:p>
           <a:p>
             <a:pPr lvl="2"/>
             <a:r>
-              <a:rPr lang="en-US" smtClean="0"/>
+              <a:rPr lang="en-US"/>
               <a:t>Third level</a:t>
             </a:r>
           </a:p>
           <a:p>
             <a:pPr lvl="3"/>
             <a:r>
-              <a:rPr lang="en-US" smtClean="0"/>
+              <a:rPr lang="en-US"/>
               <a:t>Fourth level</a:t>
             </a:r>
           </a:p>
           <a:p>
             <a:pPr lvl="4"/>
             <a:r>
-              <a:rPr lang="en-US" smtClean="0"/>
+              <a:rPr lang="en-US"/>
               <a:t>Fifth level</a:t>
             </a:r>
             <a:endParaRPr lang="en-US" dirty="0"/>
@@ -7395,7 +7395,7 @@
           <a:p>
             <a:fld id="{AA6B33E2-E582-49CA-B802-EA2BFF3F3A0C}" type="datetimeFigureOut">
               <a:rPr lang="en-US" smtClean="0"/>
-              <a:t>8/8/2020</a:t>
+              <a:t>8/9/2020</a:t>
             </a:fld>
             <a:endParaRPr lang="en-US"/>
           </a:p>
@@ -7494,7 +7494,7 @@
           <a:lstStyle/>
           <a:p>
             <a:r>
-              <a:rPr lang="en-US" smtClean="0"/>
+              <a:rPr lang="en-US"/>
               <a:t>Click to edit Master title style</a:t>
             </a:r>
             <a:endParaRPr lang="en-US" dirty="0"/>
@@ -7523,35 +7523,35 @@
           <a:p>
             <a:pPr lvl="0"/>
             <a:r>
-              <a:rPr lang="en-US" smtClean="0"/>
+              <a:rPr lang="en-US"/>
               <a:t>Edit Master text styles</a:t>
             </a:r>
           </a:p>
           <a:p>
             <a:pPr lvl="1"/>
             <a:r>
-              <a:rPr lang="en-US" smtClean="0"/>
+              <a:rPr lang="en-US"/>
               <a:t>Second level</a:t>
             </a:r>
           </a:p>
           <a:p>
             <a:pPr lvl="2"/>
             <a:r>
-              <a:rPr lang="en-US" smtClean="0"/>
+              <a:rPr lang="en-US"/>
               <a:t>Third level</a:t>
             </a:r>
           </a:p>
           <a:p>
             <a:pPr lvl="3"/>
             <a:r>
-              <a:rPr lang="en-US" smtClean="0"/>
+              <a:rPr lang="en-US"/>
               <a:t>Fourth level</a:t>
             </a:r>
           </a:p>
           <a:p>
             <a:pPr lvl="4"/>
             <a:r>
-              <a:rPr lang="en-US" smtClean="0"/>
+              <a:rPr lang="en-US"/>
               <a:t>Fifth level</a:t>
             </a:r>
             <a:endParaRPr lang="en-US" dirty="0"/>
@@ -7575,7 +7575,7 @@
           <a:p>
             <a:fld id="{AA6B33E2-E582-49CA-B802-EA2BFF3F3A0C}" type="datetimeFigureOut">
               <a:rPr lang="en-US" smtClean="0"/>
-              <a:t>8/8/2020</a:t>
+              <a:t>8/9/2020</a:t>
             </a:fld>
             <a:endParaRPr lang="en-US"/>
           </a:p>
@@ -7669,7 +7669,7 @@
           <a:lstStyle/>
           <a:p>
             <a:r>
-              <a:rPr lang="en-US" smtClean="0"/>
+              <a:rPr lang="en-US"/>
               <a:t>Click to edit Master title style</a:t>
             </a:r>
             <a:endParaRPr lang="en-US" dirty="0"/>
@@ -7693,35 +7693,35 @@
           <a:p>
             <a:pPr lvl="0"/>
             <a:r>
-              <a:rPr lang="en-US" smtClean="0"/>
+              <a:rPr lang="en-US"/>
               <a:t>Edit Master text styles</a:t>
             </a:r>
           </a:p>
           <a:p>
             <a:pPr lvl="1"/>
             <a:r>
-              <a:rPr lang="en-US" smtClean="0"/>
+              <a:rPr lang="en-US"/>
               <a:t>Second level</a:t>
             </a:r>
           </a:p>
           <a:p>
             <a:pPr lvl="2"/>
             <a:r>
-              <a:rPr lang="en-US" smtClean="0"/>
+              <a:rPr lang="en-US"/>
               <a:t>Third level</a:t>
             </a:r>
           </a:p>
           <a:p>
             <a:pPr lvl="3"/>
             <a:r>
-              <a:rPr lang="en-US" smtClean="0"/>
+              <a:rPr lang="en-US"/>
               <a:t>Fourth level</a:t>
             </a:r>
           </a:p>
           <a:p>
             <a:pPr lvl="4"/>
             <a:r>
-              <a:rPr lang="en-US" smtClean="0"/>
+              <a:rPr lang="en-US"/>
               <a:t>Fifth level</a:t>
             </a:r>
             <a:endParaRPr lang="en-US" dirty="0"/>
@@ -7745,7 +7745,7 @@
           <a:p>
             <a:fld id="{AA6B33E2-E582-49CA-B802-EA2BFF3F3A0C}" type="datetimeFigureOut">
               <a:rPr lang="en-US" smtClean="0"/>
-              <a:t>8/8/2020</a:t>
+              <a:t>8/9/2020</a:t>
             </a:fld>
             <a:endParaRPr lang="en-US"/>
           </a:p>
@@ -7850,7 +7850,7 @@
           </a:lstStyle>
           <a:p>
             <a:r>
-              <a:rPr lang="en-US" smtClean="0"/>
+              <a:rPr lang="en-US"/>
               <a:t>Click to edit Master title style</a:t>
             </a:r>
             <a:endParaRPr lang="en-US" dirty="0"/>
@@ -7972,7 +7972,7 @@
           <a:p>
             <a:pPr lvl="0"/>
             <a:r>
-              <a:rPr lang="en-US" smtClean="0"/>
+              <a:rPr lang="en-US"/>
               <a:t>Edit Master text styles</a:t>
             </a:r>
           </a:p>
@@ -7995,7 +7995,7 @@
           <a:p>
             <a:fld id="{AA6B33E2-E582-49CA-B802-EA2BFF3F3A0C}" type="datetimeFigureOut">
               <a:rPr lang="en-US" smtClean="0"/>
-              <a:t>8/8/2020</a:t>
+              <a:t>8/9/2020</a:t>
             </a:fld>
             <a:endParaRPr lang="en-US"/>
           </a:p>
@@ -8089,7 +8089,7 @@
           <a:lstStyle/>
           <a:p>
             <a:r>
-              <a:rPr lang="en-US" smtClean="0"/>
+              <a:rPr lang="en-US"/>
               <a:t>Click to edit Master title style</a:t>
             </a:r>
             <a:endParaRPr lang="en-US" dirty="0"/>
@@ -8118,35 +8118,35 @@
           <a:p>
             <a:pPr lvl="0"/>
             <a:r>
-              <a:rPr lang="en-US" smtClean="0"/>
+              <a:rPr lang="en-US"/>
               <a:t>Edit Master text styles</a:t>
             </a:r>
           </a:p>
           <a:p>
             <a:pPr lvl="1"/>
             <a:r>
-              <a:rPr lang="en-US" smtClean="0"/>
+              <a:rPr lang="en-US"/>
               <a:t>Second level</a:t>
             </a:r>
           </a:p>
           <a:p>
             <a:pPr lvl="2"/>
             <a:r>
-              <a:rPr lang="en-US" smtClean="0"/>
+              <a:rPr lang="en-US"/>
               <a:t>Third level</a:t>
             </a:r>
           </a:p>
           <a:p>
             <a:pPr lvl="3"/>
             <a:r>
-              <a:rPr lang="en-US" smtClean="0"/>
+              <a:rPr lang="en-US"/>
               <a:t>Fourth level</a:t>
             </a:r>
           </a:p>
           <a:p>
             <a:pPr lvl="4"/>
             <a:r>
-              <a:rPr lang="en-US" smtClean="0"/>
+              <a:rPr lang="en-US"/>
               <a:t>Fifth level</a:t>
             </a:r>
             <a:endParaRPr lang="en-US" dirty="0"/>
@@ -8175,35 +8175,35 @@
           <a:p>
             <a:pPr lvl="0"/>
             <a:r>
-              <a:rPr lang="en-US" smtClean="0"/>
+              <a:rPr lang="en-US"/>
               <a:t>Edit Master text styles</a:t>
             </a:r>
           </a:p>
           <a:p>
             <a:pPr lvl="1"/>
             <a:r>
-              <a:rPr lang="en-US" smtClean="0"/>
+              <a:rPr lang="en-US"/>
               <a:t>Second level</a:t>
             </a:r>
           </a:p>
           <a:p>
             <a:pPr lvl="2"/>
             <a:r>
-              <a:rPr lang="en-US" smtClean="0"/>
+              <a:rPr lang="en-US"/>
               <a:t>Third level</a:t>
             </a:r>
           </a:p>
           <a:p>
             <a:pPr lvl="3"/>
             <a:r>
-              <a:rPr lang="en-US" smtClean="0"/>
+              <a:rPr lang="en-US"/>
               <a:t>Fourth level</a:t>
             </a:r>
           </a:p>
           <a:p>
             <a:pPr lvl="4"/>
             <a:r>
-              <a:rPr lang="en-US" smtClean="0"/>
+              <a:rPr lang="en-US"/>
               <a:t>Fifth level</a:t>
             </a:r>
             <a:endParaRPr lang="en-US" dirty="0"/>
@@ -8227,7 +8227,7 @@
           <a:p>
             <a:fld id="{AA6B33E2-E582-49CA-B802-EA2BFF3F3A0C}" type="datetimeFigureOut">
               <a:rPr lang="en-US" smtClean="0"/>
-              <a:t>8/8/2020</a:t>
+              <a:t>8/9/2020</a:t>
             </a:fld>
             <a:endParaRPr lang="en-US"/>
           </a:p>
@@ -8326,7 +8326,7 @@
           <a:lstStyle/>
           <a:p>
             <a:r>
-              <a:rPr lang="en-US" smtClean="0"/>
+              <a:rPr lang="en-US"/>
               <a:t>Click to edit Master title style</a:t>
             </a:r>
             <a:endParaRPr lang="en-US" dirty="0"/>
@@ -8399,7 +8399,7 @@
           <a:p>
             <a:pPr lvl="0"/>
             <a:r>
-              <a:rPr lang="en-US" smtClean="0"/>
+              <a:rPr lang="en-US"/>
               <a:t>Edit Master text styles</a:t>
             </a:r>
           </a:p>
@@ -8427,35 +8427,35 @@
           <a:p>
             <a:pPr lvl="0"/>
             <a:r>
-              <a:rPr lang="en-US" smtClean="0"/>
+              <a:rPr lang="en-US"/>
               <a:t>Edit Master text styles</a:t>
             </a:r>
           </a:p>
           <a:p>
             <a:pPr lvl="1"/>
             <a:r>
-              <a:rPr lang="en-US" smtClean="0"/>
+              <a:rPr lang="en-US"/>
               <a:t>Second level</a:t>
             </a:r>
           </a:p>
           <a:p>
             <a:pPr lvl="2"/>
             <a:r>
-              <a:rPr lang="en-US" smtClean="0"/>
+              <a:rPr lang="en-US"/>
               <a:t>Third level</a:t>
             </a:r>
           </a:p>
           <a:p>
             <a:pPr lvl="3"/>
             <a:r>
-              <a:rPr lang="en-US" smtClean="0"/>
+              <a:rPr lang="en-US"/>
               <a:t>Fourth level</a:t>
             </a:r>
           </a:p>
           <a:p>
             <a:pPr lvl="4"/>
             <a:r>
-              <a:rPr lang="en-US" smtClean="0"/>
+              <a:rPr lang="en-US"/>
               <a:t>Fifth level</a:t>
             </a:r>
             <a:endParaRPr lang="en-US" dirty="0"/>
@@ -8528,7 +8528,7 @@
           <a:p>
             <a:pPr lvl="0"/>
             <a:r>
-              <a:rPr lang="en-US" smtClean="0"/>
+              <a:rPr lang="en-US"/>
               <a:t>Edit Master text styles</a:t>
             </a:r>
           </a:p>
@@ -8556,35 +8556,35 @@
           <a:p>
             <a:pPr lvl="0"/>
             <a:r>
-              <a:rPr lang="en-US" smtClean="0"/>
+              <a:rPr lang="en-US"/>
               <a:t>Edit Master text styles</a:t>
             </a:r>
           </a:p>
           <a:p>
             <a:pPr lvl="1"/>
             <a:r>
-              <a:rPr lang="en-US" smtClean="0"/>
+              <a:rPr lang="en-US"/>
               <a:t>Second level</a:t>
             </a:r>
           </a:p>
           <a:p>
             <a:pPr lvl="2"/>
             <a:r>
-              <a:rPr lang="en-US" smtClean="0"/>
+              <a:rPr lang="en-US"/>
               <a:t>Third level</a:t>
             </a:r>
           </a:p>
           <a:p>
             <a:pPr lvl="3"/>
             <a:r>
-              <a:rPr lang="en-US" smtClean="0"/>
+              <a:rPr lang="en-US"/>
               <a:t>Fourth level</a:t>
             </a:r>
           </a:p>
           <a:p>
             <a:pPr lvl="4"/>
             <a:r>
-              <a:rPr lang="en-US" smtClean="0"/>
+              <a:rPr lang="en-US"/>
               <a:t>Fifth level</a:t>
             </a:r>
             <a:endParaRPr lang="en-US" dirty="0"/>
@@ -8608,7 +8608,7 @@
           <a:p>
             <a:fld id="{AA6B33E2-E582-49CA-B802-EA2BFF3F3A0C}" type="datetimeFigureOut">
               <a:rPr lang="en-US" smtClean="0"/>
-              <a:t>8/8/2020</a:t>
+              <a:t>8/9/2020</a:t>
             </a:fld>
             <a:endParaRPr lang="en-US"/>
           </a:p>
@@ -8702,7 +8702,7 @@
           <a:lstStyle/>
           <a:p>
             <a:r>
-              <a:rPr lang="en-US" smtClean="0"/>
+              <a:rPr lang="en-US"/>
               <a:t>Click to edit Master title style</a:t>
             </a:r>
             <a:endParaRPr lang="en-US" dirty="0"/>
@@ -8726,7 +8726,7 @@
           <a:p>
             <a:fld id="{AA6B33E2-E582-49CA-B802-EA2BFF3F3A0C}" type="datetimeFigureOut">
               <a:rPr lang="en-US" smtClean="0"/>
-              <a:t>8/8/2020</a:t>
+              <a:t>8/9/2020</a:t>
             </a:fld>
             <a:endParaRPr lang="en-US"/>
           </a:p>
@@ -8821,7 +8821,7 @@
           <a:p>
             <a:fld id="{AA6B33E2-E582-49CA-B802-EA2BFF3F3A0C}" type="datetimeFigureOut">
               <a:rPr lang="en-US" smtClean="0"/>
-              <a:t>8/8/2020</a:t>
+              <a:t>8/9/2020</a:t>
             </a:fld>
             <a:endParaRPr lang="en-US"/>
           </a:p>
@@ -8924,7 +8924,7 @@
           </a:lstStyle>
           <a:p>
             <a:r>
-              <a:rPr lang="en-US" smtClean="0"/>
+              <a:rPr lang="en-US"/>
               <a:t>Click to edit Master title style</a:t>
             </a:r>
             <a:endParaRPr lang="en-US" dirty="0"/>
@@ -8953,35 +8953,35 @@
           <a:p>
             <a:pPr lvl="0"/>
             <a:r>
-              <a:rPr lang="en-US" smtClean="0"/>
+              <a:rPr lang="en-US"/>
               <a:t>Edit Master text styles</a:t>
             </a:r>
           </a:p>
           <a:p>
             <a:pPr lvl="1"/>
             <a:r>
-              <a:rPr lang="en-US" smtClean="0"/>
+              <a:rPr lang="en-US"/>
               <a:t>Second level</a:t>
             </a:r>
           </a:p>
           <a:p>
             <a:pPr lvl="2"/>
             <a:r>
-              <a:rPr lang="en-US" smtClean="0"/>
+              <a:rPr lang="en-US"/>
               <a:t>Third level</a:t>
             </a:r>
           </a:p>
           <a:p>
             <a:pPr lvl="3"/>
             <a:r>
-              <a:rPr lang="en-US" smtClean="0"/>
+              <a:rPr lang="en-US"/>
               <a:t>Fourth level</a:t>
             </a:r>
           </a:p>
           <a:p>
             <a:pPr lvl="4"/>
             <a:r>
-              <a:rPr lang="en-US" smtClean="0"/>
+              <a:rPr lang="en-US"/>
               <a:t>Fifth level</a:t>
             </a:r>
             <a:endParaRPr lang="en-US" dirty="0"/>
@@ -9047,7 +9047,7 @@
           <a:p>
             <a:pPr lvl="0"/>
             <a:r>
-              <a:rPr lang="en-US" smtClean="0"/>
+              <a:rPr lang="en-US"/>
               <a:t>Edit Master text styles</a:t>
             </a:r>
           </a:p>
@@ -9070,7 +9070,7 @@
           <a:p>
             <a:fld id="{AA6B33E2-E582-49CA-B802-EA2BFF3F3A0C}" type="datetimeFigureOut">
               <a:rPr lang="en-US" smtClean="0"/>
-              <a:t>8/8/2020</a:t>
+              <a:t>8/9/2020</a:t>
             </a:fld>
             <a:endParaRPr lang="en-US"/>
           </a:p>
@@ -9173,7 +9173,7 @@
           </a:lstStyle>
           <a:p>
             <a:r>
-              <a:rPr lang="en-US" smtClean="0"/>
+              <a:rPr lang="en-US"/>
               <a:t>Click to edit Master title style</a:t>
             </a:r>
             <a:endParaRPr lang="en-US" dirty="0"/>
@@ -9261,7 +9261,7 @@
           </a:lstStyle>
           <a:p>
             <a:r>
-              <a:rPr lang="en-US" smtClean="0"/>
+              <a:rPr lang="en-US"/>
               <a:t>Click icon to add picture</a:t>
             </a:r>
             <a:endParaRPr lang="en-US" dirty="0"/>
@@ -9327,7 +9327,7 @@
           <a:p>
             <a:pPr lvl="0"/>
             <a:r>
-              <a:rPr lang="en-US" smtClean="0"/>
+              <a:rPr lang="en-US"/>
               <a:t>Edit Master text styles</a:t>
             </a:r>
           </a:p>
@@ -9350,7 +9350,7 @@
           <a:p>
             <a:fld id="{AA6B33E2-E582-49CA-B802-EA2BFF3F3A0C}" type="datetimeFigureOut">
               <a:rPr lang="en-US" smtClean="0"/>
-              <a:t>8/8/2020</a:t>
+              <a:t>8/9/2020</a:t>
             </a:fld>
             <a:endParaRPr lang="en-US"/>
           </a:p>
@@ -12357,35 +12357,35 @@
           <a:p>
             <a:pPr lvl="0"/>
             <a:r>
-              <a:rPr lang="en-US" smtClean="0"/>
+              <a:rPr lang="en-US"/>
               <a:t>Edit Master text styles</a:t>
             </a:r>
           </a:p>
           <a:p>
             <a:pPr lvl="1"/>
             <a:r>
-              <a:rPr lang="en-US" smtClean="0"/>
+              <a:rPr lang="en-US"/>
               <a:t>Second level</a:t>
             </a:r>
           </a:p>
           <a:p>
             <a:pPr lvl="2"/>
             <a:r>
-              <a:rPr lang="en-US" smtClean="0"/>
+              <a:rPr lang="en-US"/>
               <a:t>Third level</a:t>
             </a:r>
           </a:p>
           <a:p>
             <a:pPr lvl="3"/>
             <a:r>
-              <a:rPr lang="en-US" smtClean="0"/>
+              <a:rPr lang="en-US"/>
               <a:t>Fourth level</a:t>
             </a:r>
           </a:p>
           <a:p>
             <a:pPr lvl="4"/>
             <a:r>
-              <a:rPr lang="en-US" smtClean="0"/>
+              <a:rPr lang="en-US"/>
               <a:t>Fifth level</a:t>
             </a:r>
             <a:endParaRPr lang="en-US" dirty="0"/>
@@ -12427,7 +12427,7 @@
           <a:p>
             <a:fld id="{AA6B33E2-E582-49CA-B802-EA2BFF3F3A0C}" type="datetimeFigureOut">
               <a:rPr lang="en-US" smtClean="0"/>
-              <a:t>8/8/2020</a:t>
+              <a:t>8/9/2020</a:t>
             </a:fld>
             <a:endParaRPr lang="en-US"/>
           </a:p>
@@ -12923,13 +12923,6 @@
               </a:rPr>
               <a:t>Data warehouse</a:t>
             </a:r>
-            <a:r>
-              <a:rPr lang="en-US" sz="6000">
-                <a:latin typeface="Times New Roman" panose="02020603050405020304" pitchFamily="18" charset="0"/>
-                <a:cs typeface="Times New Roman" panose="02020603050405020304" pitchFamily="18" charset="0"/>
-              </a:rPr>
-              <a:t/>
-            </a:r>
             <a:br>
               <a:rPr lang="en-US" sz="6000">
                 <a:latin typeface="Times New Roman" panose="02020603050405020304" pitchFamily="18" charset="0"/>
@@ -13042,13 +13035,6 @@
   <p:transition>
     <p:fade/>
   </p:transition>
-  <p:timing>
-    <p:tnLst>
-      <p:par>
-        <p:cTn id="1" dur="indefinite" restart="never" nodeType="tmRoot"/>
-      </p:par>
-    </p:tnLst>
-  </p:timing>
 </p:sld>
 </file>
 
@@ -13760,13 +13746,6 @@
   <p:clrMapOvr>
     <a:masterClrMapping/>
   </p:clrMapOvr>
-  <p:timing>
-    <p:tnLst>
-      <p:par>
-        <p:cTn id="1" dur="indefinite" restart="never" nodeType="tmRoot"/>
-      </p:par>
-    </p:tnLst>
-  </p:timing>
 </p:sld>
 </file>
 
@@ -13979,7 +13958,7 @@
           <a:lstStyle/>
           <a:p>
             <a:r>
-              <a:rPr lang="en-US" sz="2800" smtClean="0">
+              <a:rPr lang="en-US" sz="2800">
                 <a:hlinkClick r:id="rId2"/>
               </a:rPr>
               <a:t>Link vẽ</a:t>
@@ -14023,13 +14002,6 @@
   <p:clrMapOvr>
     <a:masterClrMapping/>
   </p:clrMapOvr>
-  <p:timing>
-    <p:tnLst>
-      <p:par>
-        <p:cTn id="1" dur="indefinite" restart="never" nodeType="tmRoot"/>
-      </p:par>
-    </p:tnLst>
-  </p:timing>
 </p:sld>
 </file>
 
@@ -14081,7 +14053,7 @@
           <a:lstStyle/>
           <a:p>
             <a:r>
-              <a:rPr lang="en-US" sz="2800" smtClean="0">
+              <a:rPr lang="en-US" sz="2800">
                 <a:hlinkClick r:id="rId3"/>
               </a:rPr>
               <a:t>Link vẽ</a:t>
@@ -14174,13 +14146,6 @@
   <p:clrMapOvr>
     <a:masterClrMapping/>
   </p:clrMapOvr>
-  <p:timing>
-    <p:tnLst>
-      <p:par>
-        <p:cTn id="1" dur="indefinite" restart="never" nodeType="tmRoot"/>
-      </p:par>
-    </p:tnLst>
-  </p:timing>
 </p:sld>
 </file>
 
@@ -14219,7 +14184,7 @@
         </p:nvSpPr>
         <p:spPr>
           <a:xfrm>
-            <a:off x="4999023" y="6183150"/>
+            <a:off x="546292" y="2905780"/>
             <a:ext cx="1909777" cy="523220"/>
           </a:xfrm>
           <a:prstGeom prst="rect">
@@ -14234,7 +14199,7 @@
           <a:lstStyle/>
           <a:p>
             <a:r>
-              <a:rPr lang="en-US" sz="2800" smtClean="0">
+              <a:rPr lang="en-US" sz="2800">
                 <a:solidFill>
                   <a:schemeClr val="tx2">
                     <a:lumMod val="75000"/>
@@ -14320,7 +14285,13 @@
       </p:sp>
       <p:pic>
         <p:nvPicPr>
-          <p:cNvPr id="2050" name="Picture 2" descr="https://scontent.fsgn2-4.fna.fbcdn.net/v/t1.15752-9/117196932_691878271395702_55767675683945254_n.png?_nc_cat=101&amp;_nc_sid=b96e70&amp;_nc_ohc=Cbp4XSyFQE8AX_0E8RD&amp;_nc_ht=scontent.fsgn2-4.fna&amp;oh=ae142ff03ee12cb38445722f44237053&amp;oe=5F529B60"/>
+          <p:cNvPr id="1026" name="Picture 2">
+            <a:extLst>
+              <a:ext uri="{FF2B5EF4-FFF2-40B4-BE49-F238E27FC236}">
+                <a16:creationId xmlns:a16="http://schemas.microsoft.com/office/drawing/2014/main" id="{95937709-71C1-4B2E-B5F8-A558086D4769}"/>
+              </a:ext>
+            </a:extLst>
+          </p:cNvPr>
           <p:cNvPicPr>
             <a:picLocks noChangeAspect="1" noChangeArrowheads="1"/>
           </p:cNvPicPr>
@@ -14341,8 +14312,8 @@
         </p:blipFill>
         <p:spPr bwMode="auto">
           <a:xfrm>
-            <a:off x="824552" y="1163945"/>
-            <a:ext cx="10593697" cy="4894120"/>
+            <a:off x="2610677" y="1298714"/>
+            <a:ext cx="8269357" cy="5264619"/>
           </a:xfrm>
           <a:prstGeom prst="rect">
             <a:avLst/>
@@ -14364,13 +14335,6 @@
   <p:clrMapOvr>
     <a:masterClrMapping/>
   </p:clrMapOvr>
-  <p:timing>
-    <p:tnLst>
-      <p:par>
-        <p:cTn id="1" dur="indefinite" restart="never" nodeType="tmRoot"/>
-      </p:par>
-    </p:tnLst>
-  </p:timing>
 </p:sld>
 </file>
 
@@ -14497,7 +14461,7 @@
           <a:lstStyle/>
           <a:p>
             <a:r>
-              <a:rPr lang="en-US" sz="2800" smtClean="0">
+              <a:rPr lang="en-US" sz="2800">
                 <a:hlinkClick r:id="rId3"/>
               </a:rPr>
               <a:t>Link vẽ</a:t>
@@ -14538,13 +14502,6 @@
   <p:clrMapOvr>
     <a:masterClrMapping/>
   </p:clrMapOvr>
-  <p:timing>
-    <p:tnLst>
-      <p:par>
-        <p:cTn id="1" dur="indefinite" restart="never" nodeType="tmRoot"/>
-      </p:par>
-    </p:tnLst>
-  </p:timing>
 </p:sld>
 </file>
 

--- a/Datawarehouse.pptx
+++ b/Datawarehouse.pptx
@@ -5,7 +5,7 @@
     <p:sldMasterId id="2147483660" r:id="rId1"/>
   </p:sldMasterIdLst>
   <p:notesMasterIdLst>
-    <p:notesMasterId r:id="rId8"/>
+    <p:notesMasterId r:id="rId10"/>
   </p:notesMasterIdLst>
   <p:sldIdLst>
     <p:sldId id="258" r:id="rId2"/>
@@ -14,6 +14,8 @@
     <p:sldId id="261" r:id="rId5"/>
     <p:sldId id="262" r:id="rId6"/>
     <p:sldId id="263" r:id="rId7"/>
+    <p:sldId id="265" r:id="rId8"/>
+    <p:sldId id="264" r:id="rId9"/>
   </p:sldIdLst>
   <p:sldSz cx="12192000" cy="6858000"/>
   <p:notesSz cx="6858000" cy="9144000"/>
@@ -118,6 +120,18 @@
     </p:ext>
   </p:extLst>
 </p:presentation>
+</file>
+
+<file path=ppt/commentAuthors.xml><?xml version="1.0" encoding="utf-8"?>
+<p:cmAuthorLst xmlns:a="http://schemas.openxmlformats.org/drawingml/2006/main" xmlns:r="http://schemas.openxmlformats.org/officeDocument/2006/relationships" xmlns:p="http://schemas.openxmlformats.org/presentationml/2006/main">
+  <p:cmAuthor id="1" name="Cao Trung Vinh" initials="CTV" lastIdx="2" clrIdx="0">
+    <p:extLst>
+      <p:ext uri="{19B8F6BF-5375-455C-9EA6-DF929625EA0E}">
+        <p15:presenceInfo xmlns:p15="http://schemas.microsoft.com/office/powerpoint/2012/main" userId="Cao Trung Vinh" providerId="None"/>
+      </p:ext>
+    </p:extLst>
+  </p:cmAuthor>
+</p:cmAuthorLst>
 </file>
 
 <file path=ppt/notesMasters/notesMaster1.xml><?xml version="1.0" encoding="utf-8"?>
@@ -573,7 +587,7 @@
           <a:noFill/>
           <a:extLst>
             <a:ext uri="{909E8E84-426E-40dd-AFC4-6F175D3DCCD1}">
-              <a14:hiddenFill xmlns:a14="http://schemas.microsoft.com/office/drawing/2010/main" xmlns="">
+              <a14:hiddenFill xmlns="" xmlns:a14="http://schemas.microsoft.com/office/drawing/2010/main">
                 <a:solidFill>
                   <a:srgbClr val="FFFFFF"/>
                 </a:solidFill>
@@ -633,7 +647,7 @@
             </a:ln>
             <a:extLst>
               <a:ext uri="{91240B29-F687-4f45-9708-019B960494DF}">
-                <a14:hiddenLine xmlns:a14="http://schemas.microsoft.com/office/drawing/2010/main" xmlns="" w="9525">
+                <a14:hiddenLine xmlns="" xmlns:a14="http://schemas.microsoft.com/office/drawing/2010/main" w="9525">
                   <a:solidFill>
                     <a:srgbClr val="000000"/>
                   </a:solidFill>
@@ -723,7 +737,7 @@
             </a:ln>
             <a:extLst>
               <a:ext uri="{91240B29-F687-4f45-9708-019B960494DF}">
-                <a14:hiddenLine xmlns:a14="http://schemas.microsoft.com/office/drawing/2010/main" xmlns="" w="9525">
+                <a14:hiddenLine xmlns="" xmlns:a14="http://schemas.microsoft.com/office/drawing/2010/main" w="9525">
                   <a:solidFill>
                     <a:srgbClr val="000000"/>
                   </a:solidFill>
@@ -813,7 +827,7 @@
             </a:ln>
             <a:extLst>
               <a:ext uri="{91240B29-F687-4f45-9708-019B960494DF}">
-                <a14:hiddenLine xmlns:a14="http://schemas.microsoft.com/office/drawing/2010/main" xmlns="" w="9525">
+                <a14:hiddenLine xmlns="" xmlns:a14="http://schemas.microsoft.com/office/drawing/2010/main" w="9525">
                   <a:solidFill>
                     <a:srgbClr val="000000"/>
                   </a:solidFill>
@@ -847,7 +861,7 @@
             </a:ln>
             <a:extLst>
               <a:ext uri="{91240B29-F687-4f45-9708-019B960494DF}">
-                <a14:hiddenLine xmlns:a14="http://schemas.microsoft.com/office/drawing/2010/main" xmlns="" w="9525">
+                <a14:hiddenLine xmlns="" xmlns:a14="http://schemas.microsoft.com/office/drawing/2010/main" w="9525">
                   <a:solidFill>
                     <a:srgbClr val="000000"/>
                   </a:solidFill>
@@ -937,7 +951,7 @@
             </a:ln>
             <a:extLst>
               <a:ext uri="{91240B29-F687-4f45-9708-019B960494DF}">
-                <a14:hiddenLine xmlns:a14="http://schemas.microsoft.com/office/drawing/2010/main" xmlns="" w="9525">
+                <a14:hiddenLine xmlns="" xmlns:a14="http://schemas.microsoft.com/office/drawing/2010/main" w="9525">
                   <a:solidFill>
                     <a:srgbClr val="000000"/>
                   </a:solidFill>
@@ -999,7 +1013,7 @@
             </a:ln>
             <a:extLst>
               <a:ext uri="{91240B29-F687-4f45-9708-019B960494DF}">
-                <a14:hiddenLine xmlns:a14="http://schemas.microsoft.com/office/drawing/2010/main" xmlns="" w="9525">
+                <a14:hiddenLine xmlns="" xmlns:a14="http://schemas.microsoft.com/office/drawing/2010/main" w="9525">
                   <a:solidFill>
                     <a:srgbClr val="000000"/>
                   </a:solidFill>
@@ -1061,7 +1075,7 @@
             </a:ln>
             <a:extLst>
               <a:ext uri="{91240B29-F687-4f45-9708-019B960494DF}">
-                <a14:hiddenLine xmlns:a14="http://schemas.microsoft.com/office/drawing/2010/main" xmlns="" w="9525">
+                <a14:hiddenLine xmlns="" xmlns:a14="http://schemas.microsoft.com/office/drawing/2010/main" w="9525">
                   <a:solidFill>
                     <a:srgbClr val="000000"/>
                   </a:solidFill>
@@ -1151,7 +1165,7 @@
             </a:ln>
             <a:extLst>
               <a:ext uri="{91240B29-F687-4f45-9708-019B960494DF}">
-                <a14:hiddenLine xmlns:a14="http://schemas.microsoft.com/office/drawing/2010/main" xmlns="" w="9525">
+                <a14:hiddenLine xmlns="" xmlns:a14="http://schemas.microsoft.com/office/drawing/2010/main" w="9525">
                   <a:solidFill>
                     <a:srgbClr val="000000"/>
                   </a:solidFill>
@@ -1213,7 +1227,7 @@
             </a:ln>
             <a:extLst>
               <a:ext uri="{91240B29-F687-4f45-9708-019B960494DF}">
-                <a14:hiddenLine xmlns:a14="http://schemas.microsoft.com/office/drawing/2010/main" xmlns="" w="9525">
+                <a14:hiddenLine xmlns="" xmlns:a14="http://schemas.microsoft.com/office/drawing/2010/main" w="9525">
                   <a:solidFill>
                     <a:srgbClr val="000000"/>
                   </a:solidFill>
@@ -1275,7 +1289,7 @@
             </a:ln>
             <a:extLst>
               <a:ext uri="{91240B29-F687-4f45-9708-019B960494DF}">
-                <a14:hiddenLine xmlns:a14="http://schemas.microsoft.com/office/drawing/2010/main" xmlns="" w="9525">
+                <a14:hiddenLine xmlns="" xmlns:a14="http://schemas.microsoft.com/office/drawing/2010/main" w="9525">
                   <a:solidFill>
                     <a:srgbClr val="000000"/>
                   </a:solidFill>
@@ -1365,7 +1379,7 @@
             </a:ln>
             <a:extLst>
               <a:ext uri="{91240B29-F687-4f45-9708-019B960494DF}">
-                <a14:hiddenLine xmlns:a14="http://schemas.microsoft.com/office/drawing/2010/main" xmlns="" w="9525">
+                <a14:hiddenLine xmlns="" xmlns:a14="http://schemas.microsoft.com/office/drawing/2010/main" w="9525">
                   <a:solidFill>
                     <a:srgbClr val="000000"/>
                   </a:solidFill>
@@ -1455,7 +1469,7 @@
             </a:ln>
             <a:extLst>
               <a:ext uri="{91240B29-F687-4f45-9708-019B960494DF}">
-                <a14:hiddenLine xmlns:a14="http://schemas.microsoft.com/office/drawing/2010/main" xmlns="" w="9525">
+                <a14:hiddenLine xmlns="" xmlns:a14="http://schemas.microsoft.com/office/drawing/2010/main" w="9525">
                   <a:solidFill>
                     <a:srgbClr val="000000"/>
                   </a:solidFill>
@@ -1517,7 +1531,7 @@
             </a:ln>
             <a:extLst>
               <a:ext uri="{91240B29-F687-4f45-9708-019B960494DF}">
-                <a14:hiddenLine xmlns:a14="http://schemas.microsoft.com/office/drawing/2010/main" xmlns="" w="9525">
+                <a14:hiddenLine xmlns="" xmlns:a14="http://schemas.microsoft.com/office/drawing/2010/main" w="9525">
                   <a:solidFill>
                     <a:srgbClr val="000000"/>
                   </a:solidFill>
@@ -1627,7 +1641,7 @@
             </a:ln>
             <a:extLst>
               <a:ext uri="{91240B29-F687-4f45-9708-019B960494DF}">
-                <a14:hiddenLine xmlns:a14="http://schemas.microsoft.com/office/drawing/2010/main" xmlns="" w="9525">
+                <a14:hiddenLine xmlns="" xmlns:a14="http://schemas.microsoft.com/office/drawing/2010/main" w="9525">
                   <a:solidFill>
                     <a:srgbClr val="000000"/>
                   </a:solidFill>
@@ -1689,7 +1703,7 @@
             </a:ln>
             <a:extLst>
               <a:ext uri="{91240B29-F687-4f45-9708-019B960494DF}">
-                <a14:hiddenLine xmlns:a14="http://schemas.microsoft.com/office/drawing/2010/main" xmlns="" w="9525">
+                <a14:hiddenLine xmlns="" xmlns:a14="http://schemas.microsoft.com/office/drawing/2010/main" w="9525">
                   <a:solidFill>
                     <a:srgbClr val="000000"/>
                   </a:solidFill>
@@ -1779,7 +1793,7 @@
             </a:ln>
             <a:extLst>
               <a:ext uri="{91240B29-F687-4f45-9708-019B960494DF}">
-                <a14:hiddenLine xmlns:a14="http://schemas.microsoft.com/office/drawing/2010/main" xmlns="" w="9525">
+                <a14:hiddenLine xmlns="" xmlns:a14="http://schemas.microsoft.com/office/drawing/2010/main" w="9525">
                   <a:solidFill>
                     <a:srgbClr val="000000"/>
                   </a:solidFill>
@@ -1869,7 +1883,7 @@
             </a:ln>
             <a:extLst>
               <a:ext uri="{91240B29-F687-4f45-9708-019B960494DF}">
-                <a14:hiddenLine xmlns:a14="http://schemas.microsoft.com/office/drawing/2010/main" xmlns="" w="9525">
+                <a14:hiddenLine xmlns="" xmlns:a14="http://schemas.microsoft.com/office/drawing/2010/main" w="9525">
                   <a:solidFill>
                     <a:srgbClr val="000000"/>
                   </a:solidFill>
@@ -1931,7 +1945,7 @@
             </a:ln>
             <a:extLst>
               <a:ext uri="{91240B29-F687-4f45-9708-019B960494DF}">
-                <a14:hiddenLine xmlns:a14="http://schemas.microsoft.com/office/drawing/2010/main" xmlns="" w="9525">
+                <a14:hiddenLine xmlns="" xmlns:a14="http://schemas.microsoft.com/office/drawing/2010/main" w="9525">
                   <a:solidFill>
                     <a:srgbClr val="000000"/>
                   </a:solidFill>
@@ -2021,7 +2035,7 @@
             </a:ln>
             <a:extLst>
               <a:ext uri="{91240B29-F687-4f45-9708-019B960494DF}">
-                <a14:hiddenLine xmlns:a14="http://schemas.microsoft.com/office/drawing/2010/main" xmlns="" w="9525">
+                <a14:hiddenLine xmlns="" xmlns:a14="http://schemas.microsoft.com/office/drawing/2010/main" w="9525">
                   <a:solidFill>
                     <a:srgbClr val="000000"/>
                   </a:solidFill>
@@ -2111,7 +2125,7 @@
             </a:ln>
             <a:extLst>
               <a:ext uri="{91240B29-F687-4f45-9708-019B960494DF}">
-                <a14:hiddenLine xmlns:a14="http://schemas.microsoft.com/office/drawing/2010/main" xmlns="" w="9525">
+                <a14:hiddenLine xmlns="" xmlns:a14="http://schemas.microsoft.com/office/drawing/2010/main" w="9525">
                   <a:solidFill>
                     <a:srgbClr val="000000"/>
                   </a:solidFill>
@@ -2167,7 +2181,7 @@
             </a:ln>
             <a:extLst>
               <a:ext uri="{91240B29-F687-4f45-9708-019B960494DF}">
-                <a14:hiddenLine xmlns:a14="http://schemas.microsoft.com/office/drawing/2010/main" xmlns="" w="9525">
+                <a14:hiddenLine xmlns="" xmlns:a14="http://schemas.microsoft.com/office/drawing/2010/main" w="9525">
                   <a:solidFill>
                     <a:srgbClr val="000000"/>
                   </a:solidFill>
@@ -2257,7 +2271,7 @@
             </a:ln>
             <a:extLst>
               <a:ext uri="{91240B29-F687-4f45-9708-019B960494DF}">
-                <a14:hiddenLine xmlns:a14="http://schemas.microsoft.com/office/drawing/2010/main" xmlns="" w="9525">
+                <a14:hiddenLine xmlns="" xmlns:a14="http://schemas.microsoft.com/office/drawing/2010/main" w="9525">
                   <a:solidFill>
                     <a:srgbClr val="000000"/>
                   </a:solidFill>
@@ -2313,7 +2327,7 @@
             </a:ln>
             <a:extLst>
               <a:ext uri="{91240B29-F687-4f45-9708-019B960494DF}">
-                <a14:hiddenLine xmlns:a14="http://schemas.microsoft.com/office/drawing/2010/main" xmlns="" w="9525">
+                <a14:hiddenLine xmlns="" xmlns:a14="http://schemas.microsoft.com/office/drawing/2010/main" w="9525">
                   <a:solidFill>
                     <a:srgbClr val="000000"/>
                   </a:solidFill>
@@ -2403,7 +2417,7 @@
             </a:ln>
             <a:extLst>
               <a:ext uri="{91240B29-F687-4f45-9708-019B960494DF}">
-                <a14:hiddenLine xmlns:a14="http://schemas.microsoft.com/office/drawing/2010/main" xmlns="" w="9525">
+                <a14:hiddenLine xmlns="" xmlns:a14="http://schemas.microsoft.com/office/drawing/2010/main" w="9525">
                   <a:solidFill>
                     <a:srgbClr val="000000"/>
                   </a:solidFill>
@@ -2471,7 +2485,7 @@
             </a:ln>
             <a:extLst>
               <a:ext uri="{91240B29-F687-4f45-9708-019B960494DF}">
-                <a14:hiddenLine xmlns:a14="http://schemas.microsoft.com/office/drawing/2010/main" xmlns="" w="9525">
+                <a14:hiddenLine xmlns="" xmlns:a14="http://schemas.microsoft.com/office/drawing/2010/main" w="9525">
                   <a:solidFill>
                     <a:srgbClr val="000000"/>
                   </a:solidFill>
@@ -2561,7 +2575,7 @@
             </a:ln>
             <a:extLst>
               <a:ext uri="{91240B29-F687-4f45-9708-019B960494DF}">
-                <a14:hiddenLine xmlns:a14="http://schemas.microsoft.com/office/drawing/2010/main" xmlns="" w="9525">
+                <a14:hiddenLine xmlns="" xmlns:a14="http://schemas.microsoft.com/office/drawing/2010/main" w="9525">
                   <a:solidFill>
                     <a:srgbClr val="000000"/>
                   </a:solidFill>
@@ -2629,7 +2643,7 @@
             </a:ln>
             <a:extLst>
               <a:ext uri="{91240B29-F687-4f45-9708-019B960494DF}">
-                <a14:hiddenLine xmlns:a14="http://schemas.microsoft.com/office/drawing/2010/main" xmlns="" w="9525">
+                <a14:hiddenLine xmlns="" xmlns:a14="http://schemas.microsoft.com/office/drawing/2010/main" w="9525">
                   <a:solidFill>
                     <a:srgbClr val="000000"/>
                   </a:solidFill>
@@ -2719,7 +2733,7 @@
             </a:ln>
             <a:extLst>
               <a:ext uri="{91240B29-F687-4f45-9708-019B960494DF}">
-                <a14:hiddenLine xmlns:a14="http://schemas.microsoft.com/office/drawing/2010/main" xmlns="" w="9525">
+                <a14:hiddenLine xmlns="" xmlns:a14="http://schemas.microsoft.com/office/drawing/2010/main" w="9525">
                   <a:solidFill>
                     <a:srgbClr val="000000"/>
                   </a:solidFill>
@@ -2753,7 +2767,7 @@
             </a:ln>
             <a:extLst>
               <a:ext uri="{91240B29-F687-4f45-9708-019B960494DF}">
-                <a14:hiddenLine xmlns:a14="http://schemas.microsoft.com/office/drawing/2010/main" xmlns="" w="9525">
+                <a14:hiddenLine xmlns="" xmlns:a14="http://schemas.microsoft.com/office/drawing/2010/main" w="9525">
                   <a:solidFill>
                     <a:srgbClr val="000000"/>
                   </a:solidFill>
@@ -2843,7 +2857,7 @@
             </a:ln>
             <a:extLst>
               <a:ext uri="{91240B29-F687-4f45-9708-019B960494DF}">
-                <a14:hiddenLine xmlns:a14="http://schemas.microsoft.com/office/drawing/2010/main" xmlns="" w="9525">
+                <a14:hiddenLine xmlns="" xmlns:a14="http://schemas.microsoft.com/office/drawing/2010/main" w="9525">
                   <a:solidFill>
                     <a:srgbClr val="000000"/>
                   </a:solidFill>
@@ -2905,7 +2919,7 @@
             </a:ln>
             <a:extLst>
               <a:ext uri="{91240B29-F687-4f45-9708-019B960494DF}">
-                <a14:hiddenLine xmlns:a14="http://schemas.microsoft.com/office/drawing/2010/main" xmlns="" w="9525">
+                <a14:hiddenLine xmlns="" xmlns:a14="http://schemas.microsoft.com/office/drawing/2010/main" w="9525">
                   <a:solidFill>
                     <a:srgbClr val="000000"/>
                   </a:solidFill>
@@ -2967,7 +2981,7 @@
             </a:ln>
             <a:extLst>
               <a:ext uri="{91240B29-F687-4f45-9708-019B960494DF}">
-                <a14:hiddenLine xmlns:a14="http://schemas.microsoft.com/office/drawing/2010/main" xmlns="" w="9525">
+                <a14:hiddenLine xmlns="" xmlns:a14="http://schemas.microsoft.com/office/drawing/2010/main" w="9525">
                   <a:solidFill>
                     <a:srgbClr val="000000"/>
                   </a:solidFill>
@@ -3057,7 +3071,7 @@
             </a:ln>
             <a:extLst>
               <a:ext uri="{91240B29-F687-4f45-9708-019B960494DF}">
-                <a14:hiddenLine xmlns:a14="http://schemas.microsoft.com/office/drawing/2010/main" xmlns="" w="9525">
+                <a14:hiddenLine xmlns="" xmlns:a14="http://schemas.microsoft.com/office/drawing/2010/main" w="9525">
                   <a:solidFill>
                     <a:srgbClr val="000000"/>
                   </a:solidFill>
@@ -3125,7 +3139,7 @@
             </a:ln>
             <a:extLst>
               <a:ext uri="{91240B29-F687-4f45-9708-019B960494DF}">
-                <a14:hiddenLine xmlns:a14="http://schemas.microsoft.com/office/drawing/2010/main" xmlns="" w="9525">
+                <a14:hiddenLine xmlns="" xmlns:a14="http://schemas.microsoft.com/office/drawing/2010/main" w="9525">
                   <a:solidFill>
                     <a:srgbClr val="000000"/>
                   </a:solidFill>
@@ -3187,7 +3201,7 @@
             </a:ln>
             <a:extLst>
               <a:ext uri="{91240B29-F687-4f45-9708-019B960494DF}">
-                <a14:hiddenLine xmlns:a14="http://schemas.microsoft.com/office/drawing/2010/main" xmlns="" w="9525">
+                <a14:hiddenLine xmlns="" xmlns:a14="http://schemas.microsoft.com/office/drawing/2010/main" w="9525">
                   <a:solidFill>
                     <a:srgbClr val="000000"/>
                   </a:solidFill>
@@ -3277,7 +3291,7 @@
             </a:ln>
             <a:extLst>
               <a:ext uri="{91240B29-F687-4f45-9708-019B960494DF}">
-                <a14:hiddenLine xmlns:a14="http://schemas.microsoft.com/office/drawing/2010/main" xmlns="" w="9525">
+                <a14:hiddenLine xmlns="" xmlns:a14="http://schemas.microsoft.com/office/drawing/2010/main" w="9525">
                   <a:solidFill>
                     <a:srgbClr val="000000"/>
                   </a:solidFill>
@@ -3339,7 +3353,7 @@
             </a:ln>
             <a:extLst>
               <a:ext uri="{91240B29-F687-4f45-9708-019B960494DF}">
-                <a14:hiddenLine xmlns:a14="http://schemas.microsoft.com/office/drawing/2010/main" xmlns="" w="9525">
+                <a14:hiddenLine xmlns="" xmlns:a14="http://schemas.microsoft.com/office/drawing/2010/main" w="9525">
                   <a:solidFill>
                     <a:srgbClr val="000000"/>
                   </a:solidFill>
@@ -3429,7 +3443,7 @@
             </a:ln>
             <a:extLst>
               <a:ext uri="{91240B29-F687-4f45-9708-019B960494DF}">
-                <a14:hiddenLine xmlns:a14="http://schemas.microsoft.com/office/drawing/2010/main" xmlns="" w="9525">
+                <a14:hiddenLine xmlns="" xmlns:a14="http://schemas.microsoft.com/office/drawing/2010/main" w="9525">
                   <a:solidFill>
                     <a:srgbClr val="000000"/>
                   </a:solidFill>
@@ -3491,7 +3505,7 @@
             </a:ln>
             <a:extLst>
               <a:ext uri="{91240B29-F687-4f45-9708-019B960494DF}">
-                <a14:hiddenLine xmlns:a14="http://schemas.microsoft.com/office/drawing/2010/main" xmlns="" w="9525">
+                <a14:hiddenLine xmlns="" xmlns:a14="http://schemas.microsoft.com/office/drawing/2010/main" w="9525">
                   <a:solidFill>
                     <a:srgbClr val="000000"/>
                   </a:solidFill>
@@ -3581,7 +3595,7 @@
             </a:ln>
             <a:extLst>
               <a:ext uri="{91240B29-F687-4f45-9708-019B960494DF}">
-                <a14:hiddenLine xmlns:a14="http://schemas.microsoft.com/office/drawing/2010/main" xmlns="" w="9525">
+                <a14:hiddenLine xmlns="" xmlns:a14="http://schemas.microsoft.com/office/drawing/2010/main" w="9525">
                   <a:solidFill>
                     <a:srgbClr val="000000"/>
                   </a:solidFill>
@@ -3615,7 +3629,7 @@
             </a:ln>
             <a:extLst>
               <a:ext uri="{91240B29-F687-4f45-9708-019B960494DF}">
-                <a14:hiddenLine xmlns:a14="http://schemas.microsoft.com/office/drawing/2010/main" xmlns="" w="9525">
+                <a14:hiddenLine xmlns="" xmlns:a14="http://schemas.microsoft.com/office/drawing/2010/main" w="9525">
                   <a:solidFill>
                     <a:srgbClr val="000000"/>
                   </a:solidFill>
@@ -3680,7 +3694,7 @@
             </a:ln>
             <a:extLst>
               <a:ext uri="{91240B29-F687-4f45-9708-019B960494DF}">
-                <a14:hiddenLine xmlns:a14="http://schemas.microsoft.com/office/drawing/2010/main" xmlns="" w="9525">
+                <a14:hiddenLine xmlns="" xmlns:a14="http://schemas.microsoft.com/office/drawing/2010/main" w="9525">
                   <a:solidFill>
                     <a:srgbClr val="000000"/>
                   </a:solidFill>
@@ -3770,7 +3784,7 @@
             </a:ln>
             <a:extLst>
               <a:ext uri="{91240B29-F687-4f45-9708-019B960494DF}">
-                <a14:hiddenLine xmlns:a14="http://schemas.microsoft.com/office/drawing/2010/main" xmlns="" w="9525">
+                <a14:hiddenLine xmlns="" xmlns:a14="http://schemas.microsoft.com/office/drawing/2010/main" w="9525">
                   <a:solidFill>
                     <a:srgbClr val="000000"/>
                   </a:solidFill>
@@ -3832,7 +3846,7 @@
             </a:ln>
             <a:extLst>
               <a:ext uri="{91240B29-F687-4f45-9708-019B960494DF}">
-                <a14:hiddenLine xmlns:a14="http://schemas.microsoft.com/office/drawing/2010/main" xmlns="" w="9525">
+                <a14:hiddenLine xmlns="" xmlns:a14="http://schemas.microsoft.com/office/drawing/2010/main" w="9525">
                   <a:solidFill>
                     <a:srgbClr val="000000"/>
                   </a:solidFill>
@@ -3922,7 +3936,7 @@
             </a:ln>
             <a:extLst>
               <a:ext uri="{91240B29-F687-4f45-9708-019B960494DF}">
-                <a14:hiddenLine xmlns:a14="http://schemas.microsoft.com/office/drawing/2010/main" xmlns="" w="9525">
+                <a14:hiddenLine xmlns="" xmlns:a14="http://schemas.microsoft.com/office/drawing/2010/main" w="9525">
                   <a:solidFill>
                     <a:srgbClr val="000000"/>
                   </a:solidFill>
@@ -4012,7 +4026,7 @@
             </a:ln>
             <a:extLst>
               <a:ext uri="{91240B29-F687-4f45-9708-019B960494DF}">
-                <a14:hiddenLine xmlns:a14="http://schemas.microsoft.com/office/drawing/2010/main" xmlns="" w="9525">
+                <a14:hiddenLine xmlns="" xmlns:a14="http://schemas.microsoft.com/office/drawing/2010/main" w="9525">
                   <a:solidFill>
                     <a:srgbClr val="000000"/>
                   </a:solidFill>
@@ -4077,7 +4091,7 @@
             </a:ln>
             <a:extLst>
               <a:ext uri="{91240B29-F687-4f45-9708-019B960494DF}">
-                <a14:hiddenLine xmlns:a14="http://schemas.microsoft.com/office/drawing/2010/main" xmlns="" w="9525">
+                <a14:hiddenLine xmlns="" xmlns:a14="http://schemas.microsoft.com/office/drawing/2010/main" w="9525">
                   <a:solidFill>
                     <a:srgbClr val="000000"/>
                   </a:solidFill>
@@ -4139,7 +4153,7 @@
             </a:ln>
             <a:extLst>
               <a:ext uri="{91240B29-F687-4f45-9708-019B960494DF}">
-                <a14:hiddenLine xmlns:a14="http://schemas.microsoft.com/office/drawing/2010/main" xmlns="" w="9525">
+                <a14:hiddenLine xmlns="" xmlns:a14="http://schemas.microsoft.com/office/drawing/2010/main" w="9525">
                   <a:solidFill>
                     <a:srgbClr val="000000"/>
                   </a:solidFill>
@@ -4229,7 +4243,7 @@
             </a:ln>
             <a:extLst>
               <a:ext uri="{91240B29-F687-4f45-9708-019B960494DF}">
-                <a14:hiddenLine xmlns:a14="http://schemas.microsoft.com/office/drawing/2010/main" xmlns="" w="9525">
+                <a14:hiddenLine xmlns="" xmlns:a14="http://schemas.microsoft.com/office/drawing/2010/main" w="9525">
                   <a:solidFill>
                     <a:srgbClr val="000000"/>
                   </a:solidFill>
@@ -4319,7 +4333,7 @@
             </a:ln>
             <a:extLst>
               <a:ext uri="{91240B29-F687-4f45-9708-019B960494DF}">
-                <a14:hiddenLine xmlns:a14="http://schemas.microsoft.com/office/drawing/2010/main" xmlns="" w="9525">
+                <a14:hiddenLine xmlns="" xmlns:a14="http://schemas.microsoft.com/office/drawing/2010/main" w="9525">
                   <a:solidFill>
                     <a:srgbClr val="000000"/>
                   </a:solidFill>
@@ -4381,7 +4395,7 @@
             </a:ln>
             <a:extLst>
               <a:ext uri="{91240B29-F687-4f45-9708-019B960494DF}">
-                <a14:hiddenLine xmlns:a14="http://schemas.microsoft.com/office/drawing/2010/main" xmlns="" w="9525">
+                <a14:hiddenLine xmlns="" xmlns:a14="http://schemas.microsoft.com/office/drawing/2010/main" w="9525">
                   <a:solidFill>
                     <a:srgbClr val="000000"/>
                   </a:solidFill>
@@ -4501,7 +4515,7 @@
             </a:ln>
             <a:extLst>
               <a:ext uri="{91240B29-F687-4f45-9708-019B960494DF}">
-                <a14:hiddenLine xmlns:a14="http://schemas.microsoft.com/office/drawing/2010/main" xmlns="" w="9525">
+                <a14:hiddenLine xmlns="" xmlns:a14="http://schemas.microsoft.com/office/drawing/2010/main" w="9525">
                   <a:solidFill>
                     <a:srgbClr val="000000"/>
                   </a:solidFill>
@@ -4569,7 +4583,7 @@
             </a:ln>
             <a:extLst>
               <a:ext uri="{91240B29-F687-4f45-9708-019B960494DF}">
-                <a14:hiddenLine xmlns:a14="http://schemas.microsoft.com/office/drawing/2010/main" xmlns="" w="9525">
+                <a14:hiddenLine xmlns="" xmlns:a14="http://schemas.microsoft.com/office/drawing/2010/main" w="9525">
                   <a:solidFill>
                     <a:srgbClr val="000000"/>
                   </a:solidFill>
@@ -4659,7 +4673,7 @@
             </a:ln>
             <a:extLst>
               <a:ext uri="{91240B29-F687-4f45-9708-019B960494DF}">
-                <a14:hiddenLine xmlns:a14="http://schemas.microsoft.com/office/drawing/2010/main" xmlns="" w="9525">
+                <a14:hiddenLine xmlns="" xmlns:a14="http://schemas.microsoft.com/office/drawing/2010/main" w="9525">
                   <a:solidFill>
                     <a:srgbClr val="000000"/>
                   </a:solidFill>
@@ -9466,7 +9480,7 @@
           <a:noFill/>
           <a:extLst>
             <a:ext uri="{909E8E84-426E-40dd-AFC4-6F175D3DCCD1}">
-              <a14:hiddenFill xmlns:a14="http://schemas.microsoft.com/office/drawing/2010/main" xmlns="">
+              <a14:hiddenFill xmlns="" xmlns:a14="http://schemas.microsoft.com/office/drawing/2010/main">
                 <a:solidFill>
                   <a:srgbClr val="FFFFFF"/>
                 </a:solidFill>
@@ -9540,7 +9554,7 @@
               </a:ln>
               <a:extLst>
                 <a:ext uri="{91240B29-F687-4f45-9708-019B960494DF}">
-                  <a14:hiddenLine xmlns:a14="http://schemas.microsoft.com/office/drawing/2010/main" xmlns="" w="9525">
+                  <a14:hiddenLine xmlns="" xmlns:a14="http://schemas.microsoft.com/office/drawing/2010/main" w="9525">
                     <a:solidFill>
                       <a:srgbClr val="000000"/>
                     </a:solidFill>
@@ -9630,7 +9644,7 @@
               </a:ln>
               <a:extLst>
                 <a:ext uri="{91240B29-F687-4f45-9708-019B960494DF}">
-                  <a14:hiddenLine xmlns:a14="http://schemas.microsoft.com/office/drawing/2010/main" xmlns="" w="9525">
+                  <a14:hiddenLine xmlns="" xmlns:a14="http://schemas.microsoft.com/office/drawing/2010/main" w="9525">
                     <a:solidFill>
                       <a:srgbClr val="000000"/>
                     </a:solidFill>
@@ -9720,7 +9734,7 @@
               </a:ln>
               <a:extLst>
                 <a:ext uri="{91240B29-F687-4f45-9708-019B960494DF}">
-                  <a14:hiddenLine xmlns:a14="http://schemas.microsoft.com/office/drawing/2010/main" xmlns="" w="9525">
+                  <a14:hiddenLine xmlns="" xmlns:a14="http://schemas.microsoft.com/office/drawing/2010/main" w="9525">
                     <a:solidFill>
                       <a:srgbClr val="000000"/>
                     </a:solidFill>
@@ -9782,7 +9796,7 @@
               </a:ln>
               <a:extLst>
                 <a:ext uri="{91240B29-F687-4f45-9708-019B960494DF}">
-                  <a14:hiddenLine xmlns:a14="http://schemas.microsoft.com/office/drawing/2010/main" xmlns="" w="9525">
+                  <a14:hiddenLine xmlns="" xmlns:a14="http://schemas.microsoft.com/office/drawing/2010/main" w="9525">
                     <a:solidFill>
                       <a:srgbClr val="000000"/>
                     </a:solidFill>
@@ -9872,7 +9886,7 @@
               </a:ln>
               <a:extLst>
                 <a:ext uri="{91240B29-F687-4f45-9708-019B960494DF}">
-                  <a14:hiddenLine xmlns:a14="http://schemas.microsoft.com/office/drawing/2010/main" xmlns="" w="9525">
+                  <a14:hiddenLine xmlns="" xmlns:a14="http://schemas.microsoft.com/office/drawing/2010/main" w="9525">
                     <a:solidFill>
                       <a:srgbClr val="000000"/>
                     </a:solidFill>
@@ -9934,7 +9948,7 @@
               </a:ln>
               <a:extLst>
                 <a:ext uri="{91240B29-F687-4f45-9708-019B960494DF}">
-                  <a14:hiddenLine xmlns:a14="http://schemas.microsoft.com/office/drawing/2010/main" xmlns="" w="9525">
+                  <a14:hiddenLine xmlns="" xmlns:a14="http://schemas.microsoft.com/office/drawing/2010/main" w="9525">
                     <a:solidFill>
                       <a:srgbClr val="000000"/>
                     </a:solidFill>
@@ -9996,7 +10010,7 @@
               </a:ln>
               <a:extLst>
                 <a:ext uri="{91240B29-F687-4f45-9708-019B960494DF}">
-                  <a14:hiddenLine xmlns:a14="http://schemas.microsoft.com/office/drawing/2010/main" xmlns="" w="9525">
+                  <a14:hiddenLine xmlns="" xmlns:a14="http://schemas.microsoft.com/office/drawing/2010/main" w="9525">
                     <a:solidFill>
                       <a:srgbClr val="000000"/>
                     </a:solidFill>
@@ -10086,7 +10100,7 @@
               </a:ln>
               <a:extLst>
                 <a:ext uri="{91240B29-F687-4f45-9708-019B960494DF}">
-                  <a14:hiddenLine xmlns:a14="http://schemas.microsoft.com/office/drawing/2010/main" xmlns="" w="9525">
+                  <a14:hiddenLine xmlns="" xmlns:a14="http://schemas.microsoft.com/office/drawing/2010/main" w="9525">
                     <a:solidFill>
                       <a:srgbClr val="000000"/>
                     </a:solidFill>
@@ -10176,7 +10190,7 @@
               </a:ln>
               <a:extLst>
                 <a:ext uri="{91240B29-F687-4f45-9708-019B960494DF}">
-                  <a14:hiddenLine xmlns:a14="http://schemas.microsoft.com/office/drawing/2010/main" xmlns="" w="9525">
+                  <a14:hiddenLine xmlns="" xmlns:a14="http://schemas.microsoft.com/office/drawing/2010/main" w="9525">
                     <a:solidFill>
                       <a:srgbClr val="000000"/>
                     </a:solidFill>
@@ -10238,7 +10252,7 @@
               </a:ln>
               <a:extLst>
                 <a:ext uri="{91240B29-F687-4f45-9708-019B960494DF}">
-                  <a14:hiddenLine xmlns:a14="http://schemas.microsoft.com/office/drawing/2010/main" xmlns="" w="9525">
+                  <a14:hiddenLine xmlns="" xmlns:a14="http://schemas.microsoft.com/office/drawing/2010/main" w="9525">
                     <a:solidFill>
                       <a:srgbClr val="000000"/>
                     </a:solidFill>
@@ -10348,7 +10362,7 @@
               </a:ln>
               <a:extLst>
                 <a:ext uri="{91240B29-F687-4f45-9708-019B960494DF}">
-                  <a14:hiddenLine xmlns:a14="http://schemas.microsoft.com/office/drawing/2010/main" xmlns="" w="9525">
+                  <a14:hiddenLine xmlns="" xmlns:a14="http://schemas.microsoft.com/office/drawing/2010/main" w="9525">
                     <a:solidFill>
                       <a:srgbClr val="000000"/>
                     </a:solidFill>
@@ -10432,7 +10446,7 @@
               </a:ln>
               <a:extLst>
                 <a:ext uri="{91240B29-F687-4f45-9708-019B960494DF}">
-                  <a14:hiddenLine xmlns:a14="http://schemas.microsoft.com/office/drawing/2010/main" xmlns="" w="9525">
+                  <a14:hiddenLine xmlns="" xmlns:a14="http://schemas.microsoft.com/office/drawing/2010/main" w="9525">
                     <a:solidFill>
                       <a:srgbClr val="000000"/>
                     </a:solidFill>
@@ -10494,7 +10508,7 @@
               </a:ln>
               <a:extLst>
                 <a:ext uri="{91240B29-F687-4f45-9708-019B960494DF}">
-                  <a14:hiddenLine xmlns:a14="http://schemas.microsoft.com/office/drawing/2010/main" xmlns="" w="9525">
+                  <a14:hiddenLine xmlns="" xmlns:a14="http://schemas.microsoft.com/office/drawing/2010/main" w="9525">
                     <a:solidFill>
                       <a:srgbClr val="000000"/>
                     </a:solidFill>
@@ -10556,7 +10570,7 @@
               </a:ln>
               <a:extLst>
                 <a:ext uri="{91240B29-F687-4f45-9708-019B960494DF}">
-                  <a14:hiddenLine xmlns:a14="http://schemas.microsoft.com/office/drawing/2010/main" xmlns="" w="9525">
+                  <a14:hiddenLine xmlns="" xmlns:a14="http://schemas.microsoft.com/office/drawing/2010/main" w="9525">
                     <a:solidFill>
                       <a:srgbClr val="000000"/>
                     </a:solidFill>
@@ -10646,7 +10660,7 @@
               </a:ln>
               <a:extLst>
                 <a:ext uri="{91240B29-F687-4f45-9708-019B960494DF}">
-                  <a14:hiddenLine xmlns:a14="http://schemas.microsoft.com/office/drawing/2010/main" xmlns="" w="9525">
+                  <a14:hiddenLine xmlns="" xmlns:a14="http://schemas.microsoft.com/office/drawing/2010/main" w="9525">
                     <a:solidFill>
                       <a:srgbClr val="000000"/>
                     </a:solidFill>
@@ -10680,7 +10694,7 @@
               </a:ln>
               <a:extLst>
                 <a:ext uri="{91240B29-F687-4f45-9708-019B960494DF}">
-                  <a14:hiddenLine xmlns:a14="http://schemas.microsoft.com/office/drawing/2010/main" xmlns="" w="9525">
+                  <a14:hiddenLine xmlns="" xmlns:a14="http://schemas.microsoft.com/office/drawing/2010/main" w="9525">
                     <a:solidFill>
                       <a:srgbClr val="000000"/>
                     </a:solidFill>
@@ -10745,7 +10759,7 @@
               </a:ln>
               <a:extLst>
                 <a:ext uri="{91240B29-F687-4f45-9708-019B960494DF}">
-                  <a14:hiddenLine xmlns:a14="http://schemas.microsoft.com/office/drawing/2010/main" xmlns="" w="9525">
+                  <a14:hiddenLine xmlns="" xmlns:a14="http://schemas.microsoft.com/office/drawing/2010/main" w="9525">
                     <a:solidFill>
                       <a:srgbClr val="000000"/>
                     </a:solidFill>
@@ -10835,7 +10849,7 @@
               </a:ln>
               <a:extLst>
                 <a:ext uri="{91240B29-F687-4f45-9708-019B960494DF}">
-                  <a14:hiddenLine xmlns:a14="http://schemas.microsoft.com/office/drawing/2010/main" xmlns="" w="9525">
+                  <a14:hiddenLine xmlns="" xmlns:a14="http://schemas.microsoft.com/office/drawing/2010/main" w="9525">
                     <a:solidFill>
                       <a:srgbClr val="000000"/>
                     </a:solidFill>
@@ -10897,7 +10911,7 @@
               </a:ln>
               <a:extLst>
                 <a:ext uri="{91240B29-F687-4f45-9708-019B960494DF}">
-                  <a14:hiddenLine xmlns:a14="http://schemas.microsoft.com/office/drawing/2010/main" xmlns="" w="9525">
+                  <a14:hiddenLine xmlns="" xmlns:a14="http://schemas.microsoft.com/office/drawing/2010/main" w="9525">
                     <a:solidFill>
                       <a:srgbClr val="000000"/>
                     </a:solidFill>
@@ -10987,7 +11001,7 @@
               </a:ln>
               <a:extLst>
                 <a:ext uri="{91240B29-F687-4f45-9708-019B960494DF}">
-                  <a14:hiddenLine xmlns:a14="http://schemas.microsoft.com/office/drawing/2010/main" xmlns="" w="9525">
+                  <a14:hiddenLine xmlns="" xmlns:a14="http://schemas.microsoft.com/office/drawing/2010/main" w="9525">
                     <a:solidFill>
                       <a:srgbClr val="000000"/>
                     </a:solidFill>
@@ -11052,7 +11066,7 @@
               </a:ln>
               <a:extLst>
                 <a:ext uri="{91240B29-F687-4f45-9708-019B960494DF}">
-                  <a14:hiddenLine xmlns:a14="http://schemas.microsoft.com/office/drawing/2010/main" xmlns="" w="9525">
+                  <a14:hiddenLine xmlns="" xmlns:a14="http://schemas.microsoft.com/office/drawing/2010/main" w="9525">
                     <a:solidFill>
                       <a:srgbClr val="000000"/>
                     </a:solidFill>
@@ -11114,7 +11128,7 @@
               </a:ln>
               <a:extLst>
                 <a:ext uri="{91240B29-F687-4f45-9708-019B960494DF}">
-                  <a14:hiddenLine xmlns:a14="http://schemas.microsoft.com/office/drawing/2010/main" xmlns="" w="9525">
+                  <a14:hiddenLine xmlns="" xmlns:a14="http://schemas.microsoft.com/office/drawing/2010/main" w="9525">
                     <a:solidFill>
                       <a:srgbClr val="000000"/>
                     </a:solidFill>
@@ -11204,7 +11218,7 @@
               </a:ln>
               <a:extLst>
                 <a:ext uri="{91240B29-F687-4f45-9708-019B960494DF}">
-                  <a14:hiddenLine xmlns:a14="http://schemas.microsoft.com/office/drawing/2010/main" xmlns="" w="9525">
+                  <a14:hiddenLine xmlns="" xmlns:a14="http://schemas.microsoft.com/office/drawing/2010/main" w="9525">
                     <a:solidFill>
                       <a:srgbClr val="000000"/>
                     </a:solidFill>
@@ -11294,7 +11308,7 @@
               </a:ln>
               <a:extLst>
                 <a:ext uri="{91240B29-F687-4f45-9708-019B960494DF}">
-                  <a14:hiddenLine xmlns:a14="http://schemas.microsoft.com/office/drawing/2010/main" xmlns="" w="9525">
+                  <a14:hiddenLine xmlns="" xmlns:a14="http://schemas.microsoft.com/office/drawing/2010/main" w="9525">
                     <a:solidFill>
                       <a:srgbClr val="000000"/>
                     </a:solidFill>
@@ -11359,7 +11373,7 @@
               </a:ln>
               <a:extLst>
                 <a:ext uri="{91240B29-F687-4f45-9708-019B960494DF}">
-                  <a14:hiddenLine xmlns:a14="http://schemas.microsoft.com/office/drawing/2010/main" xmlns="" w="9525">
+                  <a14:hiddenLine xmlns="" xmlns:a14="http://schemas.microsoft.com/office/drawing/2010/main" w="9525">
                     <a:solidFill>
                       <a:srgbClr val="000000"/>
                     </a:solidFill>
@@ -11479,7 +11493,7 @@
               </a:ln>
               <a:extLst>
                 <a:ext uri="{91240B29-F687-4f45-9708-019B960494DF}">
-                  <a14:hiddenLine xmlns:a14="http://schemas.microsoft.com/office/drawing/2010/main" xmlns="" w="9525">
+                  <a14:hiddenLine xmlns="" xmlns:a14="http://schemas.microsoft.com/office/drawing/2010/main" w="9525">
                     <a:solidFill>
                       <a:srgbClr val="000000"/>
                     </a:solidFill>
@@ -11577,7 +11591,7 @@
               </a:ln>
               <a:extLst>
                 <a:ext uri="{91240B29-F687-4f45-9708-019B960494DF}">
-                  <a14:hiddenLine xmlns:a14="http://schemas.microsoft.com/office/drawing/2010/main" xmlns="" w="9525">
+                  <a14:hiddenLine xmlns="" xmlns:a14="http://schemas.microsoft.com/office/drawing/2010/main" w="9525">
                     <a:solidFill>
                       <a:srgbClr val="000000"/>
                     </a:solidFill>
@@ -11692,7 +11706,7 @@
               </a:ln>
               <a:extLst>
                 <a:ext uri="{91240B29-F687-4f45-9708-019B960494DF}">
-                  <a14:hiddenLine xmlns:a14="http://schemas.microsoft.com/office/drawing/2010/main" xmlns="" w="9525">
+                  <a14:hiddenLine xmlns="" xmlns:a14="http://schemas.microsoft.com/office/drawing/2010/main" w="9525">
                     <a:solidFill>
                       <a:srgbClr val="000000"/>
                     </a:solidFill>
@@ -11782,7 +11796,7 @@
               </a:ln>
               <a:extLst>
                 <a:ext uri="{91240B29-F687-4f45-9708-019B960494DF}">
-                  <a14:hiddenLine xmlns:a14="http://schemas.microsoft.com/office/drawing/2010/main" xmlns="" w="9525">
+                  <a14:hiddenLine xmlns="" xmlns:a14="http://schemas.microsoft.com/office/drawing/2010/main" w="9525">
                     <a:solidFill>
                       <a:srgbClr val="000000"/>
                     </a:solidFill>
@@ -11847,7 +11861,7 @@
               </a:ln>
               <a:extLst>
                 <a:ext uri="{91240B29-F687-4f45-9708-019B960494DF}">
-                  <a14:hiddenLine xmlns:a14="http://schemas.microsoft.com/office/drawing/2010/main" xmlns="" w="9525">
+                  <a14:hiddenLine xmlns="" xmlns:a14="http://schemas.microsoft.com/office/drawing/2010/main" w="9525">
                     <a:solidFill>
                       <a:srgbClr val="000000"/>
                     </a:solidFill>
@@ -11937,7 +11951,7 @@
               </a:ln>
               <a:extLst>
                 <a:ext uri="{91240B29-F687-4f45-9708-019B960494DF}">
-                  <a14:hiddenLine xmlns:a14="http://schemas.microsoft.com/office/drawing/2010/main" xmlns="" w="9525">
+                  <a14:hiddenLine xmlns="" xmlns:a14="http://schemas.microsoft.com/office/drawing/2010/main" w="9525">
                     <a:solidFill>
                       <a:srgbClr val="000000"/>
                     </a:solidFill>
@@ -12005,7 +12019,7 @@
               </a:ln>
               <a:extLst>
                 <a:ext uri="{91240B29-F687-4f45-9708-019B960494DF}">
-                  <a14:hiddenLine xmlns:a14="http://schemas.microsoft.com/office/drawing/2010/main" xmlns="" w="9525">
+                  <a14:hiddenLine xmlns="" xmlns:a14="http://schemas.microsoft.com/office/drawing/2010/main" w="9525">
                     <a:solidFill>
                       <a:srgbClr val="000000"/>
                     </a:solidFill>
@@ -12095,7 +12109,7 @@
               </a:ln>
               <a:extLst>
                 <a:ext uri="{91240B29-F687-4f45-9708-019B960494DF}">
-                  <a14:hiddenLine xmlns:a14="http://schemas.microsoft.com/office/drawing/2010/main" xmlns="" w="9525">
+                  <a14:hiddenLine xmlns="" xmlns:a14="http://schemas.microsoft.com/office/drawing/2010/main" w="9525">
                     <a:solidFill>
                       <a:srgbClr val="000000"/>
                     </a:solidFill>
@@ -12163,7 +12177,7 @@
               </a:ln>
               <a:extLst>
                 <a:ext uri="{91240B29-F687-4f45-9708-019B960494DF}">
-                  <a14:hiddenLine xmlns:a14="http://schemas.microsoft.com/office/drawing/2010/main" xmlns="" w="9525">
+                  <a14:hiddenLine xmlns="" xmlns:a14="http://schemas.microsoft.com/office/drawing/2010/main" w="9525">
                     <a:solidFill>
                       <a:srgbClr val="000000"/>
                     </a:solidFill>
@@ -12253,7 +12267,7 @@
               </a:ln>
               <a:extLst>
                 <a:ext uri="{91240B29-F687-4f45-9708-019B960494DF}">
-                  <a14:hiddenLine xmlns:a14="http://schemas.microsoft.com/office/drawing/2010/main" xmlns="" w="9525">
+                  <a14:hiddenLine xmlns="" xmlns:a14="http://schemas.microsoft.com/office/drawing/2010/main" w="9525">
                     <a:solidFill>
                       <a:srgbClr val="000000"/>
                     </a:solidFill>
@@ -12287,7 +12301,7 @@
               </a:ln>
               <a:extLst>
                 <a:ext uri="{91240B29-F687-4f45-9708-019B960494DF}">
-                  <a14:hiddenLine xmlns:a14="http://schemas.microsoft.com/office/drawing/2010/main" xmlns="" w="9525">
+                  <a14:hiddenLine xmlns="" xmlns:a14="http://schemas.microsoft.com/office/drawing/2010/main" w="9525">
                     <a:solidFill>
                       <a:srgbClr val="000000"/>
                     </a:solidFill>
@@ -12923,6 +12937,13 @@
               </a:rPr>
               <a:t>Data warehouse</a:t>
             </a:r>
+            <a:r>
+              <a:rPr lang="en-US" sz="6000">
+                <a:latin typeface="Times New Roman" panose="02020603050405020304" pitchFamily="18" charset="0"/>
+                <a:cs typeface="Times New Roman" panose="02020603050405020304" pitchFamily="18" charset="0"/>
+              </a:rPr>
+              <a:t/>
+            </a:r>
             <a:br>
               <a:rPr lang="en-US" sz="6000">
                 <a:latin typeface="Times New Roman" panose="02020603050405020304" pitchFamily="18" charset="0"/>
@@ -13035,6 +13056,13 @@
   <p:transition>
     <p:fade/>
   </p:transition>
+  <p:timing>
+    <p:tnLst>
+      <p:par>
+        <p:cTn id="1" dur="indefinite" restart="never" nodeType="tmRoot"/>
+      </p:par>
+    </p:tnLst>
+  </p:timing>
 </p:sld>
 </file>
 
@@ -13154,11 +13182,16 @@
           </p:cNvGraphicFramePr>
           <p:nvPr>
             <p:ph idx="1"/>
+            <p:extLst>
+              <p:ext uri="{D42A27DB-BD31-4B8C-83A1-F6EECF244321}">
+                <p14:modId xmlns:p14="http://schemas.microsoft.com/office/powerpoint/2010/main" val="3890698511"/>
+              </p:ext>
+            </p:extLst>
           </p:nvPr>
         </p:nvGraphicFramePr>
         <p:xfrm>
           <a:off x="1141413" y="2249488"/>
-          <a:ext cx="9905999" cy="3900131"/>
+          <a:ext cx="9905999" cy="3900030"/>
         </p:xfrm>
         <a:graphic>
           <a:graphicData uri="http://schemas.openxmlformats.org/drawingml/2006/table">
@@ -13174,21 +13207,21 @@
                     </a:ext>
                   </a:extLst>
                 </a:gridCol>
-                <a:gridCol w="1616766">
+                <a:gridCol w="1489144">
                   <a:extLst>
                     <a:ext uri="{9D8B030D-6E8A-4147-A177-3AD203B41FA5}">
                       <a16:colId xmlns:a16="http://schemas.microsoft.com/office/drawing/2014/main" val="20001"/>
                     </a:ext>
                   </a:extLst>
                 </a:gridCol>
-                <a:gridCol w="2862469">
+                <a:gridCol w="2730500">
                   <a:extLst>
                     <a:ext uri="{9D8B030D-6E8A-4147-A177-3AD203B41FA5}">
                       <a16:colId xmlns:a16="http://schemas.microsoft.com/office/drawing/2014/main" val="20002"/>
                     </a:ext>
                   </a:extLst>
                 </a:gridCol>
-                <a:gridCol w="4679121">
+                <a:gridCol w="4938712">
                   <a:extLst>
                     <a:ext uri="{9D8B030D-6E8A-4147-A177-3AD203B41FA5}">
                       <a16:colId xmlns:a16="http://schemas.microsoft.com/office/drawing/2014/main" val="20003"/>
@@ -13394,7 +13427,7 @@
                   </a:ext>
                 </a:extLst>
               </a:tr>
-              <a:tr h="1089660">
+              <a:tr h="1089559">
                 <a:tc>
                   <a:txBody>
                     <a:bodyPr/>
@@ -13407,6 +13440,27 @@
                           <a:cs typeface="Times New Roman" panose="02020603050405020304" pitchFamily="18" charset="0"/>
                         </a:rPr>
                         <a:t>2</a:t>
+                      </a:r>
+                      <a:endParaRPr lang="en-US" sz="2000">
+                        <a:latin typeface="Times New Roman" panose="02020603050405020304" pitchFamily="18" charset="0"/>
+                        <a:cs typeface="Times New Roman" panose="02020603050405020304" pitchFamily="18" charset="0"/>
+                      </a:endParaRPr>
+                    </a:p>
+                  </a:txBody>
+                  <a:tcPr marL="86139" marR="86139" anchor="ctr"/>
+                </a:tc>
+                <a:tc>
+                  <a:txBody>
+                    <a:bodyPr/>
+                    <a:lstStyle/>
+                    <a:p>
+                      <a:pPr algn="ctr"/>
+                      <a:r>
+                        <a:rPr lang="en-US" sz="2000">
+                          <a:latin typeface="Times New Roman" panose="02020603050405020304" pitchFamily="18" charset="0"/>
+                          <a:cs typeface="Times New Roman" panose="02020603050405020304" pitchFamily="18" charset="0"/>
+                        </a:rPr>
+                        <a:t>17130021</a:t>
                       </a:r>
                     </a:p>
                   </a:txBody>
@@ -13423,8 +13477,184 @@
                           <a:latin typeface="Times New Roman" panose="02020603050405020304" pitchFamily="18" charset="0"/>
                           <a:cs typeface="Times New Roman" panose="02020603050405020304" pitchFamily="18" charset="0"/>
                         </a:rPr>
+                        <a:t>Phạm</a:t>
+                      </a:r>
+                      <a:r>
+                        <a:rPr lang="en-US" sz="2000" baseline="0">
+                          <a:latin typeface="Times New Roman" panose="02020603050405020304" pitchFamily="18" charset="0"/>
+                          <a:cs typeface="Times New Roman" panose="02020603050405020304" pitchFamily="18" charset="0"/>
+                        </a:rPr>
+                        <a:t> Thanh Ngọc Đào</a:t>
+                      </a:r>
+                      <a:endParaRPr lang="en-US" sz="2000">
+                        <a:latin typeface="Times New Roman" panose="02020603050405020304" pitchFamily="18" charset="0"/>
+                        <a:cs typeface="Times New Roman" panose="02020603050405020304" pitchFamily="18" charset="0"/>
+                      </a:endParaRPr>
+                    </a:p>
+                  </a:txBody>
+                  <a:tcPr marL="86139" marR="86139" anchor="ctr"/>
+                </a:tc>
+                <a:tc>
+                  <a:txBody>
+                    <a:bodyPr/>
+                    <a:lstStyle/>
+                    <a:p>
+                      <a:pPr marL="0" marR="0" lvl="0" indent="0" algn="ctr" defTabSz="914400" rtl="0" eaLnBrk="1" fontAlgn="auto" latinLnBrk="0" hangingPunct="1">
+                        <a:lnSpc>
+                          <a:spcPct val="100000"/>
+                        </a:lnSpc>
+                        <a:spcBef>
+                          <a:spcPts val="0"/>
+                        </a:spcBef>
+                        <a:spcAft>
+                          <a:spcPts val="0"/>
+                        </a:spcAft>
+                        <a:buClrTx/>
+                        <a:buSzTx/>
+                        <a:buFontTx/>
+                        <a:buNone/>
+                        <a:defRPr/>
+                      </a:pPr>
+                      <a:r>
+                        <a:rPr lang="en-US" sz="2000" dirty="0">
+                          <a:latin typeface="Times New Roman" panose="02020603050405020304" pitchFamily="18" charset="0"/>
+                          <a:cs typeface="Times New Roman" panose="02020603050405020304" pitchFamily="18" charset="0"/>
+                          <a:sym typeface="+mn-ea"/>
+                        </a:rPr>
+                        <a:t>Load </a:t>
+                      </a:r>
+                      <a:r>
+                        <a:rPr lang="en-US" sz="2000" dirty="0" err="1">
+                          <a:latin typeface="Times New Roman" panose="02020603050405020304" pitchFamily="18" charset="0"/>
+                          <a:cs typeface="Times New Roman" panose="02020603050405020304" pitchFamily="18" charset="0"/>
+                          <a:sym typeface="+mn-ea"/>
+                        </a:rPr>
+                        <a:t>dữ</a:t>
+                      </a:r>
+                      <a:r>
+                        <a:rPr lang="en-US" sz="2000" dirty="0">
+                          <a:latin typeface="Times New Roman" panose="02020603050405020304" pitchFamily="18" charset="0"/>
+                          <a:cs typeface="Times New Roman" panose="02020603050405020304" pitchFamily="18" charset="0"/>
+                          <a:sym typeface="+mn-ea"/>
+                        </a:rPr>
+                        <a:t> </a:t>
+                      </a:r>
+                      <a:r>
+                        <a:rPr lang="en-US" sz="2000" dirty="0" err="1">
+                          <a:latin typeface="Times New Roman" panose="02020603050405020304" pitchFamily="18" charset="0"/>
+                          <a:cs typeface="Times New Roman" panose="02020603050405020304" pitchFamily="18" charset="0"/>
+                          <a:sym typeface="+mn-ea"/>
+                        </a:rPr>
+                        <a:t>liệu</a:t>
+                      </a:r>
+                      <a:r>
+                        <a:rPr lang="en-US" sz="2000" dirty="0">
+                          <a:latin typeface="Times New Roman" panose="02020603050405020304" pitchFamily="18" charset="0"/>
+                          <a:cs typeface="Times New Roman" panose="02020603050405020304" pitchFamily="18" charset="0"/>
+                          <a:sym typeface="+mn-ea"/>
+                        </a:rPr>
+                        <a:t> </a:t>
+                      </a:r>
+                      <a:r>
+                        <a:rPr lang="en-US" sz="2000" dirty="0" err="1">
+                          <a:latin typeface="Times New Roman" panose="02020603050405020304" pitchFamily="18" charset="0"/>
+                          <a:cs typeface="Times New Roman" panose="02020603050405020304" pitchFamily="18" charset="0"/>
+                          <a:sym typeface="+mn-ea"/>
+                        </a:rPr>
+                        <a:t>từ</a:t>
+                      </a:r>
+                      <a:r>
+                        <a:rPr lang="en-US" sz="2000" dirty="0">
+                          <a:latin typeface="Times New Roman" panose="02020603050405020304" pitchFamily="18" charset="0"/>
+                          <a:cs typeface="Times New Roman" panose="02020603050405020304" pitchFamily="18" charset="0"/>
+                          <a:sym typeface="+mn-ea"/>
+                        </a:rPr>
+                        <a:t> file ở local </a:t>
+                      </a:r>
+                      <a:r>
+                        <a:rPr lang="en-US" sz="2000" err="1">
+                          <a:latin typeface="Times New Roman" panose="02020603050405020304" pitchFamily="18" charset="0"/>
+                          <a:cs typeface="Times New Roman" panose="02020603050405020304" pitchFamily="18" charset="0"/>
+                          <a:sym typeface="+mn-ea"/>
+                        </a:rPr>
+                        <a:t>tới</a:t>
+                      </a:r>
+                      <a:r>
+                        <a:rPr lang="en-US" sz="2000">
+                          <a:latin typeface="Times New Roman" panose="02020603050405020304" pitchFamily="18" charset="0"/>
+                          <a:cs typeface="Times New Roman" panose="02020603050405020304" pitchFamily="18" charset="0"/>
+                          <a:sym typeface="+mn-ea"/>
+                        </a:rPr>
+                        <a:t> </a:t>
+                      </a:r>
+                      <a:r>
+                        <a:rPr lang="en-US" sz="2000" smtClean="0">
+                          <a:latin typeface="Times New Roman" panose="02020603050405020304" pitchFamily="18" charset="0"/>
+                          <a:cs typeface="Times New Roman" panose="02020603050405020304" pitchFamily="18" charset="0"/>
+                          <a:sym typeface="+mn-ea"/>
+                        </a:rPr>
+                        <a:t>Staging</a:t>
+                      </a:r>
+                      <a:r>
+                        <a:rPr lang="en-US" sz="2000" smtClean="0">
+                          <a:latin typeface="Times New Roman" panose="02020603050405020304" pitchFamily="18" charset="0"/>
+                          <a:cs typeface="Times New Roman" panose="02020603050405020304" pitchFamily="18" charset="0"/>
+                        </a:rPr>
+                        <a:t> </a:t>
+                      </a:r>
+                      <a:endParaRPr lang="en-US" sz="2000" dirty="0">
+                        <a:latin typeface="Times New Roman" panose="02020603050405020304" pitchFamily="18" charset="0"/>
+                        <a:cs typeface="Times New Roman" panose="02020603050405020304" pitchFamily="18" charset="0"/>
+                      </a:endParaRPr>
+                    </a:p>
+                  </a:txBody>
+                  <a:tcPr marL="86139" marR="86139" anchor="ctr"/>
+                </a:tc>
+                <a:extLst>
+                  <a:ext uri="{0D108BD9-81ED-4DB2-BD59-A6C34878D82A}">
+                    <a16:rowId xmlns:a16="http://schemas.microsoft.com/office/drawing/2014/main" val="10003"/>
+                  </a:ext>
+                </a:extLst>
+              </a:tr>
+              <a:tr h="1089559">
+                <a:tc>
+                  <a:txBody>
+                    <a:bodyPr/>
+                    <a:lstStyle/>
+                    <a:p>
+                      <a:pPr algn="ctr"/>
+                      <a:r>
+                        <a:rPr lang="en-US" sz="2000">
+                          <a:latin typeface="Times New Roman" panose="02020603050405020304" pitchFamily="18" charset="0"/>
+                          <a:cs typeface="Times New Roman" panose="02020603050405020304" pitchFamily="18" charset="0"/>
+                        </a:rPr>
+                        <a:t>3</a:t>
+                      </a:r>
+                      <a:endParaRPr lang="en-US" sz="2000">
+                        <a:latin typeface="Times New Roman" panose="02020603050405020304" pitchFamily="18" charset="0"/>
+                        <a:cs typeface="Times New Roman" panose="02020603050405020304" pitchFamily="18" charset="0"/>
+                      </a:endParaRPr>
+                    </a:p>
+                  </a:txBody>
+                  <a:tcPr marL="86139" marR="86139" anchor="ctr"/>
+                </a:tc>
+                <a:tc>
+                  <a:txBody>
+                    <a:bodyPr/>
+                    <a:lstStyle/>
+                    <a:p>
+                      <a:pPr algn="ctr"/>
+                      <a:r>
+                        <a:rPr lang="en-US" sz="2000" smtClean="0">
+                          <a:latin typeface="Times New Roman" panose="02020603050405020304" pitchFamily="18" charset="0"/>
+                          <a:cs typeface="Times New Roman" panose="02020603050405020304" pitchFamily="18" charset="0"/>
+                        </a:rPr>
                         <a:t>17130133</a:t>
                       </a:r>
+                      <a:endParaRPr lang="en-US" sz="2000">
+                        <a:latin typeface="Times New Roman" panose="02020603050405020304" pitchFamily="18" charset="0"/>
+                        <a:cs typeface="Times New Roman" panose="02020603050405020304" pitchFamily="18" charset="0"/>
+                      </a:endParaRPr>
                     </a:p>
                   </a:txBody>
                   <a:tcPr marL="86139" marR="86139" anchor="ctr"/>
@@ -13560,180 +13790,7 @@
                 </a:tc>
                 <a:extLst>
                   <a:ext uri="{0D108BD9-81ED-4DB2-BD59-A6C34878D82A}">
-                    <a16:rowId xmlns:a16="http://schemas.microsoft.com/office/drawing/2014/main" val="10002"/>
-                  </a:ext>
-                </a:extLst>
-              </a:tr>
-              <a:tr h="1089559">
-                <a:tc>
-                  <a:txBody>
-                    <a:bodyPr/>
-                    <a:lstStyle/>
-                    <a:p>
-                      <a:pPr algn="ctr"/>
-                      <a:r>
-                        <a:rPr lang="en-US" sz="2000">
-                          <a:latin typeface="Times New Roman" panose="02020603050405020304" pitchFamily="18" charset="0"/>
-                          <a:cs typeface="Times New Roman" panose="02020603050405020304" pitchFamily="18" charset="0"/>
-                        </a:rPr>
-                        <a:t>3</a:t>
-                      </a:r>
-                    </a:p>
-                  </a:txBody>
-                  <a:tcPr marL="86139" marR="86139" anchor="ctr"/>
-                </a:tc>
-                <a:tc>
-                  <a:txBody>
-                    <a:bodyPr/>
-                    <a:lstStyle/>
-                    <a:p>
-                      <a:pPr algn="ctr"/>
-                      <a:r>
-                        <a:rPr lang="en-US" sz="2000">
-                          <a:latin typeface="Times New Roman" panose="02020603050405020304" pitchFamily="18" charset="0"/>
-                          <a:cs typeface="Times New Roman" panose="02020603050405020304" pitchFamily="18" charset="0"/>
-                        </a:rPr>
-                        <a:t>17130021</a:t>
-                      </a:r>
-                    </a:p>
-                  </a:txBody>
-                  <a:tcPr marL="86139" marR="86139" anchor="ctr"/>
-                </a:tc>
-                <a:tc>
-                  <a:txBody>
-                    <a:bodyPr/>
-                    <a:lstStyle/>
-                    <a:p>
-                      <a:pPr algn="ctr"/>
-                      <a:r>
-                        <a:rPr lang="en-US" sz="2000">
-                          <a:latin typeface="Times New Roman" panose="02020603050405020304" pitchFamily="18" charset="0"/>
-                          <a:cs typeface="Times New Roman" panose="02020603050405020304" pitchFamily="18" charset="0"/>
-                        </a:rPr>
-                        <a:t>Phạm</a:t>
-                      </a:r>
-                      <a:r>
-                        <a:rPr lang="en-US" sz="2000" baseline="0">
-                          <a:latin typeface="Times New Roman" panose="02020603050405020304" pitchFamily="18" charset="0"/>
-                          <a:cs typeface="Times New Roman" panose="02020603050405020304" pitchFamily="18" charset="0"/>
-                        </a:rPr>
-                        <a:t> Thanh Ngọc Đào</a:t>
-                      </a:r>
-                      <a:endParaRPr lang="en-US" sz="2000">
-                        <a:latin typeface="Times New Roman" panose="02020603050405020304" pitchFamily="18" charset="0"/>
-                        <a:cs typeface="Times New Roman" panose="02020603050405020304" pitchFamily="18" charset="0"/>
-                      </a:endParaRPr>
-                    </a:p>
-                  </a:txBody>
-                  <a:tcPr marL="86139" marR="86139" anchor="ctr"/>
-                </a:tc>
-                <a:tc>
-                  <a:txBody>
-                    <a:bodyPr/>
-                    <a:lstStyle/>
-                    <a:p>
-                      <a:pPr marL="0" marR="0" lvl="0" indent="0" algn="ctr" defTabSz="914400" rtl="0" eaLnBrk="1" fontAlgn="auto" latinLnBrk="0" hangingPunct="1">
-                        <a:lnSpc>
-                          <a:spcPct val="100000"/>
-                        </a:lnSpc>
-                        <a:spcBef>
-                          <a:spcPts val="0"/>
-                        </a:spcBef>
-                        <a:spcAft>
-                          <a:spcPts val="0"/>
-                        </a:spcAft>
-                        <a:buClrTx/>
-                        <a:buSzTx/>
-                        <a:buFontTx/>
-                        <a:buNone/>
-                        <a:defRPr/>
-                      </a:pPr>
-                      <a:r>
-                        <a:rPr lang="en-US" sz="2000" dirty="0">
-                          <a:latin typeface="Times New Roman" panose="02020603050405020304" pitchFamily="18" charset="0"/>
-                          <a:cs typeface="Times New Roman" panose="02020603050405020304" pitchFamily="18" charset="0"/>
-                          <a:sym typeface="+mn-ea"/>
-                        </a:rPr>
-                        <a:t>Load </a:t>
-                      </a:r>
-                      <a:r>
-                        <a:rPr lang="en-US" sz="2000" dirty="0" err="1">
-                          <a:latin typeface="Times New Roman" panose="02020603050405020304" pitchFamily="18" charset="0"/>
-                          <a:cs typeface="Times New Roman" panose="02020603050405020304" pitchFamily="18" charset="0"/>
-                          <a:sym typeface="+mn-ea"/>
-                        </a:rPr>
-                        <a:t>dữ</a:t>
-                      </a:r>
-                      <a:r>
-                        <a:rPr lang="en-US" sz="2000" dirty="0">
-                          <a:latin typeface="Times New Roman" panose="02020603050405020304" pitchFamily="18" charset="0"/>
-                          <a:cs typeface="Times New Roman" panose="02020603050405020304" pitchFamily="18" charset="0"/>
-                          <a:sym typeface="+mn-ea"/>
-                        </a:rPr>
-                        <a:t> </a:t>
-                      </a:r>
-                      <a:r>
-                        <a:rPr lang="en-US" sz="2000" dirty="0" err="1">
-                          <a:latin typeface="Times New Roman" panose="02020603050405020304" pitchFamily="18" charset="0"/>
-                          <a:cs typeface="Times New Roman" panose="02020603050405020304" pitchFamily="18" charset="0"/>
-                          <a:sym typeface="+mn-ea"/>
-                        </a:rPr>
-                        <a:t>liệu</a:t>
-                      </a:r>
-                      <a:r>
-                        <a:rPr lang="en-US" sz="2000" dirty="0">
-                          <a:latin typeface="Times New Roman" panose="02020603050405020304" pitchFamily="18" charset="0"/>
-                          <a:cs typeface="Times New Roman" panose="02020603050405020304" pitchFamily="18" charset="0"/>
-                          <a:sym typeface="+mn-ea"/>
-                        </a:rPr>
-                        <a:t> </a:t>
-                      </a:r>
-                      <a:r>
-                        <a:rPr lang="en-US" sz="2000" dirty="0" err="1">
-                          <a:latin typeface="Times New Roman" panose="02020603050405020304" pitchFamily="18" charset="0"/>
-                          <a:cs typeface="Times New Roman" panose="02020603050405020304" pitchFamily="18" charset="0"/>
-                          <a:sym typeface="+mn-ea"/>
-                        </a:rPr>
-                        <a:t>từ</a:t>
-                      </a:r>
-                      <a:r>
-                        <a:rPr lang="en-US" sz="2000" dirty="0">
-                          <a:latin typeface="Times New Roman" panose="02020603050405020304" pitchFamily="18" charset="0"/>
-                          <a:cs typeface="Times New Roman" panose="02020603050405020304" pitchFamily="18" charset="0"/>
-                          <a:sym typeface="+mn-ea"/>
-                        </a:rPr>
-                        <a:t> file ở local </a:t>
-                      </a:r>
-                      <a:r>
-                        <a:rPr lang="en-US" sz="2000" dirty="0" err="1">
-                          <a:latin typeface="Times New Roman" panose="02020603050405020304" pitchFamily="18" charset="0"/>
-                          <a:cs typeface="Times New Roman" panose="02020603050405020304" pitchFamily="18" charset="0"/>
-                          <a:sym typeface="+mn-ea"/>
-                        </a:rPr>
-                        <a:t>tới</a:t>
-                      </a:r>
-                      <a:r>
-                        <a:rPr lang="en-US" sz="2000" dirty="0">
-                          <a:latin typeface="Times New Roman" panose="02020603050405020304" pitchFamily="18" charset="0"/>
-                          <a:cs typeface="Times New Roman" panose="02020603050405020304" pitchFamily="18" charset="0"/>
-                          <a:sym typeface="+mn-ea"/>
-                        </a:rPr>
-                        <a:t> Staging</a:t>
-                      </a:r>
-                      <a:r>
-                        <a:rPr lang="en-US" sz="2000" dirty="0">
-                          <a:latin typeface="Times New Roman" panose="02020603050405020304" pitchFamily="18" charset="0"/>
-                          <a:cs typeface="Times New Roman" panose="02020603050405020304" pitchFamily="18" charset="0"/>
-                        </a:rPr>
-                        <a:t> </a:t>
-                      </a:r>
-                    </a:p>
-                  </a:txBody>
-                  <a:tcPr marL="86139" marR="86139" anchor="ctr"/>
-                </a:tc>
-                <a:extLst>
-                  <a:ext uri="{0D108BD9-81ED-4DB2-BD59-A6C34878D82A}">
-                    <a16:rowId xmlns:a16="http://schemas.microsoft.com/office/drawing/2014/main" val="10003"/>
+                    <a16:rowId xmlns:a16="http://schemas.microsoft.com/office/drawing/2014/main" val="3536523394"/>
                   </a:ext>
                 </a:extLst>
               </a:tr>
@@ -13746,6 +13803,13 @@
   <p:clrMapOvr>
     <a:masterClrMapping/>
   </p:clrMapOvr>
+  <p:timing>
+    <p:tnLst>
+      <p:par>
+        <p:cTn id="1" dur="indefinite" restart="never" nodeType="tmRoot"/>
+      </p:par>
+    </p:tnLst>
+  </p:timing>
 </p:sld>
 </file>
 
@@ -14002,6 +14066,13 @@
   <p:clrMapOvr>
     <a:masterClrMapping/>
   </p:clrMapOvr>
+  <p:timing>
+    <p:tnLst>
+      <p:par>
+        <p:cTn id="1" dur="indefinite" restart="never" nodeType="tmRoot"/>
+      </p:par>
+    </p:tnLst>
+  </p:timing>
 </p:sld>
 </file>
 
@@ -14146,6 +14217,13 @@
   <p:clrMapOvr>
     <a:masterClrMapping/>
   </p:clrMapOvr>
+  <p:timing>
+    <p:tnLst>
+      <p:par>
+        <p:cTn id="1" dur="indefinite" restart="never" nodeType="tmRoot"/>
+      </p:par>
+    </p:tnLst>
+  </p:timing>
 </p:sld>
 </file>
 
@@ -14335,6 +14413,13 @@
   <p:clrMapOvr>
     <a:masterClrMapping/>
   </p:clrMapOvr>
+  <p:timing>
+    <p:tnLst>
+      <p:par>
+        <p:cTn id="1" dur="indefinite" restart="never" nodeType="tmRoot"/>
+      </p:par>
+    </p:tnLst>
+  </p:timing>
 </p:sld>
 </file>
 
@@ -14502,6 +14587,222 @@
   <p:clrMapOvr>
     <a:masterClrMapping/>
   </p:clrMapOvr>
+  <p:timing>
+    <p:tnLst>
+      <p:par>
+        <p:cTn id="1" dur="indefinite" restart="never" nodeType="tmRoot"/>
+      </p:par>
+    </p:tnLst>
+  </p:timing>
+</p:sld>
+</file>
+
+<file path=ppt/slides/slide7.xml><?xml version="1.0" encoding="utf-8"?>
+<p:sld xmlns:a="http://schemas.openxmlformats.org/drawingml/2006/main" xmlns:r="http://schemas.openxmlformats.org/officeDocument/2006/relationships" xmlns:p="http://schemas.openxmlformats.org/presentationml/2006/main">
+  <p:cSld>
+    <p:bg>
+      <p:bgPr>
+        <a:pattFill prst="trellis">
+          <a:fgClr>
+            <a:schemeClr val="bg1">
+              <a:lumMod val="50000"/>
+              <a:lumOff val="50000"/>
+            </a:schemeClr>
+          </a:fgClr>
+          <a:bgClr>
+            <a:schemeClr val="bg1"/>
+          </a:bgClr>
+        </a:pattFill>
+        <a:effectLst/>
+      </p:bgPr>
+    </p:bg>
+    <p:spTree>
+      <p:nvGrpSpPr>
+        <p:cNvPr id="1" name=""/>
+        <p:cNvGrpSpPr/>
+        <p:nvPr/>
+      </p:nvGrpSpPr>
+      <p:grpSpPr>
+        <a:xfrm>
+          <a:off x="0" y="0"/>
+          <a:ext cx="0" cy="0"/>
+          <a:chOff x="0" y="0"/>
+          <a:chExt cx="0" cy="0"/>
+        </a:xfrm>
+      </p:grpSpPr>
+      <p:sp>
+        <p:nvSpPr>
+          <p:cNvPr id="8" name="Text Box 6">
+            <a:hlinkClick r:id="rId2" action="ppaction://hlinkfile"/>
+          </p:cNvPr>
+          <p:cNvSpPr txBox="1"/>
+          <p:nvPr/>
+        </p:nvSpPr>
+        <p:spPr>
+          <a:xfrm>
+            <a:off x="4257602" y="1906341"/>
+            <a:ext cx="3676796" cy="1261884"/>
+          </a:xfrm>
+          <a:prstGeom prst="rect">
+            <a:avLst/>
+          </a:prstGeom>
+          <a:noFill/>
+        </p:spPr>
+        <p:txBody>
+          <a:bodyPr wrap="square" rtlCol="0" anchor="t">
+            <a:spAutoFit/>
+          </a:bodyPr>
+          <a:lstStyle/>
+          <a:p>
+            <a:r>
+              <a:rPr lang="en-US" sz="4800" smtClean="0">
+                <a:solidFill>
+                  <a:schemeClr val="tx2">
+                    <a:lumMod val="75000"/>
+                  </a:schemeClr>
+                </a:solidFill>
+              </a:rPr>
+              <a:t>Link github</a:t>
+            </a:r>
+            <a:endParaRPr lang="en-US" sz="4800" dirty="0">
+              <a:solidFill>
+                <a:schemeClr val="tx2">
+                  <a:lumMod val="75000"/>
+                </a:schemeClr>
+              </a:solidFill>
+            </a:endParaRPr>
+          </a:p>
+          <a:p>
+            <a:endParaRPr lang="en-US" sz="2800" dirty="0"/>
+          </a:p>
+        </p:txBody>
+      </p:sp>
+      <p:sp>
+        <p:nvSpPr>
+          <p:cNvPr id="4" name="Rectangle 3"/>
+          <p:cNvSpPr/>
+          <p:nvPr/>
+        </p:nvSpPr>
+        <p:spPr>
+          <a:xfrm>
+            <a:off x="2928424" y="3893625"/>
+            <a:ext cx="6335151" cy="369332"/>
+          </a:xfrm>
+          <a:prstGeom prst="rect">
+            <a:avLst/>
+          </a:prstGeom>
+        </p:spPr>
+        <p:txBody>
+          <a:bodyPr wrap="square">
+            <a:spAutoFit/>
+          </a:bodyPr>
+          <a:lstStyle/>
+          <a:p>
+            <a:r>
+              <a:rPr lang="en-US">
+                <a:hlinkClick r:id="rId3"/>
+              </a:rPr>
+              <a:t>https://github.com/CaoTrungVinh/DataWareHouse.git</a:t>
+            </a:r>
+            <a:endParaRPr lang="en-US"/>
+          </a:p>
+        </p:txBody>
+      </p:sp>
+    </p:spTree>
+    <p:extLst>
+      <p:ext uri="{BB962C8B-B14F-4D97-AF65-F5344CB8AC3E}">
+        <p14:creationId xmlns:p14="http://schemas.microsoft.com/office/powerpoint/2010/main" val="2472989411"/>
+      </p:ext>
+    </p:extLst>
+  </p:cSld>
+  <p:clrMapOvr>
+    <a:masterClrMapping/>
+  </p:clrMapOvr>
+  <p:timing>
+    <p:tnLst>
+      <p:par>
+        <p:cTn id="1" dur="indefinite" restart="never" nodeType="tmRoot"/>
+      </p:par>
+    </p:tnLst>
+  </p:timing>
+</p:sld>
+</file>
+
+<file path=ppt/slides/slide8.xml><?xml version="1.0" encoding="utf-8"?>
+<p:sld xmlns:a="http://schemas.openxmlformats.org/drawingml/2006/main" xmlns:r="http://schemas.openxmlformats.org/officeDocument/2006/relationships" xmlns:p="http://schemas.openxmlformats.org/presentationml/2006/main">
+  <p:cSld>
+    <p:spTree>
+      <p:nvGrpSpPr>
+        <p:cNvPr id="1" name=""/>
+        <p:cNvGrpSpPr/>
+        <p:nvPr/>
+      </p:nvGrpSpPr>
+      <p:grpSpPr>
+        <a:xfrm>
+          <a:off x="0" y="0"/>
+          <a:ext cx="0" cy="0"/>
+          <a:chOff x="0" y="0"/>
+          <a:chExt cx="0" cy="0"/>
+        </a:xfrm>
+      </p:grpSpPr>
+      <p:pic>
+        <p:nvPicPr>
+          <p:cNvPr id="1026" name="Picture 2" descr="100+ hình nền thank for watching - hinhanhsieudep.net"/>
+          <p:cNvPicPr>
+            <a:picLocks noChangeAspect="1" noChangeArrowheads="1"/>
+          </p:cNvPicPr>
+          <p:nvPr/>
+        </p:nvPicPr>
+        <p:blipFill>
+          <a:blip r:embed="rId2">
+            <a:extLst>
+              <a:ext uri="{28A0092B-C50C-407E-A947-70E740481C1C}">
+                <a14:useLocalDpi xmlns:a14="http://schemas.microsoft.com/office/drawing/2010/main" val="0"/>
+              </a:ext>
+            </a:extLst>
+          </a:blip>
+          <a:srcRect/>
+          <a:stretch>
+            <a:fillRect/>
+          </a:stretch>
+        </p:blipFill>
+        <p:spPr bwMode="auto">
+          <a:xfrm>
+            <a:off x="0" y="0"/>
+            <a:ext cx="12192000" cy="6858000"/>
+          </a:xfrm>
+          <a:prstGeom prst="rect">
+            <a:avLst/>
+          </a:prstGeom>
+          <a:noFill/>
+          <a:extLst>
+            <a:ext uri="{909E8E84-426E-40DD-AFC4-6F175D3DCCD1}">
+              <a14:hiddenFill xmlns:a14="http://schemas.microsoft.com/office/drawing/2010/main">
+                <a:solidFill>
+                  <a:srgbClr val="FFFFFF"/>
+                </a:solidFill>
+              </a14:hiddenFill>
+            </a:ext>
+          </a:extLst>
+        </p:spPr>
+      </p:pic>
+    </p:spTree>
+    <p:extLst>
+      <p:ext uri="{BB962C8B-B14F-4D97-AF65-F5344CB8AC3E}">
+        <p14:creationId xmlns:p14="http://schemas.microsoft.com/office/powerpoint/2010/main" val="3165115602"/>
+      </p:ext>
+    </p:extLst>
+  </p:cSld>
+  <p:clrMapOvr>
+    <a:masterClrMapping/>
+  </p:clrMapOvr>
+  <p:timing>
+    <p:tnLst>
+      <p:par>
+        <p:cTn id="1" dur="indefinite" restart="never" nodeType="tmRoot"/>
+      </p:par>
+    </p:tnLst>
+  </p:timing>
 </p:sld>
 </file>
 

--- a/Datawarehouse.pptx
+++ b/Datawarehouse.pptx
@@ -5,15 +5,18 @@
     <p:sldMasterId id="2147483660" r:id="rId1"/>
   </p:sldMasterIdLst>
   <p:notesMasterIdLst>
-    <p:notesMasterId r:id="rId8"/>
+    <p:notesMasterId r:id="rId11"/>
   </p:notesMasterIdLst>
   <p:sldIdLst>
     <p:sldId id="258" r:id="rId2"/>
     <p:sldId id="259" r:id="rId3"/>
     <p:sldId id="260" r:id="rId4"/>
-    <p:sldId id="261" r:id="rId5"/>
-    <p:sldId id="262" r:id="rId6"/>
-    <p:sldId id="263" r:id="rId7"/>
+    <p:sldId id="266" r:id="rId5"/>
+    <p:sldId id="261" r:id="rId6"/>
+    <p:sldId id="262" r:id="rId7"/>
+    <p:sldId id="263" r:id="rId8"/>
+    <p:sldId id="265" r:id="rId9"/>
+    <p:sldId id="264" r:id="rId10"/>
   </p:sldIdLst>
   <p:sldSz cx="12192000" cy="6858000"/>
   <p:notesSz cx="6858000" cy="9144000"/>
@@ -120,6 +123,18 @@
 </p:presentation>
 </file>
 
+<file path=ppt/commentAuthors.xml><?xml version="1.0" encoding="utf-8"?>
+<p:cmAuthorLst xmlns:a="http://schemas.openxmlformats.org/drawingml/2006/main" xmlns:r="http://schemas.openxmlformats.org/officeDocument/2006/relationships" xmlns:p="http://schemas.openxmlformats.org/presentationml/2006/main">
+  <p:cmAuthor id="1" name="Cao Trung Vinh" initials="CTV" lastIdx="2" clrIdx="0">
+    <p:extLst>
+      <p:ext uri="{19B8F6BF-5375-455C-9EA6-DF929625EA0E}">
+        <p15:presenceInfo xmlns:p15="http://schemas.microsoft.com/office/powerpoint/2012/main" userId="Cao Trung Vinh" providerId="None"/>
+      </p:ext>
+    </p:extLst>
+  </p:cmAuthor>
+</p:cmAuthorLst>
+</file>
+
 <file path=ppt/notesMasters/notesMaster1.xml><?xml version="1.0" encoding="utf-8"?>
 <p:notesMaster xmlns:a="http://schemas.openxmlformats.org/drawingml/2006/main" xmlns:r="http://schemas.openxmlformats.org/officeDocument/2006/relationships" xmlns:p="http://schemas.openxmlformats.org/presentationml/2006/main">
   <p:cSld>
@@ -202,7 +217,7 @@
           <a:p>
             <a:fld id="{3EFD42F7-718C-4B98-AAEC-167E6DDD60A7}" type="datetimeFigureOut">
               <a:rPr lang="en-US" smtClean="0"/>
-              <a:t>8/8/2020</a:t>
+              <a:t>8/10/2020</a:t>
             </a:fld>
             <a:endParaRPr lang="en-US"/>
           </a:p>
@@ -516,6 +531,70 @@
         </p:txBody>
       </p:sp>
     </p:spTree>
+    <p:extLst>
+      <p:ext uri="{BB962C8B-B14F-4D97-AF65-F5344CB8AC3E}">
+        <p14:creationId xmlns:p14="http://schemas.microsoft.com/office/powerpoint/2010/main" val="853416746"/>
+      </p:ext>
+    </p:extLst>
+  </p:cSld>
+  <p:clrMapOvr>
+    <a:masterClrMapping/>
+  </p:clrMapOvr>
+</p:notes>
+</file>
+
+<file path=ppt/notesSlides/notesSlide2.xml><?xml version="1.0" encoding="utf-8"?>
+<p:notes xmlns:a="http://schemas.openxmlformats.org/drawingml/2006/main" xmlns:r="http://schemas.openxmlformats.org/officeDocument/2006/relationships" xmlns:p="http://schemas.openxmlformats.org/presentationml/2006/main">
+  <p:cSld>
+    <p:spTree>
+      <p:nvGrpSpPr>
+        <p:cNvPr id="1" name=""/>
+        <p:cNvGrpSpPr/>
+        <p:nvPr/>
+      </p:nvGrpSpPr>
+      <p:grpSpPr>
+        <a:xfrm>
+          <a:off x="0" y="0"/>
+          <a:ext cx="0" cy="0"/>
+          <a:chOff x="0" y="0"/>
+          <a:chExt cx="0" cy="0"/>
+        </a:xfrm>
+      </p:grpSpPr>
+      <p:sp>
+        <p:nvSpPr>
+          <p:cNvPr id="2" name="Slide Image Placeholder 1"/>
+          <p:cNvSpPr>
+            <a:spLocks noGrp="1" noRot="1" noChangeAspect="1"/>
+          </p:cNvSpPr>
+          <p:nvPr>
+            <p:ph type="sldImg" idx="2"/>
+          </p:nvPr>
+        </p:nvSpPr>
+        <p:spPr/>
+      </p:sp>
+      <p:sp>
+        <p:nvSpPr>
+          <p:cNvPr id="3" name="Text Placeholder 2"/>
+          <p:cNvSpPr>
+            <a:spLocks noGrp="1"/>
+          </p:cNvSpPr>
+          <p:nvPr>
+            <p:ph type="body" idx="3"/>
+          </p:nvPr>
+        </p:nvSpPr>
+        <p:spPr/>
+        <p:txBody>
+          <a:bodyPr/>
+          <a:lstStyle/>
+          <a:p>
+            <a:endParaRPr lang="en-US"/>
+          </a:p>
+          <a:p>
+            <a:endParaRPr lang="en-US"/>
+          </a:p>
+        </p:txBody>
+      </p:sp>
+    </p:spTree>
   </p:cSld>
   <p:clrMapOvr>
     <a:masterClrMapping/>
@@ -573,7 +652,7 @@
           <a:noFill/>
           <a:extLst>
             <a:ext uri="{909E8E84-426E-40dd-AFC4-6F175D3DCCD1}">
-              <a14:hiddenFill xmlns:a14="http://schemas.microsoft.com/office/drawing/2010/main" xmlns="">
+              <a14:hiddenFill xmlns="" xmlns:a14="http://schemas.microsoft.com/office/drawing/2010/main">
                 <a:solidFill>
                   <a:srgbClr val="FFFFFF"/>
                 </a:solidFill>
@@ -633,7 +712,7 @@
             </a:ln>
             <a:extLst>
               <a:ext uri="{91240B29-F687-4f45-9708-019B960494DF}">
-                <a14:hiddenLine xmlns:a14="http://schemas.microsoft.com/office/drawing/2010/main" xmlns="" w="9525">
+                <a14:hiddenLine xmlns="" xmlns:a14="http://schemas.microsoft.com/office/drawing/2010/main" w="9525">
                   <a:solidFill>
                     <a:srgbClr val="000000"/>
                   </a:solidFill>
@@ -723,7 +802,7 @@
             </a:ln>
             <a:extLst>
               <a:ext uri="{91240B29-F687-4f45-9708-019B960494DF}">
-                <a14:hiddenLine xmlns:a14="http://schemas.microsoft.com/office/drawing/2010/main" xmlns="" w="9525">
+                <a14:hiddenLine xmlns="" xmlns:a14="http://schemas.microsoft.com/office/drawing/2010/main" w="9525">
                   <a:solidFill>
                     <a:srgbClr val="000000"/>
                   </a:solidFill>
@@ -813,7 +892,7 @@
             </a:ln>
             <a:extLst>
               <a:ext uri="{91240B29-F687-4f45-9708-019B960494DF}">
-                <a14:hiddenLine xmlns:a14="http://schemas.microsoft.com/office/drawing/2010/main" xmlns="" w="9525">
+                <a14:hiddenLine xmlns="" xmlns:a14="http://schemas.microsoft.com/office/drawing/2010/main" w="9525">
                   <a:solidFill>
                     <a:srgbClr val="000000"/>
                   </a:solidFill>
@@ -847,7 +926,7 @@
             </a:ln>
             <a:extLst>
               <a:ext uri="{91240B29-F687-4f45-9708-019B960494DF}">
-                <a14:hiddenLine xmlns:a14="http://schemas.microsoft.com/office/drawing/2010/main" xmlns="" w="9525">
+                <a14:hiddenLine xmlns="" xmlns:a14="http://schemas.microsoft.com/office/drawing/2010/main" w="9525">
                   <a:solidFill>
                     <a:srgbClr val="000000"/>
                   </a:solidFill>
@@ -937,7 +1016,7 @@
             </a:ln>
             <a:extLst>
               <a:ext uri="{91240B29-F687-4f45-9708-019B960494DF}">
-                <a14:hiddenLine xmlns:a14="http://schemas.microsoft.com/office/drawing/2010/main" xmlns="" w="9525">
+                <a14:hiddenLine xmlns="" xmlns:a14="http://schemas.microsoft.com/office/drawing/2010/main" w="9525">
                   <a:solidFill>
                     <a:srgbClr val="000000"/>
                   </a:solidFill>
@@ -999,7 +1078,7 @@
             </a:ln>
             <a:extLst>
               <a:ext uri="{91240B29-F687-4f45-9708-019B960494DF}">
-                <a14:hiddenLine xmlns:a14="http://schemas.microsoft.com/office/drawing/2010/main" xmlns="" w="9525">
+                <a14:hiddenLine xmlns="" xmlns:a14="http://schemas.microsoft.com/office/drawing/2010/main" w="9525">
                   <a:solidFill>
                     <a:srgbClr val="000000"/>
                   </a:solidFill>
@@ -1061,7 +1140,7 @@
             </a:ln>
             <a:extLst>
               <a:ext uri="{91240B29-F687-4f45-9708-019B960494DF}">
-                <a14:hiddenLine xmlns:a14="http://schemas.microsoft.com/office/drawing/2010/main" xmlns="" w="9525">
+                <a14:hiddenLine xmlns="" xmlns:a14="http://schemas.microsoft.com/office/drawing/2010/main" w="9525">
                   <a:solidFill>
                     <a:srgbClr val="000000"/>
                   </a:solidFill>
@@ -1151,7 +1230,7 @@
             </a:ln>
             <a:extLst>
               <a:ext uri="{91240B29-F687-4f45-9708-019B960494DF}">
-                <a14:hiddenLine xmlns:a14="http://schemas.microsoft.com/office/drawing/2010/main" xmlns="" w="9525">
+                <a14:hiddenLine xmlns="" xmlns:a14="http://schemas.microsoft.com/office/drawing/2010/main" w="9525">
                   <a:solidFill>
                     <a:srgbClr val="000000"/>
                   </a:solidFill>
@@ -1213,7 +1292,7 @@
             </a:ln>
             <a:extLst>
               <a:ext uri="{91240B29-F687-4f45-9708-019B960494DF}">
-                <a14:hiddenLine xmlns:a14="http://schemas.microsoft.com/office/drawing/2010/main" xmlns="" w="9525">
+                <a14:hiddenLine xmlns="" xmlns:a14="http://schemas.microsoft.com/office/drawing/2010/main" w="9525">
                   <a:solidFill>
                     <a:srgbClr val="000000"/>
                   </a:solidFill>
@@ -1275,7 +1354,7 @@
             </a:ln>
             <a:extLst>
               <a:ext uri="{91240B29-F687-4f45-9708-019B960494DF}">
-                <a14:hiddenLine xmlns:a14="http://schemas.microsoft.com/office/drawing/2010/main" xmlns="" w="9525">
+                <a14:hiddenLine xmlns="" xmlns:a14="http://schemas.microsoft.com/office/drawing/2010/main" w="9525">
                   <a:solidFill>
                     <a:srgbClr val="000000"/>
                   </a:solidFill>
@@ -1365,7 +1444,7 @@
             </a:ln>
             <a:extLst>
               <a:ext uri="{91240B29-F687-4f45-9708-019B960494DF}">
-                <a14:hiddenLine xmlns:a14="http://schemas.microsoft.com/office/drawing/2010/main" xmlns="" w="9525">
+                <a14:hiddenLine xmlns="" xmlns:a14="http://schemas.microsoft.com/office/drawing/2010/main" w="9525">
                   <a:solidFill>
                     <a:srgbClr val="000000"/>
                   </a:solidFill>
@@ -1455,7 +1534,7 @@
             </a:ln>
             <a:extLst>
               <a:ext uri="{91240B29-F687-4f45-9708-019B960494DF}">
-                <a14:hiddenLine xmlns:a14="http://schemas.microsoft.com/office/drawing/2010/main" xmlns="" w="9525">
+                <a14:hiddenLine xmlns="" xmlns:a14="http://schemas.microsoft.com/office/drawing/2010/main" w="9525">
                   <a:solidFill>
                     <a:srgbClr val="000000"/>
                   </a:solidFill>
@@ -1517,7 +1596,7 @@
             </a:ln>
             <a:extLst>
               <a:ext uri="{91240B29-F687-4f45-9708-019B960494DF}">
-                <a14:hiddenLine xmlns:a14="http://schemas.microsoft.com/office/drawing/2010/main" xmlns="" w="9525">
+                <a14:hiddenLine xmlns="" xmlns:a14="http://schemas.microsoft.com/office/drawing/2010/main" w="9525">
                   <a:solidFill>
                     <a:srgbClr val="000000"/>
                   </a:solidFill>
@@ -1627,7 +1706,7 @@
             </a:ln>
             <a:extLst>
               <a:ext uri="{91240B29-F687-4f45-9708-019B960494DF}">
-                <a14:hiddenLine xmlns:a14="http://schemas.microsoft.com/office/drawing/2010/main" xmlns="" w="9525">
+                <a14:hiddenLine xmlns="" xmlns:a14="http://schemas.microsoft.com/office/drawing/2010/main" w="9525">
                   <a:solidFill>
                     <a:srgbClr val="000000"/>
                   </a:solidFill>
@@ -1689,7 +1768,7 @@
             </a:ln>
             <a:extLst>
               <a:ext uri="{91240B29-F687-4f45-9708-019B960494DF}">
-                <a14:hiddenLine xmlns:a14="http://schemas.microsoft.com/office/drawing/2010/main" xmlns="" w="9525">
+                <a14:hiddenLine xmlns="" xmlns:a14="http://schemas.microsoft.com/office/drawing/2010/main" w="9525">
                   <a:solidFill>
                     <a:srgbClr val="000000"/>
                   </a:solidFill>
@@ -1779,7 +1858,7 @@
             </a:ln>
             <a:extLst>
               <a:ext uri="{91240B29-F687-4f45-9708-019B960494DF}">
-                <a14:hiddenLine xmlns:a14="http://schemas.microsoft.com/office/drawing/2010/main" xmlns="" w="9525">
+                <a14:hiddenLine xmlns="" xmlns:a14="http://schemas.microsoft.com/office/drawing/2010/main" w="9525">
                   <a:solidFill>
                     <a:srgbClr val="000000"/>
                   </a:solidFill>
@@ -1869,7 +1948,7 @@
             </a:ln>
             <a:extLst>
               <a:ext uri="{91240B29-F687-4f45-9708-019B960494DF}">
-                <a14:hiddenLine xmlns:a14="http://schemas.microsoft.com/office/drawing/2010/main" xmlns="" w="9525">
+                <a14:hiddenLine xmlns="" xmlns:a14="http://schemas.microsoft.com/office/drawing/2010/main" w="9525">
                   <a:solidFill>
                     <a:srgbClr val="000000"/>
                   </a:solidFill>
@@ -1931,7 +2010,7 @@
             </a:ln>
             <a:extLst>
               <a:ext uri="{91240B29-F687-4f45-9708-019B960494DF}">
-                <a14:hiddenLine xmlns:a14="http://schemas.microsoft.com/office/drawing/2010/main" xmlns="" w="9525">
+                <a14:hiddenLine xmlns="" xmlns:a14="http://schemas.microsoft.com/office/drawing/2010/main" w="9525">
                   <a:solidFill>
                     <a:srgbClr val="000000"/>
                   </a:solidFill>
@@ -2021,7 +2100,7 @@
             </a:ln>
             <a:extLst>
               <a:ext uri="{91240B29-F687-4f45-9708-019B960494DF}">
-                <a14:hiddenLine xmlns:a14="http://schemas.microsoft.com/office/drawing/2010/main" xmlns="" w="9525">
+                <a14:hiddenLine xmlns="" xmlns:a14="http://schemas.microsoft.com/office/drawing/2010/main" w="9525">
                   <a:solidFill>
                     <a:srgbClr val="000000"/>
                   </a:solidFill>
@@ -2111,7 +2190,7 @@
             </a:ln>
             <a:extLst>
               <a:ext uri="{91240B29-F687-4f45-9708-019B960494DF}">
-                <a14:hiddenLine xmlns:a14="http://schemas.microsoft.com/office/drawing/2010/main" xmlns="" w="9525">
+                <a14:hiddenLine xmlns="" xmlns:a14="http://schemas.microsoft.com/office/drawing/2010/main" w="9525">
                   <a:solidFill>
                     <a:srgbClr val="000000"/>
                   </a:solidFill>
@@ -2167,7 +2246,7 @@
             </a:ln>
             <a:extLst>
               <a:ext uri="{91240B29-F687-4f45-9708-019B960494DF}">
-                <a14:hiddenLine xmlns:a14="http://schemas.microsoft.com/office/drawing/2010/main" xmlns="" w="9525">
+                <a14:hiddenLine xmlns="" xmlns:a14="http://schemas.microsoft.com/office/drawing/2010/main" w="9525">
                   <a:solidFill>
                     <a:srgbClr val="000000"/>
                   </a:solidFill>
@@ -2257,7 +2336,7 @@
             </a:ln>
             <a:extLst>
               <a:ext uri="{91240B29-F687-4f45-9708-019B960494DF}">
-                <a14:hiddenLine xmlns:a14="http://schemas.microsoft.com/office/drawing/2010/main" xmlns="" w="9525">
+                <a14:hiddenLine xmlns="" xmlns:a14="http://schemas.microsoft.com/office/drawing/2010/main" w="9525">
                   <a:solidFill>
                     <a:srgbClr val="000000"/>
                   </a:solidFill>
@@ -2313,7 +2392,7 @@
             </a:ln>
             <a:extLst>
               <a:ext uri="{91240B29-F687-4f45-9708-019B960494DF}">
-                <a14:hiddenLine xmlns:a14="http://schemas.microsoft.com/office/drawing/2010/main" xmlns="" w="9525">
+                <a14:hiddenLine xmlns="" xmlns:a14="http://schemas.microsoft.com/office/drawing/2010/main" w="9525">
                   <a:solidFill>
                     <a:srgbClr val="000000"/>
                   </a:solidFill>
@@ -2403,7 +2482,7 @@
             </a:ln>
             <a:extLst>
               <a:ext uri="{91240B29-F687-4f45-9708-019B960494DF}">
-                <a14:hiddenLine xmlns:a14="http://schemas.microsoft.com/office/drawing/2010/main" xmlns="" w="9525">
+                <a14:hiddenLine xmlns="" xmlns:a14="http://schemas.microsoft.com/office/drawing/2010/main" w="9525">
                   <a:solidFill>
                     <a:srgbClr val="000000"/>
                   </a:solidFill>
@@ -2471,7 +2550,7 @@
             </a:ln>
             <a:extLst>
               <a:ext uri="{91240B29-F687-4f45-9708-019B960494DF}">
-                <a14:hiddenLine xmlns:a14="http://schemas.microsoft.com/office/drawing/2010/main" xmlns="" w="9525">
+                <a14:hiddenLine xmlns="" xmlns:a14="http://schemas.microsoft.com/office/drawing/2010/main" w="9525">
                   <a:solidFill>
                     <a:srgbClr val="000000"/>
                   </a:solidFill>
@@ -2561,7 +2640,7 @@
             </a:ln>
             <a:extLst>
               <a:ext uri="{91240B29-F687-4f45-9708-019B960494DF}">
-                <a14:hiddenLine xmlns:a14="http://schemas.microsoft.com/office/drawing/2010/main" xmlns="" w="9525">
+                <a14:hiddenLine xmlns="" xmlns:a14="http://schemas.microsoft.com/office/drawing/2010/main" w="9525">
                   <a:solidFill>
                     <a:srgbClr val="000000"/>
                   </a:solidFill>
@@ -2629,7 +2708,7 @@
             </a:ln>
             <a:extLst>
               <a:ext uri="{91240B29-F687-4f45-9708-019B960494DF}">
-                <a14:hiddenLine xmlns:a14="http://schemas.microsoft.com/office/drawing/2010/main" xmlns="" w="9525">
+                <a14:hiddenLine xmlns="" xmlns:a14="http://schemas.microsoft.com/office/drawing/2010/main" w="9525">
                   <a:solidFill>
                     <a:srgbClr val="000000"/>
                   </a:solidFill>
@@ -2719,7 +2798,7 @@
             </a:ln>
             <a:extLst>
               <a:ext uri="{91240B29-F687-4f45-9708-019B960494DF}">
-                <a14:hiddenLine xmlns:a14="http://schemas.microsoft.com/office/drawing/2010/main" xmlns="" w="9525">
+                <a14:hiddenLine xmlns="" xmlns:a14="http://schemas.microsoft.com/office/drawing/2010/main" w="9525">
                   <a:solidFill>
                     <a:srgbClr val="000000"/>
                   </a:solidFill>
@@ -2753,7 +2832,7 @@
             </a:ln>
             <a:extLst>
               <a:ext uri="{91240B29-F687-4f45-9708-019B960494DF}">
-                <a14:hiddenLine xmlns:a14="http://schemas.microsoft.com/office/drawing/2010/main" xmlns="" w="9525">
+                <a14:hiddenLine xmlns="" xmlns:a14="http://schemas.microsoft.com/office/drawing/2010/main" w="9525">
                   <a:solidFill>
                     <a:srgbClr val="000000"/>
                   </a:solidFill>
@@ -2843,7 +2922,7 @@
             </a:ln>
             <a:extLst>
               <a:ext uri="{91240B29-F687-4f45-9708-019B960494DF}">
-                <a14:hiddenLine xmlns:a14="http://schemas.microsoft.com/office/drawing/2010/main" xmlns="" w="9525">
+                <a14:hiddenLine xmlns="" xmlns:a14="http://schemas.microsoft.com/office/drawing/2010/main" w="9525">
                   <a:solidFill>
                     <a:srgbClr val="000000"/>
                   </a:solidFill>
@@ -2905,7 +2984,7 @@
             </a:ln>
             <a:extLst>
               <a:ext uri="{91240B29-F687-4f45-9708-019B960494DF}">
-                <a14:hiddenLine xmlns:a14="http://schemas.microsoft.com/office/drawing/2010/main" xmlns="" w="9525">
+                <a14:hiddenLine xmlns="" xmlns:a14="http://schemas.microsoft.com/office/drawing/2010/main" w="9525">
                   <a:solidFill>
                     <a:srgbClr val="000000"/>
                   </a:solidFill>
@@ -2967,7 +3046,7 @@
             </a:ln>
             <a:extLst>
               <a:ext uri="{91240B29-F687-4f45-9708-019B960494DF}">
-                <a14:hiddenLine xmlns:a14="http://schemas.microsoft.com/office/drawing/2010/main" xmlns="" w="9525">
+                <a14:hiddenLine xmlns="" xmlns:a14="http://schemas.microsoft.com/office/drawing/2010/main" w="9525">
                   <a:solidFill>
                     <a:srgbClr val="000000"/>
                   </a:solidFill>
@@ -3057,7 +3136,7 @@
             </a:ln>
             <a:extLst>
               <a:ext uri="{91240B29-F687-4f45-9708-019B960494DF}">
-                <a14:hiddenLine xmlns:a14="http://schemas.microsoft.com/office/drawing/2010/main" xmlns="" w="9525">
+                <a14:hiddenLine xmlns="" xmlns:a14="http://schemas.microsoft.com/office/drawing/2010/main" w="9525">
                   <a:solidFill>
                     <a:srgbClr val="000000"/>
                   </a:solidFill>
@@ -3125,7 +3204,7 @@
             </a:ln>
             <a:extLst>
               <a:ext uri="{91240B29-F687-4f45-9708-019B960494DF}">
-                <a14:hiddenLine xmlns:a14="http://schemas.microsoft.com/office/drawing/2010/main" xmlns="" w="9525">
+                <a14:hiddenLine xmlns="" xmlns:a14="http://schemas.microsoft.com/office/drawing/2010/main" w="9525">
                   <a:solidFill>
                     <a:srgbClr val="000000"/>
                   </a:solidFill>
@@ -3187,7 +3266,7 @@
             </a:ln>
             <a:extLst>
               <a:ext uri="{91240B29-F687-4f45-9708-019B960494DF}">
-                <a14:hiddenLine xmlns:a14="http://schemas.microsoft.com/office/drawing/2010/main" xmlns="" w="9525">
+                <a14:hiddenLine xmlns="" xmlns:a14="http://schemas.microsoft.com/office/drawing/2010/main" w="9525">
                   <a:solidFill>
                     <a:srgbClr val="000000"/>
                   </a:solidFill>
@@ -3277,7 +3356,7 @@
             </a:ln>
             <a:extLst>
               <a:ext uri="{91240B29-F687-4f45-9708-019B960494DF}">
-                <a14:hiddenLine xmlns:a14="http://schemas.microsoft.com/office/drawing/2010/main" xmlns="" w="9525">
+                <a14:hiddenLine xmlns="" xmlns:a14="http://schemas.microsoft.com/office/drawing/2010/main" w="9525">
                   <a:solidFill>
                     <a:srgbClr val="000000"/>
                   </a:solidFill>
@@ -3339,7 +3418,7 @@
             </a:ln>
             <a:extLst>
               <a:ext uri="{91240B29-F687-4f45-9708-019B960494DF}">
-                <a14:hiddenLine xmlns:a14="http://schemas.microsoft.com/office/drawing/2010/main" xmlns="" w="9525">
+                <a14:hiddenLine xmlns="" xmlns:a14="http://schemas.microsoft.com/office/drawing/2010/main" w="9525">
                   <a:solidFill>
                     <a:srgbClr val="000000"/>
                   </a:solidFill>
@@ -3429,7 +3508,7 @@
             </a:ln>
             <a:extLst>
               <a:ext uri="{91240B29-F687-4f45-9708-019B960494DF}">
-                <a14:hiddenLine xmlns:a14="http://schemas.microsoft.com/office/drawing/2010/main" xmlns="" w="9525">
+                <a14:hiddenLine xmlns="" xmlns:a14="http://schemas.microsoft.com/office/drawing/2010/main" w="9525">
                   <a:solidFill>
                     <a:srgbClr val="000000"/>
                   </a:solidFill>
@@ -3491,7 +3570,7 @@
             </a:ln>
             <a:extLst>
               <a:ext uri="{91240B29-F687-4f45-9708-019B960494DF}">
-                <a14:hiddenLine xmlns:a14="http://schemas.microsoft.com/office/drawing/2010/main" xmlns="" w="9525">
+                <a14:hiddenLine xmlns="" xmlns:a14="http://schemas.microsoft.com/office/drawing/2010/main" w="9525">
                   <a:solidFill>
                     <a:srgbClr val="000000"/>
                   </a:solidFill>
@@ -3581,7 +3660,7 @@
             </a:ln>
             <a:extLst>
               <a:ext uri="{91240B29-F687-4f45-9708-019B960494DF}">
-                <a14:hiddenLine xmlns:a14="http://schemas.microsoft.com/office/drawing/2010/main" xmlns="" w="9525">
+                <a14:hiddenLine xmlns="" xmlns:a14="http://schemas.microsoft.com/office/drawing/2010/main" w="9525">
                   <a:solidFill>
                     <a:srgbClr val="000000"/>
                   </a:solidFill>
@@ -3615,7 +3694,7 @@
             </a:ln>
             <a:extLst>
               <a:ext uri="{91240B29-F687-4f45-9708-019B960494DF}">
-                <a14:hiddenLine xmlns:a14="http://schemas.microsoft.com/office/drawing/2010/main" xmlns="" w="9525">
+                <a14:hiddenLine xmlns="" xmlns:a14="http://schemas.microsoft.com/office/drawing/2010/main" w="9525">
                   <a:solidFill>
                     <a:srgbClr val="000000"/>
                   </a:solidFill>
@@ -3680,7 +3759,7 @@
             </a:ln>
             <a:extLst>
               <a:ext uri="{91240B29-F687-4f45-9708-019B960494DF}">
-                <a14:hiddenLine xmlns:a14="http://schemas.microsoft.com/office/drawing/2010/main" xmlns="" w="9525">
+                <a14:hiddenLine xmlns="" xmlns:a14="http://schemas.microsoft.com/office/drawing/2010/main" w="9525">
                   <a:solidFill>
                     <a:srgbClr val="000000"/>
                   </a:solidFill>
@@ -3770,7 +3849,7 @@
             </a:ln>
             <a:extLst>
               <a:ext uri="{91240B29-F687-4f45-9708-019B960494DF}">
-                <a14:hiddenLine xmlns:a14="http://schemas.microsoft.com/office/drawing/2010/main" xmlns="" w="9525">
+                <a14:hiddenLine xmlns="" xmlns:a14="http://schemas.microsoft.com/office/drawing/2010/main" w="9525">
                   <a:solidFill>
                     <a:srgbClr val="000000"/>
                   </a:solidFill>
@@ -3832,7 +3911,7 @@
             </a:ln>
             <a:extLst>
               <a:ext uri="{91240B29-F687-4f45-9708-019B960494DF}">
-                <a14:hiddenLine xmlns:a14="http://schemas.microsoft.com/office/drawing/2010/main" xmlns="" w="9525">
+                <a14:hiddenLine xmlns="" xmlns:a14="http://schemas.microsoft.com/office/drawing/2010/main" w="9525">
                   <a:solidFill>
                     <a:srgbClr val="000000"/>
                   </a:solidFill>
@@ -3922,7 +4001,7 @@
             </a:ln>
             <a:extLst>
               <a:ext uri="{91240B29-F687-4f45-9708-019B960494DF}">
-                <a14:hiddenLine xmlns:a14="http://schemas.microsoft.com/office/drawing/2010/main" xmlns="" w="9525">
+                <a14:hiddenLine xmlns="" xmlns:a14="http://schemas.microsoft.com/office/drawing/2010/main" w="9525">
                   <a:solidFill>
                     <a:srgbClr val="000000"/>
                   </a:solidFill>
@@ -4012,7 +4091,7 @@
             </a:ln>
             <a:extLst>
               <a:ext uri="{91240B29-F687-4f45-9708-019B960494DF}">
-                <a14:hiddenLine xmlns:a14="http://schemas.microsoft.com/office/drawing/2010/main" xmlns="" w="9525">
+                <a14:hiddenLine xmlns="" xmlns:a14="http://schemas.microsoft.com/office/drawing/2010/main" w="9525">
                   <a:solidFill>
                     <a:srgbClr val="000000"/>
                   </a:solidFill>
@@ -4077,7 +4156,7 @@
             </a:ln>
             <a:extLst>
               <a:ext uri="{91240B29-F687-4f45-9708-019B960494DF}">
-                <a14:hiddenLine xmlns:a14="http://schemas.microsoft.com/office/drawing/2010/main" xmlns="" w="9525">
+                <a14:hiddenLine xmlns="" xmlns:a14="http://schemas.microsoft.com/office/drawing/2010/main" w="9525">
                   <a:solidFill>
                     <a:srgbClr val="000000"/>
                   </a:solidFill>
@@ -4139,7 +4218,7 @@
             </a:ln>
             <a:extLst>
               <a:ext uri="{91240B29-F687-4f45-9708-019B960494DF}">
-                <a14:hiddenLine xmlns:a14="http://schemas.microsoft.com/office/drawing/2010/main" xmlns="" w="9525">
+                <a14:hiddenLine xmlns="" xmlns:a14="http://schemas.microsoft.com/office/drawing/2010/main" w="9525">
                   <a:solidFill>
                     <a:srgbClr val="000000"/>
                   </a:solidFill>
@@ -4229,7 +4308,7 @@
             </a:ln>
             <a:extLst>
               <a:ext uri="{91240B29-F687-4f45-9708-019B960494DF}">
-                <a14:hiddenLine xmlns:a14="http://schemas.microsoft.com/office/drawing/2010/main" xmlns="" w="9525">
+                <a14:hiddenLine xmlns="" xmlns:a14="http://schemas.microsoft.com/office/drawing/2010/main" w="9525">
                   <a:solidFill>
                     <a:srgbClr val="000000"/>
                   </a:solidFill>
@@ -4319,7 +4398,7 @@
             </a:ln>
             <a:extLst>
               <a:ext uri="{91240B29-F687-4f45-9708-019B960494DF}">
-                <a14:hiddenLine xmlns:a14="http://schemas.microsoft.com/office/drawing/2010/main" xmlns="" w="9525">
+                <a14:hiddenLine xmlns="" xmlns:a14="http://schemas.microsoft.com/office/drawing/2010/main" w="9525">
                   <a:solidFill>
                     <a:srgbClr val="000000"/>
                   </a:solidFill>
@@ -4381,7 +4460,7 @@
             </a:ln>
             <a:extLst>
               <a:ext uri="{91240B29-F687-4f45-9708-019B960494DF}">
-                <a14:hiddenLine xmlns:a14="http://schemas.microsoft.com/office/drawing/2010/main" xmlns="" w="9525">
+                <a14:hiddenLine xmlns="" xmlns:a14="http://schemas.microsoft.com/office/drawing/2010/main" w="9525">
                   <a:solidFill>
                     <a:srgbClr val="000000"/>
                   </a:solidFill>
@@ -4501,7 +4580,7 @@
             </a:ln>
             <a:extLst>
               <a:ext uri="{91240B29-F687-4f45-9708-019B960494DF}">
-                <a14:hiddenLine xmlns:a14="http://schemas.microsoft.com/office/drawing/2010/main" xmlns="" w="9525">
+                <a14:hiddenLine xmlns="" xmlns:a14="http://schemas.microsoft.com/office/drawing/2010/main" w="9525">
                   <a:solidFill>
                     <a:srgbClr val="000000"/>
                   </a:solidFill>
@@ -4569,7 +4648,7 @@
             </a:ln>
             <a:extLst>
               <a:ext uri="{91240B29-F687-4f45-9708-019B960494DF}">
-                <a14:hiddenLine xmlns:a14="http://schemas.microsoft.com/office/drawing/2010/main" xmlns="" w="9525">
+                <a14:hiddenLine xmlns="" xmlns:a14="http://schemas.microsoft.com/office/drawing/2010/main" w="9525">
                   <a:solidFill>
                     <a:srgbClr val="000000"/>
                   </a:solidFill>
@@ -4659,7 +4738,7 @@
             </a:ln>
             <a:extLst>
               <a:ext uri="{91240B29-F687-4f45-9708-019B960494DF}">
-                <a14:hiddenLine xmlns:a14="http://schemas.microsoft.com/office/drawing/2010/main" xmlns="" w="9525">
+                <a14:hiddenLine xmlns="" xmlns:a14="http://schemas.microsoft.com/office/drawing/2010/main" w="9525">
                   <a:solidFill>
                     <a:srgbClr val="000000"/>
                   </a:solidFill>
@@ -4699,7 +4778,7 @@
           </a:lstStyle>
           <a:p>
             <a:r>
-              <a:rPr lang="en-US" smtClean="0"/>
+              <a:rPr lang="en-US"/>
               <a:t>Click to edit Master title style</a:t>
             </a:r>
             <a:endParaRPr lang="en-US" dirty="0"/>
@@ -4770,7 +4849,7 @@
           </a:lstStyle>
           <a:p>
             <a:r>
-              <a:rPr lang="en-US" smtClean="0"/>
+              <a:rPr lang="en-US"/>
               <a:t>Click to edit Master subtitle style</a:t>
             </a:r>
             <a:endParaRPr lang="en-US" dirty="0"/>
@@ -4799,7 +4878,7 @@
           <a:p>
             <a:fld id="{AA6B33E2-E582-49CA-B802-EA2BFF3F3A0C}" type="datetimeFigureOut">
               <a:rPr lang="en-US" smtClean="0"/>
-              <a:t>8/8/2020</a:t>
+              <a:t>8/10/2020</a:t>
             </a:fld>
             <a:endParaRPr lang="en-US"/>
           </a:p>
@@ -4914,7 +4993,7 @@
           </a:lstStyle>
           <a:p>
             <a:r>
-              <a:rPr lang="en-US" smtClean="0"/>
+              <a:rPr lang="en-US"/>
               <a:t>Click to edit Master title style</a:t>
             </a:r>
             <a:endParaRPr lang="en-US" dirty="0"/>
@@ -4975,7 +5054,7 @@
               <a:buNone/>
             </a:pPr>
             <a:r>
-              <a:rPr lang="en-US" smtClean="0"/>
+              <a:rPr lang="en-US"/>
               <a:t>Click icon to add picture</a:t>
             </a:r>
             <a:endParaRPr lang="en-US" dirty="0"/>
@@ -5043,7 +5122,7 @@
           <a:p>
             <a:pPr lvl="0"/>
             <a:r>
-              <a:rPr lang="en-US" smtClean="0"/>
+              <a:rPr lang="en-US"/>
               <a:t>Edit Master text styles</a:t>
             </a:r>
           </a:p>
@@ -5066,7 +5145,7 @@
           <a:p>
             <a:fld id="{AA6B33E2-E582-49CA-B802-EA2BFF3F3A0C}" type="datetimeFigureOut">
               <a:rPr lang="en-US" smtClean="0"/>
-              <a:t>8/8/2020</a:t>
+              <a:t>8/10/2020</a:t>
             </a:fld>
             <a:endParaRPr lang="en-US"/>
           </a:p>
@@ -5171,7 +5250,7 @@
           </a:lstStyle>
           <a:p>
             <a:r>
-              <a:rPr lang="en-US" smtClean="0"/>
+              <a:rPr lang="en-US"/>
               <a:t>Click to edit Master title style</a:t>
             </a:r>
             <a:endParaRPr lang="en-US" dirty="0"/>
@@ -5239,7 +5318,7 @@
           <a:p>
             <a:pPr lvl="0"/>
             <a:r>
-              <a:rPr lang="en-US" smtClean="0"/>
+              <a:rPr lang="en-US"/>
               <a:t>Edit Master text styles</a:t>
             </a:r>
           </a:p>
@@ -5262,7 +5341,7 @@
           <a:p>
             <a:fld id="{AA6B33E2-E582-49CA-B802-EA2BFF3F3A0C}" type="datetimeFigureOut">
               <a:rPr lang="en-US" smtClean="0"/>
-              <a:t>8/8/2020</a:t>
+              <a:t>8/10/2020</a:t>
             </a:fld>
             <a:endParaRPr lang="en-US"/>
           </a:p>
@@ -5367,7 +5446,7 @@
           </a:lstStyle>
           <a:p>
             <a:r>
-              <a:rPr lang="en-US" smtClean="0"/>
+              <a:rPr lang="en-US"/>
               <a:t>Click to edit Master title style</a:t>
             </a:r>
             <a:endParaRPr lang="en-US" dirty="0"/>
@@ -5435,7 +5514,7 @@
           <a:p>
             <a:pPr lvl="0"/>
             <a:r>
-              <a:rPr lang="en-US" smtClean="0"/>
+              <a:rPr lang="en-US"/>
               <a:t>Edit Master text styles</a:t>
             </a:r>
           </a:p>
@@ -5502,7 +5581,7 @@
           <a:p>
             <a:pPr lvl="0"/>
             <a:r>
-              <a:rPr lang="en-US" smtClean="0"/>
+              <a:rPr lang="en-US"/>
               <a:t>Edit Master text styles</a:t>
             </a:r>
           </a:p>
@@ -5525,7 +5604,7 @@
           <a:p>
             <a:fld id="{AA6B33E2-E582-49CA-B802-EA2BFF3F3A0C}" type="datetimeFigureOut">
               <a:rPr lang="en-US" smtClean="0"/>
-              <a:t>8/8/2020</a:t>
+              <a:t>8/10/2020</a:t>
             </a:fld>
             <a:endParaRPr lang="en-US"/>
           </a:p>
@@ -5868,7 +5947,7 @@
           </a:lstStyle>
           <a:p>
             <a:r>
-              <a:rPr lang="en-US" smtClean="0"/>
+              <a:rPr lang="en-US"/>
               <a:t>Click to edit Master title style</a:t>
             </a:r>
             <a:endParaRPr lang="en-US" dirty="0"/>
@@ -5936,7 +6015,7 @@
           <a:p>
             <a:pPr lvl="0"/>
             <a:r>
-              <a:rPr lang="en-US" smtClean="0"/>
+              <a:rPr lang="en-US"/>
               <a:t>Edit Master text styles</a:t>
             </a:r>
           </a:p>
@@ -5959,7 +6038,7 @@
           <a:p>
             <a:fld id="{AA6B33E2-E582-49CA-B802-EA2BFF3F3A0C}" type="datetimeFigureOut">
               <a:rPr lang="en-US" smtClean="0"/>
-              <a:t>8/8/2020</a:t>
+              <a:t>8/10/2020</a:t>
             </a:fld>
             <a:endParaRPr lang="en-US"/>
           </a:p>
@@ -6058,7 +6137,7 @@
           <a:lstStyle/>
           <a:p>
             <a:r>
-              <a:rPr lang="en-US" smtClean="0"/>
+              <a:rPr lang="en-US"/>
               <a:t>Click to edit Master title style</a:t>
             </a:r>
             <a:endParaRPr lang="en-US" dirty="0"/>
@@ -6133,7 +6212,7 @@
           <a:p>
             <a:pPr lvl="0"/>
             <a:r>
-              <a:rPr lang="en-US" smtClean="0"/>
+              <a:rPr lang="en-US"/>
               <a:t>Edit Master text styles</a:t>
             </a:r>
           </a:p>
@@ -6200,7 +6279,7 @@
           <a:p>
             <a:pPr lvl="0"/>
             <a:r>
-              <a:rPr lang="en-US" smtClean="0"/>
+              <a:rPr lang="en-US"/>
               <a:t>Edit Master text styles</a:t>
             </a:r>
           </a:p>
@@ -6274,7 +6353,7 @@
           <a:p>
             <a:pPr lvl="0"/>
             <a:r>
-              <a:rPr lang="en-US" smtClean="0"/>
+              <a:rPr lang="en-US"/>
               <a:t>Edit Master text styles</a:t>
             </a:r>
           </a:p>
@@ -6341,7 +6420,7 @@
           <a:p>
             <a:pPr lvl="0"/>
             <a:r>
-              <a:rPr lang="en-US" smtClean="0"/>
+              <a:rPr lang="en-US"/>
               <a:t>Edit Master text styles</a:t>
             </a:r>
           </a:p>
@@ -6415,7 +6494,7 @@
           <a:p>
             <a:pPr lvl="0"/>
             <a:r>
-              <a:rPr lang="en-US" smtClean="0"/>
+              <a:rPr lang="en-US"/>
               <a:t>Edit Master text styles</a:t>
             </a:r>
           </a:p>
@@ -6482,7 +6561,7 @@
           <a:p>
             <a:pPr lvl="0"/>
             <a:r>
-              <a:rPr lang="en-US" smtClean="0"/>
+              <a:rPr lang="en-US"/>
               <a:t>Edit Master text styles</a:t>
             </a:r>
           </a:p>
@@ -6505,7 +6584,7 @@
           <a:p>
             <a:fld id="{AA6B33E2-E582-49CA-B802-EA2BFF3F3A0C}" type="datetimeFigureOut">
               <a:rPr lang="en-US" smtClean="0"/>
-              <a:t>8/8/2020</a:t>
+              <a:t>8/10/2020</a:t>
             </a:fld>
             <a:endParaRPr lang="en-US"/>
           </a:p>
@@ -6604,7 +6683,7 @@
           <a:lstStyle/>
           <a:p>
             <a:r>
-              <a:rPr lang="en-US" smtClean="0"/>
+              <a:rPr lang="en-US"/>
               <a:t>Click to edit Master title style</a:t>
             </a:r>
             <a:endParaRPr lang="en-US" dirty="0"/>
@@ -6679,7 +6758,7 @@
           <a:p>
             <a:pPr lvl="0"/>
             <a:r>
-              <a:rPr lang="en-US" smtClean="0"/>
+              <a:rPr lang="en-US"/>
               <a:t>Edit Master text styles</a:t>
             </a:r>
           </a:p>
@@ -6736,7 +6815,7 @@
               <a:buNone/>
             </a:pPr>
             <a:r>
-              <a:rPr lang="en-US" smtClean="0"/>
+              <a:rPr lang="en-US"/>
               <a:t>Click icon to add picture</a:t>
             </a:r>
             <a:endParaRPr lang="en-US" dirty="0"/>
@@ -6804,7 +6883,7 @@
           <a:p>
             <a:pPr lvl="0"/>
             <a:r>
-              <a:rPr lang="en-US" smtClean="0"/>
+              <a:rPr lang="en-US"/>
               <a:t>Edit Master text styles</a:t>
             </a:r>
           </a:p>
@@ -6878,7 +6957,7 @@
           <a:p>
             <a:pPr lvl="0"/>
             <a:r>
-              <a:rPr lang="en-US" smtClean="0"/>
+              <a:rPr lang="en-US"/>
               <a:t>Edit Master text styles</a:t>
             </a:r>
           </a:p>
@@ -6935,7 +7014,7 @@
               <a:buNone/>
             </a:pPr>
             <a:r>
-              <a:rPr lang="en-US" smtClean="0"/>
+              <a:rPr lang="en-US"/>
               <a:t>Click icon to add picture</a:t>
             </a:r>
             <a:endParaRPr lang="en-US" dirty="0"/>
@@ -7003,7 +7082,7 @@
           <a:p>
             <a:pPr lvl="0"/>
             <a:r>
-              <a:rPr lang="en-US" smtClean="0"/>
+              <a:rPr lang="en-US"/>
               <a:t>Edit Master text styles</a:t>
             </a:r>
           </a:p>
@@ -7077,7 +7156,7 @@
           <a:p>
             <a:pPr lvl="0"/>
             <a:r>
-              <a:rPr lang="en-US" smtClean="0"/>
+              <a:rPr lang="en-US"/>
               <a:t>Edit Master text styles</a:t>
             </a:r>
           </a:p>
@@ -7134,7 +7213,7 @@
               <a:buNone/>
             </a:pPr>
             <a:r>
-              <a:rPr lang="en-US" smtClean="0"/>
+              <a:rPr lang="en-US"/>
               <a:t>Click icon to add picture</a:t>
             </a:r>
             <a:endParaRPr lang="en-US" dirty="0"/>
@@ -7202,7 +7281,7 @@
           <a:p>
             <a:pPr lvl="0"/>
             <a:r>
-              <a:rPr lang="en-US" smtClean="0"/>
+              <a:rPr lang="en-US"/>
               <a:t>Edit Master text styles</a:t>
             </a:r>
           </a:p>
@@ -7225,7 +7304,7 @@
           <a:p>
             <a:fld id="{AA6B33E2-E582-49CA-B802-EA2BFF3F3A0C}" type="datetimeFigureOut">
               <a:rPr lang="en-US" smtClean="0"/>
-              <a:t>8/8/2020</a:t>
+              <a:t>8/10/2020</a:t>
             </a:fld>
             <a:endParaRPr lang="en-US"/>
           </a:p>
@@ -7319,7 +7398,7 @@
           <a:lstStyle/>
           <a:p>
             <a:r>
-              <a:rPr lang="en-US" smtClean="0"/>
+              <a:rPr lang="en-US"/>
               <a:t>Click to edit Master title style</a:t>
             </a:r>
             <a:endParaRPr lang="en-US" dirty="0"/>
@@ -7343,35 +7422,35 @@
           <a:p>
             <a:pPr lvl="0"/>
             <a:r>
-              <a:rPr lang="en-US" smtClean="0"/>
+              <a:rPr lang="en-US"/>
               <a:t>Edit Master text styles</a:t>
             </a:r>
           </a:p>
           <a:p>
             <a:pPr lvl="1"/>
             <a:r>
-              <a:rPr lang="en-US" smtClean="0"/>
+              <a:rPr lang="en-US"/>
               <a:t>Second level</a:t>
             </a:r>
           </a:p>
           <a:p>
             <a:pPr lvl="2"/>
             <a:r>
-              <a:rPr lang="en-US" smtClean="0"/>
+              <a:rPr lang="en-US"/>
               <a:t>Third level</a:t>
             </a:r>
           </a:p>
           <a:p>
             <a:pPr lvl="3"/>
             <a:r>
-              <a:rPr lang="en-US" smtClean="0"/>
+              <a:rPr lang="en-US"/>
               <a:t>Fourth level</a:t>
             </a:r>
           </a:p>
           <a:p>
             <a:pPr lvl="4"/>
             <a:r>
-              <a:rPr lang="en-US" smtClean="0"/>
+              <a:rPr lang="en-US"/>
               <a:t>Fifth level</a:t>
             </a:r>
             <a:endParaRPr lang="en-US" dirty="0"/>
@@ -7395,7 +7474,7 @@
           <a:p>
             <a:fld id="{AA6B33E2-E582-49CA-B802-EA2BFF3F3A0C}" type="datetimeFigureOut">
               <a:rPr lang="en-US" smtClean="0"/>
-              <a:t>8/8/2020</a:t>
+              <a:t>8/10/2020</a:t>
             </a:fld>
             <a:endParaRPr lang="en-US"/>
           </a:p>
@@ -7494,7 +7573,7 @@
           <a:lstStyle/>
           <a:p>
             <a:r>
-              <a:rPr lang="en-US" smtClean="0"/>
+              <a:rPr lang="en-US"/>
               <a:t>Click to edit Master title style</a:t>
             </a:r>
             <a:endParaRPr lang="en-US" dirty="0"/>
@@ -7523,35 +7602,35 @@
           <a:p>
             <a:pPr lvl="0"/>
             <a:r>
-              <a:rPr lang="en-US" smtClean="0"/>
+              <a:rPr lang="en-US"/>
               <a:t>Edit Master text styles</a:t>
             </a:r>
           </a:p>
           <a:p>
             <a:pPr lvl="1"/>
             <a:r>
-              <a:rPr lang="en-US" smtClean="0"/>
+              <a:rPr lang="en-US"/>
               <a:t>Second level</a:t>
             </a:r>
           </a:p>
           <a:p>
             <a:pPr lvl="2"/>
             <a:r>
-              <a:rPr lang="en-US" smtClean="0"/>
+              <a:rPr lang="en-US"/>
               <a:t>Third level</a:t>
             </a:r>
           </a:p>
           <a:p>
             <a:pPr lvl="3"/>
             <a:r>
-              <a:rPr lang="en-US" smtClean="0"/>
+              <a:rPr lang="en-US"/>
               <a:t>Fourth level</a:t>
             </a:r>
           </a:p>
           <a:p>
             <a:pPr lvl="4"/>
             <a:r>
-              <a:rPr lang="en-US" smtClean="0"/>
+              <a:rPr lang="en-US"/>
               <a:t>Fifth level</a:t>
             </a:r>
             <a:endParaRPr lang="en-US" dirty="0"/>
@@ -7575,7 +7654,7 @@
           <a:p>
             <a:fld id="{AA6B33E2-E582-49CA-B802-EA2BFF3F3A0C}" type="datetimeFigureOut">
               <a:rPr lang="en-US" smtClean="0"/>
-              <a:t>8/8/2020</a:t>
+              <a:t>8/10/2020</a:t>
             </a:fld>
             <a:endParaRPr lang="en-US"/>
           </a:p>
@@ -7669,7 +7748,7 @@
           <a:lstStyle/>
           <a:p>
             <a:r>
-              <a:rPr lang="en-US" smtClean="0"/>
+              <a:rPr lang="en-US"/>
               <a:t>Click to edit Master title style</a:t>
             </a:r>
             <a:endParaRPr lang="en-US" dirty="0"/>
@@ -7693,35 +7772,35 @@
           <a:p>
             <a:pPr lvl="0"/>
             <a:r>
-              <a:rPr lang="en-US" smtClean="0"/>
+              <a:rPr lang="en-US"/>
               <a:t>Edit Master text styles</a:t>
             </a:r>
           </a:p>
           <a:p>
             <a:pPr lvl="1"/>
             <a:r>
-              <a:rPr lang="en-US" smtClean="0"/>
+              <a:rPr lang="en-US"/>
               <a:t>Second level</a:t>
             </a:r>
           </a:p>
           <a:p>
             <a:pPr lvl="2"/>
             <a:r>
-              <a:rPr lang="en-US" smtClean="0"/>
+              <a:rPr lang="en-US"/>
               <a:t>Third level</a:t>
             </a:r>
           </a:p>
           <a:p>
             <a:pPr lvl="3"/>
             <a:r>
-              <a:rPr lang="en-US" smtClean="0"/>
+              <a:rPr lang="en-US"/>
               <a:t>Fourth level</a:t>
             </a:r>
           </a:p>
           <a:p>
             <a:pPr lvl="4"/>
             <a:r>
-              <a:rPr lang="en-US" smtClean="0"/>
+              <a:rPr lang="en-US"/>
               <a:t>Fifth level</a:t>
             </a:r>
             <a:endParaRPr lang="en-US" dirty="0"/>
@@ -7745,7 +7824,7 @@
           <a:p>
             <a:fld id="{AA6B33E2-E582-49CA-B802-EA2BFF3F3A0C}" type="datetimeFigureOut">
               <a:rPr lang="en-US" smtClean="0"/>
-              <a:t>8/8/2020</a:t>
+              <a:t>8/10/2020</a:t>
             </a:fld>
             <a:endParaRPr lang="en-US"/>
           </a:p>
@@ -7850,7 +7929,7 @@
           </a:lstStyle>
           <a:p>
             <a:r>
-              <a:rPr lang="en-US" smtClean="0"/>
+              <a:rPr lang="en-US"/>
               <a:t>Click to edit Master title style</a:t>
             </a:r>
             <a:endParaRPr lang="en-US" dirty="0"/>
@@ -7972,7 +8051,7 @@
           <a:p>
             <a:pPr lvl="0"/>
             <a:r>
-              <a:rPr lang="en-US" smtClean="0"/>
+              <a:rPr lang="en-US"/>
               <a:t>Edit Master text styles</a:t>
             </a:r>
           </a:p>
@@ -7995,7 +8074,7 @@
           <a:p>
             <a:fld id="{AA6B33E2-E582-49CA-B802-EA2BFF3F3A0C}" type="datetimeFigureOut">
               <a:rPr lang="en-US" smtClean="0"/>
-              <a:t>8/8/2020</a:t>
+              <a:t>8/10/2020</a:t>
             </a:fld>
             <a:endParaRPr lang="en-US"/>
           </a:p>
@@ -8089,7 +8168,7 @@
           <a:lstStyle/>
           <a:p>
             <a:r>
-              <a:rPr lang="en-US" smtClean="0"/>
+              <a:rPr lang="en-US"/>
               <a:t>Click to edit Master title style</a:t>
             </a:r>
             <a:endParaRPr lang="en-US" dirty="0"/>
@@ -8118,35 +8197,35 @@
           <a:p>
             <a:pPr lvl="0"/>
             <a:r>
-              <a:rPr lang="en-US" smtClean="0"/>
+              <a:rPr lang="en-US"/>
               <a:t>Edit Master text styles</a:t>
             </a:r>
           </a:p>
           <a:p>
             <a:pPr lvl="1"/>
             <a:r>
-              <a:rPr lang="en-US" smtClean="0"/>
+              <a:rPr lang="en-US"/>
               <a:t>Second level</a:t>
             </a:r>
           </a:p>
           <a:p>
             <a:pPr lvl="2"/>
             <a:r>
-              <a:rPr lang="en-US" smtClean="0"/>
+              <a:rPr lang="en-US"/>
               <a:t>Third level</a:t>
             </a:r>
           </a:p>
           <a:p>
             <a:pPr lvl="3"/>
             <a:r>
-              <a:rPr lang="en-US" smtClean="0"/>
+              <a:rPr lang="en-US"/>
               <a:t>Fourth level</a:t>
             </a:r>
           </a:p>
           <a:p>
             <a:pPr lvl="4"/>
             <a:r>
-              <a:rPr lang="en-US" smtClean="0"/>
+              <a:rPr lang="en-US"/>
               <a:t>Fifth level</a:t>
             </a:r>
             <a:endParaRPr lang="en-US" dirty="0"/>
@@ -8175,35 +8254,35 @@
           <a:p>
             <a:pPr lvl="0"/>
             <a:r>
-              <a:rPr lang="en-US" smtClean="0"/>
+              <a:rPr lang="en-US"/>
               <a:t>Edit Master text styles</a:t>
             </a:r>
           </a:p>
           <a:p>
             <a:pPr lvl="1"/>
             <a:r>
-              <a:rPr lang="en-US" smtClean="0"/>
+              <a:rPr lang="en-US"/>
               <a:t>Second level</a:t>
             </a:r>
           </a:p>
           <a:p>
             <a:pPr lvl="2"/>
             <a:r>
-              <a:rPr lang="en-US" smtClean="0"/>
+              <a:rPr lang="en-US"/>
               <a:t>Third level</a:t>
             </a:r>
           </a:p>
           <a:p>
             <a:pPr lvl="3"/>
             <a:r>
-              <a:rPr lang="en-US" smtClean="0"/>
+              <a:rPr lang="en-US"/>
               <a:t>Fourth level</a:t>
             </a:r>
           </a:p>
           <a:p>
             <a:pPr lvl="4"/>
             <a:r>
-              <a:rPr lang="en-US" smtClean="0"/>
+              <a:rPr lang="en-US"/>
               <a:t>Fifth level</a:t>
             </a:r>
             <a:endParaRPr lang="en-US" dirty="0"/>
@@ -8227,7 +8306,7 @@
           <a:p>
             <a:fld id="{AA6B33E2-E582-49CA-B802-EA2BFF3F3A0C}" type="datetimeFigureOut">
               <a:rPr lang="en-US" smtClean="0"/>
-              <a:t>8/8/2020</a:t>
+              <a:t>8/10/2020</a:t>
             </a:fld>
             <a:endParaRPr lang="en-US"/>
           </a:p>
@@ -8326,7 +8405,7 @@
           <a:lstStyle/>
           <a:p>
             <a:r>
-              <a:rPr lang="en-US" smtClean="0"/>
+              <a:rPr lang="en-US"/>
               <a:t>Click to edit Master title style</a:t>
             </a:r>
             <a:endParaRPr lang="en-US" dirty="0"/>
@@ -8399,7 +8478,7 @@
           <a:p>
             <a:pPr lvl="0"/>
             <a:r>
-              <a:rPr lang="en-US" smtClean="0"/>
+              <a:rPr lang="en-US"/>
               <a:t>Edit Master text styles</a:t>
             </a:r>
           </a:p>
@@ -8427,35 +8506,35 @@
           <a:p>
             <a:pPr lvl="0"/>
             <a:r>
-              <a:rPr lang="en-US" smtClean="0"/>
+              <a:rPr lang="en-US"/>
               <a:t>Edit Master text styles</a:t>
             </a:r>
           </a:p>
           <a:p>
             <a:pPr lvl="1"/>
             <a:r>
-              <a:rPr lang="en-US" smtClean="0"/>
+              <a:rPr lang="en-US"/>
               <a:t>Second level</a:t>
             </a:r>
           </a:p>
           <a:p>
             <a:pPr lvl="2"/>
             <a:r>
-              <a:rPr lang="en-US" smtClean="0"/>
+              <a:rPr lang="en-US"/>
               <a:t>Third level</a:t>
             </a:r>
           </a:p>
           <a:p>
             <a:pPr lvl="3"/>
             <a:r>
-              <a:rPr lang="en-US" smtClean="0"/>
+              <a:rPr lang="en-US"/>
               <a:t>Fourth level</a:t>
             </a:r>
           </a:p>
           <a:p>
             <a:pPr lvl="4"/>
             <a:r>
-              <a:rPr lang="en-US" smtClean="0"/>
+              <a:rPr lang="en-US"/>
               <a:t>Fifth level</a:t>
             </a:r>
             <a:endParaRPr lang="en-US" dirty="0"/>
@@ -8528,7 +8607,7 @@
           <a:p>
             <a:pPr lvl="0"/>
             <a:r>
-              <a:rPr lang="en-US" smtClean="0"/>
+              <a:rPr lang="en-US"/>
               <a:t>Edit Master text styles</a:t>
             </a:r>
           </a:p>
@@ -8556,35 +8635,35 @@
           <a:p>
             <a:pPr lvl="0"/>
             <a:r>
-              <a:rPr lang="en-US" smtClean="0"/>
+              <a:rPr lang="en-US"/>
               <a:t>Edit Master text styles</a:t>
             </a:r>
           </a:p>
           <a:p>
             <a:pPr lvl="1"/>
             <a:r>
-              <a:rPr lang="en-US" smtClean="0"/>
+              <a:rPr lang="en-US"/>
               <a:t>Second level</a:t>
             </a:r>
           </a:p>
           <a:p>
             <a:pPr lvl="2"/>
             <a:r>
-              <a:rPr lang="en-US" smtClean="0"/>
+              <a:rPr lang="en-US"/>
               <a:t>Third level</a:t>
             </a:r>
           </a:p>
           <a:p>
             <a:pPr lvl="3"/>
             <a:r>
-              <a:rPr lang="en-US" smtClean="0"/>
+              <a:rPr lang="en-US"/>
               <a:t>Fourth level</a:t>
             </a:r>
           </a:p>
           <a:p>
             <a:pPr lvl="4"/>
             <a:r>
-              <a:rPr lang="en-US" smtClean="0"/>
+              <a:rPr lang="en-US"/>
               <a:t>Fifth level</a:t>
             </a:r>
             <a:endParaRPr lang="en-US" dirty="0"/>
@@ -8608,7 +8687,7 @@
           <a:p>
             <a:fld id="{AA6B33E2-E582-49CA-B802-EA2BFF3F3A0C}" type="datetimeFigureOut">
               <a:rPr lang="en-US" smtClean="0"/>
-              <a:t>8/8/2020</a:t>
+              <a:t>8/10/2020</a:t>
             </a:fld>
             <a:endParaRPr lang="en-US"/>
           </a:p>
@@ -8702,7 +8781,7 @@
           <a:lstStyle/>
           <a:p>
             <a:r>
-              <a:rPr lang="en-US" smtClean="0"/>
+              <a:rPr lang="en-US"/>
               <a:t>Click to edit Master title style</a:t>
             </a:r>
             <a:endParaRPr lang="en-US" dirty="0"/>
@@ -8726,7 +8805,7 @@
           <a:p>
             <a:fld id="{AA6B33E2-E582-49CA-B802-EA2BFF3F3A0C}" type="datetimeFigureOut">
               <a:rPr lang="en-US" smtClean="0"/>
-              <a:t>8/8/2020</a:t>
+              <a:t>8/10/2020</a:t>
             </a:fld>
             <a:endParaRPr lang="en-US"/>
           </a:p>
@@ -8821,7 +8900,7 @@
           <a:p>
             <a:fld id="{AA6B33E2-E582-49CA-B802-EA2BFF3F3A0C}" type="datetimeFigureOut">
               <a:rPr lang="en-US" smtClean="0"/>
-              <a:t>8/8/2020</a:t>
+              <a:t>8/10/2020</a:t>
             </a:fld>
             <a:endParaRPr lang="en-US"/>
           </a:p>
@@ -8924,7 +9003,7 @@
           </a:lstStyle>
           <a:p>
             <a:r>
-              <a:rPr lang="en-US" smtClean="0"/>
+              <a:rPr lang="en-US"/>
               <a:t>Click to edit Master title style</a:t>
             </a:r>
             <a:endParaRPr lang="en-US" dirty="0"/>
@@ -8953,35 +9032,35 @@
           <a:p>
             <a:pPr lvl="0"/>
             <a:r>
-              <a:rPr lang="en-US" smtClean="0"/>
+              <a:rPr lang="en-US"/>
               <a:t>Edit Master text styles</a:t>
             </a:r>
           </a:p>
           <a:p>
             <a:pPr lvl="1"/>
             <a:r>
-              <a:rPr lang="en-US" smtClean="0"/>
+              <a:rPr lang="en-US"/>
               <a:t>Second level</a:t>
             </a:r>
           </a:p>
           <a:p>
             <a:pPr lvl="2"/>
             <a:r>
-              <a:rPr lang="en-US" smtClean="0"/>
+              <a:rPr lang="en-US"/>
               <a:t>Third level</a:t>
             </a:r>
           </a:p>
           <a:p>
             <a:pPr lvl="3"/>
             <a:r>
-              <a:rPr lang="en-US" smtClean="0"/>
+              <a:rPr lang="en-US"/>
               <a:t>Fourth level</a:t>
             </a:r>
           </a:p>
           <a:p>
             <a:pPr lvl="4"/>
             <a:r>
-              <a:rPr lang="en-US" smtClean="0"/>
+              <a:rPr lang="en-US"/>
               <a:t>Fifth level</a:t>
             </a:r>
             <a:endParaRPr lang="en-US" dirty="0"/>
@@ -9047,7 +9126,7 @@
           <a:p>
             <a:pPr lvl="0"/>
             <a:r>
-              <a:rPr lang="en-US" smtClean="0"/>
+              <a:rPr lang="en-US"/>
               <a:t>Edit Master text styles</a:t>
             </a:r>
           </a:p>
@@ -9070,7 +9149,7 @@
           <a:p>
             <a:fld id="{AA6B33E2-E582-49CA-B802-EA2BFF3F3A0C}" type="datetimeFigureOut">
               <a:rPr lang="en-US" smtClean="0"/>
-              <a:t>8/8/2020</a:t>
+              <a:t>8/10/2020</a:t>
             </a:fld>
             <a:endParaRPr lang="en-US"/>
           </a:p>
@@ -9173,7 +9252,7 @@
           </a:lstStyle>
           <a:p>
             <a:r>
-              <a:rPr lang="en-US" smtClean="0"/>
+              <a:rPr lang="en-US"/>
               <a:t>Click to edit Master title style</a:t>
             </a:r>
             <a:endParaRPr lang="en-US" dirty="0"/>
@@ -9261,7 +9340,7 @@
           </a:lstStyle>
           <a:p>
             <a:r>
-              <a:rPr lang="en-US" smtClean="0"/>
+              <a:rPr lang="en-US"/>
               <a:t>Click icon to add picture</a:t>
             </a:r>
             <a:endParaRPr lang="en-US" dirty="0"/>
@@ -9327,7 +9406,7 @@
           <a:p>
             <a:pPr lvl="0"/>
             <a:r>
-              <a:rPr lang="en-US" smtClean="0"/>
+              <a:rPr lang="en-US"/>
               <a:t>Edit Master text styles</a:t>
             </a:r>
           </a:p>
@@ -9350,7 +9429,7 @@
           <a:p>
             <a:fld id="{AA6B33E2-E582-49CA-B802-EA2BFF3F3A0C}" type="datetimeFigureOut">
               <a:rPr lang="en-US" smtClean="0"/>
-              <a:t>8/8/2020</a:t>
+              <a:t>8/10/2020</a:t>
             </a:fld>
             <a:endParaRPr lang="en-US"/>
           </a:p>
@@ -9466,7 +9545,7 @@
           <a:noFill/>
           <a:extLst>
             <a:ext uri="{909E8E84-426E-40dd-AFC4-6F175D3DCCD1}">
-              <a14:hiddenFill xmlns:a14="http://schemas.microsoft.com/office/drawing/2010/main" xmlns="">
+              <a14:hiddenFill xmlns="" xmlns:a14="http://schemas.microsoft.com/office/drawing/2010/main">
                 <a:solidFill>
                   <a:srgbClr val="FFFFFF"/>
                 </a:solidFill>
@@ -9540,7 +9619,7 @@
               </a:ln>
               <a:extLst>
                 <a:ext uri="{91240B29-F687-4f45-9708-019B960494DF}">
-                  <a14:hiddenLine xmlns:a14="http://schemas.microsoft.com/office/drawing/2010/main" xmlns="" w="9525">
+                  <a14:hiddenLine xmlns="" xmlns:a14="http://schemas.microsoft.com/office/drawing/2010/main" w="9525">
                     <a:solidFill>
                       <a:srgbClr val="000000"/>
                     </a:solidFill>
@@ -9630,7 +9709,7 @@
               </a:ln>
               <a:extLst>
                 <a:ext uri="{91240B29-F687-4f45-9708-019B960494DF}">
-                  <a14:hiddenLine xmlns:a14="http://schemas.microsoft.com/office/drawing/2010/main" xmlns="" w="9525">
+                  <a14:hiddenLine xmlns="" xmlns:a14="http://schemas.microsoft.com/office/drawing/2010/main" w="9525">
                     <a:solidFill>
                       <a:srgbClr val="000000"/>
                     </a:solidFill>
@@ -9720,7 +9799,7 @@
               </a:ln>
               <a:extLst>
                 <a:ext uri="{91240B29-F687-4f45-9708-019B960494DF}">
-                  <a14:hiddenLine xmlns:a14="http://schemas.microsoft.com/office/drawing/2010/main" xmlns="" w="9525">
+                  <a14:hiddenLine xmlns="" xmlns:a14="http://schemas.microsoft.com/office/drawing/2010/main" w="9525">
                     <a:solidFill>
                       <a:srgbClr val="000000"/>
                     </a:solidFill>
@@ -9782,7 +9861,7 @@
               </a:ln>
               <a:extLst>
                 <a:ext uri="{91240B29-F687-4f45-9708-019B960494DF}">
-                  <a14:hiddenLine xmlns:a14="http://schemas.microsoft.com/office/drawing/2010/main" xmlns="" w="9525">
+                  <a14:hiddenLine xmlns="" xmlns:a14="http://schemas.microsoft.com/office/drawing/2010/main" w="9525">
                     <a:solidFill>
                       <a:srgbClr val="000000"/>
                     </a:solidFill>
@@ -9872,7 +9951,7 @@
               </a:ln>
               <a:extLst>
                 <a:ext uri="{91240B29-F687-4f45-9708-019B960494DF}">
-                  <a14:hiddenLine xmlns:a14="http://schemas.microsoft.com/office/drawing/2010/main" xmlns="" w="9525">
+                  <a14:hiddenLine xmlns="" xmlns:a14="http://schemas.microsoft.com/office/drawing/2010/main" w="9525">
                     <a:solidFill>
                       <a:srgbClr val="000000"/>
                     </a:solidFill>
@@ -9934,7 +10013,7 @@
               </a:ln>
               <a:extLst>
                 <a:ext uri="{91240B29-F687-4f45-9708-019B960494DF}">
-                  <a14:hiddenLine xmlns:a14="http://schemas.microsoft.com/office/drawing/2010/main" xmlns="" w="9525">
+                  <a14:hiddenLine xmlns="" xmlns:a14="http://schemas.microsoft.com/office/drawing/2010/main" w="9525">
                     <a:solidFill>
                       <a:srgbClr val="000000"/>
                     </a:solidFill>
@@ -9996,7 +10075,7 @@
               </a:ln>
               <a:extLst>
                 <a:ext uri="{91240B29-F687-4f45-9708-019B960494DF}">
-                  <a14:hiddenLine xmlns:a14="http://schemas.microsoft.com/office/drawing/2010/main" xmlns="" w="9525">
+                  <a14:hiddenLine xmlns="" xmlns:a14="http://schemas.microsoft.com/office/drawing/2010/main" w="9525">
                     <a:solidFill>
                       <a:srgbClr val="000000"/>
                     </a:solidFill>
@@ -10086,7 +10165,7 @@
               </a:ln>
               <a:extLst>
                 <a:ext uri="{91240B29-F687-4f45-9708-019B960494DF}">
-                  <a14:hiddenLine xmlns:a14="http://schemas.microsoft.com/office/drawing/2010/main" xmlns="" w="9525">
+                  <a14:hiddenLine xmlns="" xmlns:a14="http://schemas.microsoft.com/office/drawing/2010/main" w="9525">
                     <a:solidFill>
                       <a:srgbClr val="000000"/>
                     </a:solidFill>
@@ -10176,7 +10255,7 @@
               </a:ln>
               <a:extLst>
                 <a:ext uri="{91240B29-F687-4f45-9708-019B960494DF}">
-                  <a14:hiddenLine xmlns:a14="http://schemas.microsoft.com/office/drawing/2010/main" xmlns="" w="9525">
+                  <a14:hiddenLine xmlns="" xmlns:a14="http://schemas.microsoft.com/office/drawing/2010/main" w="9525">
                     <a:solidFill>
                       <a:srgbClr val="000000"/>
                     </a:solidFill>
@@ -10238,7 +10317,7 @@
               </a:ln>
               <a:extLst>
                 <a:ext uri="{91240B29-F687-4f45-9708-019B960494DF}">
-                  <a14:hiddenLine xmlns:a14="http://schemas.microsoft.com/office/drawing/2010/main" xmlns="" w="9525">
+                  <a14:hiddenLine xmlns="" xmlns:a14="http://schemas.microsoft.com/office/drawing/2010/main" w="9525">
                     <a:solidFill>
                       <a:srgbClr val="000000"/>
                     </a:solidFill>
@@ -10348,7 +10427,7 @@
               </a:ln>
               <a:extLst>
                 <a:ext uri="{91240B29-F687-4f45-9708-019B960494DF}">
-                  <a14:hiddenLine xmlns:a14="http://schemas.microsoft.com/office/drawing/2010/main" xmlns="" w="9525">
+                  <a14:hiddenLine xmlns="" xmlns:a14="http://schemas.microsoft.com/office/drawing/2010/main" w="9525">
                     <a:solidFill>
                       <a:srgbClr val="000000"/>
                     </a:solidFill>
@@ -10432,7 +10511,7 @@
               </a:ln>
               <a:extLst>
                 <a:ext uri="{91240B29-F687-4f45-9708-019B960494DF}">
-                  <a14:hiddenLine xmlns:a14="http://schemas.microsoft.com/office/drawing/2010/main" xmlns="" w="9525">
+                  <a14:hiddenLine xmlns="" xmlns:a14="http://schemas.microsoft.com/office/drawing/2010/main" w="9525">
                     <a:solidFill>
                       <a:srgbClr val="000000"/>
                     </a:solidFill>
@@ -10494,7 +10573,7 @@
               </a:ln>
               <a:extLst>
                 <a:ext uri="{91240B29-F687-4f45-9708-019B960494DF}">
-                  <a14:hiddenLine xmlns:a14="http://schemas.microsoft.com/office/drawing/2010/main" xmlns="" w="9525">
+                  <a14:hiddenLine xmlns="" xmlns:a14="http://schemas.microsoft.com/office/drawing/2010/main" w="9525">
                     <a:solidFill>
                       <a:srgbClr val="000000"/>
                     </a:solidFill>
@@ -10556,7 +10635,7 @@
               </a:ln>
               <a:extLst>
                 <a:ext uri="{91240B29-F687-4f45-9708-019B960494DF}">
-                  <a14:hiddenLine xmlns:a14="http://schemas.microsoft.com/office/drawing/2010/main" xmlns="" w="9525">
+                  <a14:hiddenLine xmlns="" xmlns:a14="http://schemas.microsoft.com/office/drawing/2010/main" w="9525">
                     <a:solidFill>
                       <a:srgbClr val="000000"/>
                     </a:solidFill>
@@ -10646,7 +10725,7 @@
               </a:ln>
               <a:extLst>
                 <a:ext uri="{91240B29-F687-4f45-9708-019B960494DF}">
-                  <a14:hiddenLine xmlns:a14="http://schemas.microsoft.com/office/drawing/2010/main" xmlns="" w="9525">
+                  <a14:hiddenLine xmlns="" xmlns:a14="http://schemas.microsoft.com/office/drawing/2010/main" w="9525">
                     <a:solidFill>
                       <a:srgbClr val="000000"/>
                     </a:solidFill>
@@ -10680,7 +10759,7 @@
               </a:ln>
               <a:extLst>
                 <a:ext uri="{91240B29-F687-4f45-9708-019B960494DF}">
-                  <a14:hiddenLine xmlns:a14="http://schemas.microsoft.com/office/drawing/2010/main" xmlns="" w="9525">
+                  <a14:hiddenLine xmlns="" xmlns:a14="http://schemas.microsoft.com/office/drawing/2010/main" w="9525">
                     <a:solidFill>
                       <a:srgbClr val="000000"/>
                     </a:solidFill>
@@ -10745,7 +10824,7 @@
               </a:ln>
               <a:extLst>
                 <a:ext uri="{91240B29-F687-4f45-9708-019B960494DF}">
-                  <a14:hiddenLine xmlns:a14="http://schemas.microsoft.com/office/drawing/2010/main" xmlns="" w="9525">
+                  <a14:hiddenLine xmlns="" xmlns:a14="http://schemas.microsoft.com/office/drawing/2010/main" w="9525">
                     <a:solidFill>
                       <a:srgbClr val="000000"/>
                     </a:solidFill>
@@ -10835,7 +10914,7 @@
               </a:ln>
               <a:extLst>
                 <a:ext uri="{91240B29-F687-4f45-9708-019B960494DF}">
-                  <a14:hiddenLine xmlns:a14="http://schemas.microsoft.com/office/drawing/2010/main" xmlns="" w="9525">
+                  <a14:hiddenLine xmlns="" xmlns:a14="http://schemas.microsoft.com/office/drawing/2010/main" w="9525">
                     <a:solidFill>
                       <a:srgbClr val="000000"/>
                     </a:solidFill>
@@ -10897,7 +10976,7 @@
               </a:ln>
               <a:extLst>
                 <a:ext uri="{91240B29-F687-4f45-9708-019B960494DF}">
-                  <a14:hiddenLine xmlns:a14="http://schemas.microsoft.com/office/drawing/2010/main" xmlns="" w="9525">
+                  <a14:hiddenLine xmlns="" xmlns:a14="http://schemas.microsoft.com/office/drawing/2010/main" w="9525">
                     <a:solidFill>
                       <a:srgbClr val="000000"/>
                     </a:solidFill>
@@ -10987,7 +11066,7 @@
               </a:ln>
               <a:extLst>
                 <a:ext uri="{91240B29-F687-4f45-9708-019B960494DF}">
-                  <a14:hiddenLine xmlns:a14="http://schemas.microsoft.com/office/drawing/2010/main" xmlns="" w="9525">
+                  <a14:hiddenLine xmlns="" xmlns:a14="http://schemas.microsoft.com/office/drawing/2010/main" w="9525">
                     <a:solidFill>
                       <a:srgbClr val="000000"/>
                     </a:solidFill>
@@ -11052,7 +11131,7 @@
               </a:ln>
               <a:extLst>
                 <a:ext uri="{91240B29-F687-4f45-9708-019B960494DF}">
-                  <a14:hiddenLine xmlns:a14="http://schemas.microsoft.com/office/drawing/2010/main" xmlns="" w="9525">
+                  <a14:hiddenLine xmlns="" xmlns:a14="http://schemas.microsoft.com/office/drawing/2010/main" w="9525">
                     <a:solidFill>
                       <a:srgbClr val="000000"/>
                     </a:solidFill>
@@ -11114,7 +11193,7 @@
               </a:ln>
               <a:extLst>
                 <a:ext uri="{91240B29-F687-4f45-9708-019B960494DF}">
-                  <a14:hiddenLine xmlns:a14="http://schemas.microsoft.com/office/drawing/2010/main" xmlns="" w="9525">
+                  <a14:hiddenLine xmlns="" xmlns:a14="http://schemas.microsoft.com/office/drawing/2010/main" w="9525">
                     <a:solidFill>
                       <a:srgbClr val="000000"/>
                     </a:solidFill>
@@ -11204,7 +11283,7 @@
               </a:ln>
               <a:extLst>
                 <a:ext uri="{91240B29-F687-4f45-9708-019B960494DF}">
-                  <a14:hiddenLine xmlns:a14="http://schemas.microsoft.com/office/drawing/2010/main" xmlns="" w="9525">
+                  <a14:hiddenLine xmlns="" xmlns:a14="http://schemas.microsoft.com/office/drawing/2010/main" w="9525">
                     <a:solidFill>
                       <a:srgbClr val="000000"/>
                     </a:solidFill>
@@ -11294,7 +11373,7 @@
               </a:ln>
               <a:extLst>
                 <a:ext uri="{91240B29-F687-4f45-9708-019B960494DF}">
-                  <a14:hiddenLine xmlns:a14="http://schemas.microsoft.com/office/drawing/2010/main" xmlns="" w="9525">
+                  <a14:hiddenLine xmlns="" xmlns:a14="http://schemas.microsoft.com/office/drawing/2010/main" w="9525">
                     <a:solidFill>
                       <a:srgbClr val="000000"/>
                     </a:solidFill>
@@ -11359,7 +11438,7 @@
               </a:ln>
               <a:extLst>
                 <a:ext uri="{91240B29-F687-4f45-9708-019B960494DF}">
-                  <a14:hiddenLine xmlns:a14="http://schemas.microsoft.com/office/drawing/2010/main" xmlns="" w="9525">
+                  <a14:hiddenLine xmlns="" xmlns:a14="http://schemas.microsoft.com/office/drawing/2010/main" w="9525">
                     <a:solidFill>
                       <a:srgbClr val="000000"/>
                     </a:solidFill>
@@ -11479,7 +11558,7 @@
               </a:ln>
               <a:extLst>
                 <a:ext uri="{91240B29-F687-4f45-9708-019B960494DF}">
-                  <a14:hiddenLine xmlns:a14="http://schemas.microsoft.com/office/drawing/2010/main" xmlns="" w="9525">
+                  <a14:hiddenLine xmlns="" xmlns:a14="http://schemas.microsoft.com/office/drawing/2010/main" w="9525">
                     <a:solidFill>
                       <a:srgbClr val="000000"/>
                     </a:solidFill>
@@ -11577,7 +11656,7 @@
               </a:ln>
               <a:extLst>
                 <a:ext uri="{91240B29-F687-4f45-9708-019B960494DF}">
-                  <a14:hiddenLine xmlns:a14="http://schemas.microsoft.com/office/drawing/2010/main" xmlns="" w="9525">
+                  <a14:hiddenLine xmlns="" xmlns:a14="http://schemas.microsoft.com/office/drawing/2010/main" w="9525">
                     <a:solidFill>
                       <a:srgbClr val="000000"/>
                     </a:solidFill>
@@ -11692,7 +11771,7 @@
               </a:ln>
               <a:extLst>
                 <a:ext uri="{91240B29-F687-4f45-9708-019B960494DF}">
-                  <a14:hiddenLine xmlns:a14="http://schemas.microsoft.com/office/drawing/2010/main" xmlns="" w="9525">
+                  <a14:hiddenLine xmlns="" xmlns:a14="http://schemas.microsoft.com/office/drawing/2010/main" w="9525">
                     <a:solidFill>
                       <a:srgbClr val="000000"/>
                     </a:solidFill>
@@ -11782,7 +11861,7 @@
               </a:ln>
               <a:extLst>
                 <a:ext uri="{91240B29-F687-4f45-9708-019B960494DF}">
-                  <a14:hiddenLine xmlns:a14="http://schemas.microsoft.com/office/drawing/2010/main" xmlns="" w="9525">
+                  <a14:hiddenLine xmlns="" xmlns:a14="http://schemas.microsoft.com/office/drawing/2010/main" w="9525">
                     <a:solidFill>
                       <a:srgbClr val="000000"/>
                     </a:solidFill>
@@ -11847,7 +11926,7 @@
               </a:ln>
               <a:extLst>
                 <a:ext uri="{91240B29-F687-4f45-9708-019B960494DF}">
-                  <a14:hiddenLine xmlns:a14="http://schemas.microsoft.com/office/drawing/2010/main" xmlns="" w="9525">
+                  <a14:hiddenLine xmlns="" xmlns:a14="http://schemas.microsoft.com/office/drawing/2010/main" w="9525">
                     <a:solidFill>
                       <a:srgbClr val="000000"/>
                     </a:solidFill>
@@ -11937,7 +12016,7 @@
               </a:ln>
               <a:extLst>
                 <a:ext uri="{91240B29-F687-4f45-9708-019B960494DF}">
-                  <a14:hiddenLine xmlns:a14="http://schemas.microsoft.com/office/drawing/2010/main" xmlns="" w="9525">
+                  <a14:hiddenLine xmlns="" xmlns:a14="http://schemas.microsoft.com/office/drawing/2010/main" w="9525">
                     <a:solidFill>
                       <a:srgbClr val="000000"/>
                     </a:solidFill>
@@ -12005,7 +12084,7 @@
               </a:ln>
               <a:extLst>
                 <a:ext uri="{91240B29-F687-4f45-9708-019B960494DF}">
-                  <a14:hiddenLine xmlns:a14="http://schemas.microsoft.com/office/drawing/2010/main" xmlns="" w="9525">
+                  <a14:hiddenLine xmlns="" xmlns:a14="http://schemas.microsoft.com/office/drawing/2010/main" w="9525">
                     <a:solidFill>
                       <a:srgbClr val="000000"/>
                     </a:solidFill>
@@ -12095,7 +12174,7 @@
               </a:ln>
               <a:extLst>
                 <a:ext uri="{91240B29-F687-4f45-9708-019B960494DF}">
-                  <a14:hiddenLine xmlns:a14="http://schemas.microsoft.com/office/drawing/2010/main" xmlns="" w="9525">
+                  <a14:hiddenLine xmlns="" xmlns:a14="http://schemas.microsoft.com/office/drawing/2010/main" w="9525">
                     <a:solidFill>
                       <a:srgbClr val="000000"/>
                     </a:solidFill>
@@ -12163,7 +12242,7 @@
               </a:ln>
               <a:extLst>
                 <a:ext uri="{91240B29-F687-4f45-9708-019B960494DF}">
-                  <a14:hiddenLine xmlns:a14="http://schemas.microsoft.com/office/drawing/2010/main" xmlns="" w="9525">
+                  <a14:hiddenLine xmlns="" xmlns:a14="http://schemas.microsoft.com/office/drawing/2010/main" w="9525">
                     <a:solidFill>
                       <a:srgbClr val="000000"/>
                     </a:solidFill>
@@ -12253,7 +12332,7 @@
               </a:ln>
               <a:extLst>
                 <a:ext uri="{91240B29-F687-4f45-9708-019B960494DF}">
-                  <a14:hiddenLine xmlns:a14="http://schemas.microsoft.com/office/drawing/2010/main" xmlns="" w="9525">
+                  <a14:hiddenLine xmlns="" xmlns:a14="http://schemas.microsoft.com/office/drawing/2010/main" w="9525">
                     <a:solidFill>
                       <a:srgbClr val="000000"/>
                     </a:solidFill>
@@ -12287,7 +12366,7 @@
               </a:ln>
               <a:extLst>
                 <a:ext uri="{91240B29-F687-4f45-9708-019B960494DF}">
-                  <a14:hiddenLine xmlns:a14="http://schemas.microsoft.com/office/drawing/2010/main" xmlns="" w="9525">
+                  <a14:hiddenLine xmlns="" xmlns:a14="http://schemas.microsoft.com/office/drawing/2010/main" w="9525">
                     <a:solidFill>
                       <a:srgbClr val="000000"/>
                     </a:solidFill>
@@ -12357,35 +12436,35 @@
           <a:p>
             <a:pPr lvl="0"/>
             <a:r>
-              <a:rPr lang="en-US" smtClean="0"/>
+              <a:rPr lang="en-US"/>
               <a:t>Edit Master text styles</a:t>
             </a:r>
           </a:p>
           <a:p>
             <a:pPr lvl="1"/>
             <a:r>
-              <a:rPr lang="en-US" smtClean="0"/>
+              <a:rPr lang="en-US"/>
               <a:t>Second level</a:t>
             </a:r>
           </a:p>
           <a:p>
             <a:pPr lvl="2"/>
             <a:r>
-              <a:rPr lang="en-US" smtClean="0"/>
+              <a:rPr lang="en-US"/>
               <a:t>Third level</a:t>
             </a:r>
           </a:p>
           <a:p>
             <a:pPr lvl="3"/>
             <a:r>
-              <a:rPr lang="en-US" smtClean="0"/>
+              <a:rPr lang="en-US"/>
               <a:t>Fourth level</a:t>
             </a:r>
           </a:p>
           <a:p>
             <a:pPr lvl="4"/>
             <a:r>
-              <a:rPr lang="en-US" smtClean="0"/>
+              <a:rPr lang="en-US"/>
               <a:t>Fifth level</a:t>
             </a:r>
             <a:endParaRPr lang="en-US" dirty="0"/>
@@ -12427,7 +12506,7 @@
           <a:p>
             <a:fld id="{AA6B33E2-E582-49CA-B802-EA2BFF3F3A0C}" type="datetimeFigureOut">
               <a:rPr lang="en-US" smtClean="0"/>
-              <a:t>8/8/2020</a:t>
+              <a:t>8/10/2020</a:t>
             </a:fld>
             <a:endParaRPr lang="en-US"/>
           </a:p>
@@ -13168,11 +13247,16 @@
           </p:cNvGraphicFramePr>
           <p:nvPr>
             <p:ph idx="1"/>
+            <p:extLst>
+              <p:ext uri="{D42A27DB-BD31-4B8C-83A1-F6EECF244321}">
+                <p14:modId xmlns:p14="http://schemas.microsoft.com/office/powerpoint/2010/main" val="1417555015"/>
+              </p:ext>
+            </p:extLst>
           </p:nvPr>
         </p:nvGraphicFramePr>
         <p:xfrm>
           <a:off x="1141413" y="2249488"/>
-          <a:ext cx="9905999" cy="3900131"/>
+          <a:ext cx="9905999" cy="3900030"/>
         </p:xfrm>
         <a:graphic>
           <a:graphicData uri="http://schemas.openxmlformats.org/drawingml/2006/table">
@@ -13188,21 +13272,21 @@
                     </a:ext>
                   </a:extLst>
                 </a:gridCol>
-                <a:gridCol w="1616766">
+                <a:gridCol w="1374844">
                   <a:extLst>
                     <a:ext uri="{9D8B030D-6E8A-4147-A177-3AD203B41FA5}">
                       <a16:colId xmlns:a16="http://schemas.microsoft.com/office/drawing/2014/main" val="20001"/>
                     </a:ext>
                   </a:extLst>
                 </a:gridCol>
-                <a:gridCol w="2862469">
+                <a:gridCol w="2730500">
                   <a:extLst>
                     <a:ext uri="{9D8B030D-6E8A-4147-A177-3AD203B41FA5}">
                       <a16:colId xmlns:a16="http://schemas.microsoft.com/office/drawing/2014/main" val="20002"/>
                     </a:ext>
                   </a:extLst>
                 </a:gridCol>
-                <a:gridCol w="4679121">
+                <a:gridCol w="5053012">
                   <a:extLst>
                     <a:ext uri="{9D8B030D-6E8A-4147-A177-3AD203B41FA5}">
                       <a16:colId xmlns:a16="http://schemas.microsoft.com/office/drawing/2014/main" val="20003"/>
@@ -13408,7 +13492,28 @@
                   </a:ext>
                 </a:extLst>
               </a:tr>
-              <a:tr h="1089660">
+              <a:tr h="1089559">
+                <a:tc>
+                  <a:txBody>
+                    <a:bodyPr/>
+                    <a:lstStyle/>
+                    <a:p>
+                      <a:pPr algn="ctr"/>
+                      <a:r>
+                        <a:rPr lang="en-US" sz="2000" smtClean="0">
+                          <a:latin typeface="Times New Roman" panose="02020603050405020304" pitchFamily="18" charset="0"/>
+                          <a:cs typeface="Times New Roman" panose="02020603050405020304" pitchFamily="18" charset="0"/>
+                        </a:rPr>
+                        <a:t>2</a:t>
+                      </a:r>
+                      <a:endParaRPr lang="en-US" sz="2000">
+                        <a:latin typeface="Times New Roman" panose="02020603050405020304" pitchFamily="18" charset="0"/>
+                        <a:cs typeface="Times New Roman" panose="02020603050405020304" pitchFamily="18" charset="0"/>
+                      </a:endParaRPr>
+                    </a:p>
+                  </a:txBody>
+                  <a:tcPr marL="86139" marR="86139" anchor="ctr"/>
+                </a:tc>
                 <a:tc>
                   <a:txBody>
                     <a:bodyPr/>
@@ -13420,7 +13525,7 @@
                           <a:latin typeface="Times New Roman" panose="02020603050405020304" pitchFamily="18" charset="0"/>
                           <a:cs typeface="Times New Roman" panose="02020603050405020304" pitchFamily="18" charset="0"/>
                         </a:rPr>
-                        <a:t>2</a:t>
+                        <a:t>17130021</a:t>
                       </a:r>
                     </a:p>
                   </a:txBody>
@@ -13437,8 +13542,180 @@
                           <a:latin typeface="Times New Roman" panose="02020603050405020304" pitchFamily="18" charset="0"/>
                           <a:cs typeface="Times New Roman" panose="02020603050405020304" pitchFamily="18" charset="0"/>
                         </a:rPr>
+                        <a:t>Phạm</a:t>
+                      </a:r>
+                      <a:r>
+                        <a:rPr lang="en-US" sz="2000" baseline="0">
+                          <a:latin typeface="Times New Roman" panose="02020603050405020304" pitchFamily="18" charset="0"/>
+                          <a:cs typeface="Times New Roman" panose="02020603050405020304" pitchFamily="18" charset="0"/>
+                        </a:rPr>
+                        <a:t> Thanh Ngọc Đào</a:t>
+                      </a:r>
+                      <a:endParaRPr lang="en-US" sz="2000">
+                        <a:latin typeface="Times New Roman" panose="02020603050405020304" pitchFamily="18" charset="0"/>
+                        <a:cs typeface="Times New Roman" panose="02020603050405020304" pitchFamily="18" charset="0"/>
+                      </a:endParaRPr>
+                    </a:p>
+                  </a:txBody>
+                  <a:tcPr marL="86139" marR="86139" anchor="ctr"/>
+                </a:tc>
+                <a:tc>
+                  <a:txBody>
+                    <a:bodyPr/>
+                    <a:lstStyle/>
+                    <a:p>
+                      <a:pPr marL="0" marR="0" lvl="0" indent="0" algn="ctr" defTabSz="914400" rtl="0" eaLnBrk="1" fontAlgn="auto" latinLnBrk="0" hangingPunct="1">
+                        <a:lnSpc>
+                          <a:spcPct val="100000"/>
+                        </a:lnSpc>
+                        <a:spcBef>
+                          <a:spcPts val="0"/>
+                        </a:spcBef>
+                        <a:spcAft>
+                          <a:spcPts val="0"/>
+                        </a:spcAft>
+                        <a:buClrTx/>
+                        <a:buSzTx/>
+                        <a:buFontTx/>
+                        <a:buNone/>
+                        <a:defRPr/>
+                      </a:pPr>
+                      <a:r>
+                        <a:rPr lang="en-US" sz="2000" dirty="0">
+                          <a:latin typeface="Times New Roman" panose="02020603050405020304" pitchFamily="18" charset="0"/>
+                          <a:cs typeface="Times New Roman" panose="02020603050405020304" pitchFamily="18" charset="0"/>
+                          <a:sym typeface="+mn-ea"/>
+                        </a:rPr>
+                        <a:t>Load </a:t>
+                      </a:r>
+                      <a:r>
+                        <a:rPr lang="en-US" sz="2000" dirty="0" err="1">
+                          <a:latin typeface="Times New Roman" panose="02020603050405020304" pitchFamily="18" charset="0"/>
+                          <a:cs typeface="Times New Roman" panose="02020603050405020304" pitchFamily="18" charset="0"/>
+                          <a:sym typeface="+mn-ea"/>
+                        </a:rPr>
+                        <a:t>dữ</a:t>
+                      </a:r>
+                      <a:r>
+                        <a:rPr lang="en-US" sz="2000" dirty="0">
+                          <a:latin typeface="Times New Roman" panose="02020603050405020304" pitchFamily="18" charset="0"/>
+                          <a:cs typeface="Times New Roman" panose="02020603050405020304" pitchFamily="18" charset="0"/>
+                          <a:sym typeface="+mn-ea"/>
+                        </a:rPr>
+                        <a:t> </a:t>
+                      </a:r>
+                      <a:r>
+                        <a:rPr lang="en-US" sz="2000" dirty="0" err="1">
+                          <a:latin typeface="Times New Roman" panose="02020603050405020304" pitchFamily="18" charset="0"/>
+                          <a:cs typeface="Times New Roman" panose="02020603050405020304" pitchFamily="18" charset="0"/>
+                          <a:sym typeface="+mn-ea"/>
+                        </a:rPr>
+                        <a:t>liệu</a:t>
+                      </a:r>
+                      <a:r>
+                        <a:rPr lang="en-US" sz="2000" dirty="0">
+                          <a:latin typeface="Times New Roman" panose="02020603050405020304" pitchFamily="18" charset="0"/>
+                          <a:cs typeface="Times New Roman" panose="02020603050405020304" pitchFamily="18" charset="0"/>
+                          <a:sym typeface="+mn-ea"/>
+                        </a:rPr>
+                        <a:t> </a:t>
+                      </a:r>
+                      <a:r>
+                        <a:rPr lang="en-US" sz="2000" dirty="0" err="1">
+                          <a:latin typeface="Times New Roman" panose="02020603050405020304" pitchFamily="18" charset="0"/>
+                          <a:cs typeface="Times New Roman" panose="02020603050405020304" pitchFamily="18" charset="0"/>
+                          <a:sym typeface="+mn-ea"/>
+                        </a:rPr>
+                        <a:t>từ</a:t>
+                      </a:r>
+                      <a:r>
+                        <a:rPr lang="en-US" sz="2000" dirty="0">
+                          <a:latin typeface="Times New Roman" panose="02020603050405020304" pitchFamily="18" charset="0"/>
+                          <a:cs typeface="Times New Roman" panose="02020603050405020304" pitchFamily="18" charset="0"/>
+                          <a:sym typeface="+mn-ea"/>
+                        </a:rPr>
+                        <a:t> file ở local </a:t>
+                      </a:r>
+                      <a:r>
+                        <a:rPr lang="en-US" sz="2000" err="1">
+                          <a:latin typeface="Times New Roman" panose="02020603050405020304" pitchFamily="18" charset="0"/>
+                          <a:cs typeface="Times New Roman" panose="02020603050405020304" pitchFamily="18" charset="0"/>
+                          <a:sym typeface="+mn-ea"/>
+                        </a:rPr>
+                        <a:t>tới</a:t>
+                      </a:r>
+                      <a:r>
+                        <a:rPr lang="en-US" sz="2000">
+                          <a:latin typeface="Times New Roman" panose="02020603050405020304" pitchFamily="18" charset="0"/>
+                          <a:cs typeface="Times New Roman" panose="02020603050405020304" pitchFamily="18" charset="0"/>
+                          <a:sym typeface="+mn-ea"/>
+                        </a:rPr>
+                        <a:t> </a:t>
+                      </a:r>
+                      <a:r>
+                        <a:rPr lang="en-US" sz="2000" smtClean="0">
+                          <a:latin typeface="Times New Roman" panose="02020603050405020304" pitchFamily="18" charset="0"/>
+                          <a:cs typeface="Times New Roman" panose="02020603050405020304" pitchFamily="18" charset="0"/>
+                          <a:sym typeface="+mn-ea"/>
+                        </a:rPr>
+                        <a:t>Staging</a:t>
+                      </a:r>
+                      <a:r>
+                        <a:rPr lang="en-US" sz="2000" smtClean="0">
+                          <a:latin typeface="Times New Roman" panose="02020603050405020304" pitchFamily="18" charset="0"/>
+                          <a:cs typeface="Times New Roman" panose="02020603050405020304" pitchFamily="18" charset="0"/>
+                        </a:rPr>
+                        <a:t> </a:t>
+                      </a:r>
+                      <a:endParaRPr lang="en-US" sz="2000" dirty="0">
+                        <a:latin typeface="Times New Roman" panose="02020603050405020304" pitchFamily="18" charset="0"/>
+                        <a:cs typeface="Times New Roman" panose="02020603050405020304" pitchFamily="18" charset="0"/>
+                      </a:endParaRPr>
+                    </a:p>
+                  </a:txBody>
+                  <a:tcPr marL="86139" marR="86139" anchor="ctr"/>
+                </a:tc>
+                <a:extLst>
+                  <a:ext uri="{0D108BD9-81ED-4DB2-BD59-A6C34878D82A}">
+                    <a16:rowId xmlns:a16="http://schemas.microsoft.com/office/drawing/2014/main" val="10003"/>
+                  </a:ext>
+                </a:extLst>
+              </a:tr>
+              <a:tr h="1089559">
+                <a:tc>
+                  <a:txBody>
+                    <a:bodyPr/>
+                    <a:lstStyle/>
+                    <a:p>
+                      <a:pPr algn="ctr"/>
+                      <a:r>
+                        <a:rPr lang="en-US" sz="2000">
+                          <a:latin typeface="Times New Roman" panose="02020603050405020304" pitchFamily="18" charset="0"/>
+                          <a:cs typeface="Times New Roman" panose="02020603050405020304" pitchFamily="18" charset="0"/>
+                        </a:rPr>
+                        <a:t>3</a:t>
+                      </a:r>
+                    </a:p>
+                  </a:txBody>
+                  <a:tcPr marL="86139" marR="86139" anchor="ctr"/>
+                </a:tc>
+                <a:tc>
+                  <a:txBody>
+                    <a:bodyPr/>
+                    <a:lstStyle/>
+                    <a:p>
+                      <a:pPr algn="ctr"/>
+                      <a:r>
+                        <a:rPr lang="en-US" sz="2000" smtClean="0">
+                          <a:latin typeface="Times New Roman" panose="02020603050405020304" pitchFamily="18" charset="0"/>
+                          <a:cs typeface="Times New Roman" panose="02020603050405020304" pitchFamily="18" charset="0"/>
+                        </a:rPr>
                         <a:t>17130133</a:t>
                       </a:r>
+                      <a:endParaRPr lang="en-US" sz="2000">
+                        <a:latin typeface="Times New Roman" panose="02020603050405020304" pitchFamily="18" charset="0"/>
+                        <a:cs typeface="Times New Roman" panose="02020603050405020304" pitchFamily="18" charset="0"/>
+                      </a:endParaRPr>
                     </a:p>
                   </a:txBody>
                   <a:tcPr marL="86139" marR="86139" anchor="ctr"/>
@@ -13574,180 +13851,7 @@
                 </a:tc>
                 <a:extLst>
                   <a:ext uri="{0D108BD9-81ED-4DB2-BD59-A6C34878D82A}">
-                    <a16:rowId xmlns:a16="http://schemas.microsoft.com/office/drawing/2014/main" val="10002"/>
-                  </a:ext>
-                </a:extLst>
-              </a:tr>
-              <a:tr h="1089559">
-                <a:tc>
-                  <a:txBody>
-                    <a:bodyPr/>
-                    <a:lstStyle/>
-                    <a:p>
-                      <a:pPr algn="ctr"/>
-                      <a:r>
-                        <a:rPr lang="en-US" sz="2000">
-                          <a:latin typeface="Times New Roman" panose="02020603050405020304" pitchFamily="18" charset="0"/>
-                          <a:cs typeface="Times New Roman" panose="02020603050405020304" pitchFamily="18" charset="0"/>
-                        </a:rPr>
-                        <a:t>3</a:t>
-                      </a:r>
-                    </a:p>
-                  </a:txBody>
-                  <a:tcPr marL="86139" marR="86139" anchor="ctr"/>
-                </a:tc>
-                <a:tc>
-                  <a:txBody>
-                    <a:bodyPr/>
-                    <a:lstStyle/>
-                    <a:p>
-                      <a:pPr algn="ctr"/>
-                      <a:r>
-                        <a:rPr lang="en-US" sz="2000">
-                          <a:latin typeface="Times New Roman" panose="02020603050405020304" pitchFamily="18" charset="0"/>
-                          <a:cs typeface="Times New Roman" panose="02020603050405020304" pitchFamily="18" charset="0"/>
-                        </a:rPr>
-                        <a:t>17130021</a:t>
-                      </a:r>
-                    </a:p>
-                  </a:txBody>
-                  <a:tcPr marL="86139" marR="86139" anchor="ctr"/>
-                </a:tc>
-                <a:tc>
-                  <a:txBody>
-                    <a:bodyPr/>
-                    <a:lstStyle/>
-                    <a:p>
-                      <a:pPr algn="ctr"/>
-                      <a:r>
-                        <a:rPr lang="en-US" sz="2000">
-                          <a:latin typeface="Times New Roman" panose="02020603050405020304" pitchFamily="18" charset="0"/>
-                          <a:cs typeface="Times New Roman" panose="02020603050405020304" pitchFamily="18" charset="0"/>
-                        </a:rPr>
-                        <a:t>Phạm</a:t>
-                      </a:r>
-                      <a:r>
-                        <a:rPr lang="en-US" sz="2000" baseline="0">
-                          <a:latin typeface="Times New Roman" panose="02020603050405020304" pitchFamily="18" charset="0"/>
-                          <a:cs typeface="Times New Roman" panose="02020603050405020304" pitchFamily="18" charset="0"/>
-                        </a:rPr>
-                        <a:t> Thanh Ngọc Đào</a:t>
-                      </a:r>
-                      <a:endParaRPr lang="en-US" sz="2000">
-                        <a:latin typeface="Times New Roman" panose="02020603050405020304" pitchFamily="18" charset="0"/>
-                        <a:cs typeface="Times New Roman" panose="02020603050405020304" pitchFamily="18" charset="0"/>
-                      </a:endParaRPr>
-                    </a:p>
-                  </a:txBody>
-                  <a:tcPr marL="86139" marR="86139" anchor="ctr"/>
-                </a:tc>
-                <a:tc>
-                  <a:txBody>
-                    <a:bodyPr/>
-                    <a:lstStyle/>
-                    <a:p>
-                      <a:pPr marL="0" marR="0" lvl="0" indent="0" algn="ctr" defTabSz="914400" rtl="0" eaLnBrk="1" fontAlgn="auto" latinLnBrk="0" hangingPunct="1">
-                        <a:lnSpc>
-                          <a:spcPct val="100000"/>
-                        </a:lnSpc>
-                        <a:spcBef>
-                          <a:spcPts val="0"/>
-                        </a:spcBef>
-                        <a:spcAft>
-                          <a:spcPts val="0"/>
-                        </a:spcAft>
-                        <a:buClrTx/>
-                        <a:buSzTx/>
-                        <a:buFontTx/>
-                        <a:buNone/>
-                        <a:defRPr/>
-                      </a:pPr>
-                      <a:r>
-                        <a:rPr lang="en-US" sz="2000" dirty="0">
-                          <a:latin typeface="Times New Roman" panose="02020603050405020304" pitchFamily="18" charset="0"/>
-                          <a:cs typeface="Times New Roman" panose="02020603050405020304" pitchFamily="18" charset="0"/>
-                          <a:sym typeface="+mn-ea"/>
-                        </a:rPr>
-                        <a:t>Load </a:t>
-                      </a:r>
-                      <a:r>
-                        <a:rPr lang="en-US" sz="2000" dirty="0" err="1">
-                          <a:latin typeface="Times New Roman" panose="02020603050405020304" pitchFamily="18" charset="0"/>
-                          <a:cs typeface="Times New Roman" panose="02020603050405020304" pitchFamily="18" charset="0"/>
-                          <a:sym typeface="+mn-ea"/>
-                        </a:rPr>
-                        <a:t>dữ</a:t>
-                      </a:r>
-                      <a:r>
-                        <a:rPr lang="en-US" sz="2000" dirty="0">
-                          <a:latin typeface="Times New Roman" panose="02020603050405020304" pitchFamily="18" charset="0"/>
-                          <a:cs typeface="Times New Roman" panose="02020603050405020304" pitchFamily="18" charset="0"/>
-                          <a:sym typeface="+mn-ea"/>
-                        </a:rPr>
-                        <a:t> </a:t>
-                      </a:r>
-                      <a:r>
-                        <a:rPr lang="en-US" sz="2000" dirty="0" err="1">
-                          <a:latin typeface="Times New Roman" panose="02020603050405020304" pitchFamily="18" charset="0"/>
-                          <a:cs typeface="Times New Roman" panose="02020603050405020304" pitchFamily="18" charset="0"/>
-                          <a:sym typeface="+mn-ea"/>
-                        </a:rPr>
-                        <a:t>liệu</a:t>
-                      </a:r>
-                      <a:r>
-                        <a:rPr lang="en-US" sz="2000" dirty="0">
-                          <a:latin typeface="Times New Roman" panose="02020603050405020304" pitchFamily="18" charset="0"/>
-                          <a:cs typeface="Times New Roman" panose="02020603050405020304" pitchFamily="18" charset="0"/>
-                          <a:sym typeface="+mn-ea"/>
-                        </a:rPr>
-                        <a:t> </a:t>
-                      </a:r>
-                      <a:r>
-                        <a:rPr lang="en-US" sz="2000" dirty="0" err="1">
-                          <a:latin typeface="Times New Roman" panose="02020603050405020304" pitchFamily="18" charset="0"/>
-                          <a:cs typeface="Times New Roman" panose="02020603050405020304" pitchFamily="18" charset="0"/>
-                          <a:sym typeface="+mn-ea"/>
-                        </a:rPr>
-                        <a:t>từ</a:t>
-                      </a:r>
-                      <a:r>
-                        <a:rPr lang="en-US" sz="2000" dirty="0">
-                          <a:latin typeface="Times New Roman" panose="02020603050405020304" pitchFamily="18" charset="0"/>
-                          <a:cs typeface="Times New Roman" panose="02020603050405020304" pitchFamily="18" charset="0"/>
-                          <a:sym typeface="+mn-ea"/>
-                        </a:rPr>
-                        <a:t> file ở local </a:t>
-                      </a:r>
-                      <a:r>
-                        <a:rPr lang="en-US" sz="2000" dirty="0" err="1">
-                          <a:latin typeface="Times New Roman" panose="02020603050405020304" pitchFamily="18" charset="0"/>
-                          <a:cs typeface="Times New Roman" panose="02020603050405020304" pitchFamily="18" charset="0"/>
-                          <a:sym typeface="+mn-ea"/>
-                        </a:rPr>
-                        <a:t>tới</a:t>
-                      </a:r>
-                      <a:r>
-                        <a:rPr lang="en-US" sz="2000" dirty="0">
-                          <a:latin typeface="Times New Roman" panose="02020603050405020304" pitchFamily="18" charset="0"/>
-                          <a:cs typeface="Times New Roman" panose="02020603050405020304" pitchFamily="18" charset="0"/>
-                          <a:sym typeface="+mn-ea"/>
-                        </a:rPr>
-                        <a:t> Staging</a:t>
-                      </a:r>
-                      <a:r>
-                        <a:rPr lang="en-US" sz="2000" dirty="0">
-                          <a:latin typeface="Times New Roman" panose="02020603050405020304" pitchFamily="18" charset="0"/>
-                          <a:cs typeface="Times New Roman" panose="02020603050405020304" pitchFamily="18" charset="0"/>
-                        </a:rPr>
-                        <a:t> </a:t>
-                      </a:r>
-                    </a:p>
-                  </a:txBody>
-                  <a:tcPr marL="86139" marR="86139" anchor="ctr"/>
-                </a:tc>
-                <a:extLst>
-                  <a:ext uri="{0D108BD9-81ED-4DB2-BD59-A6C34878D82A}">
-                    <a16:rowId xmlns:a16="http://schemas.microsoft.com/office/drawing/2014/main" val="10003"/>
+                    <a16:rowId xmlns:a16="http://schemas.microsoft.com/office/drawing/2014/main" val="3536523394"/>
                   </a:ext>
                 </a:extLst>
               </a:tr>
@@ -13979,7 +14083,7 @@
           <a:lstStyle/>
           <a:p>
             <a:r>
-              <a:rPr lang="en-US" sz="2800" smtClean="0">
+              <a:rPr lang="en-US" sz="2800">
                 <a:hlinkClick r:id="rId2"/>
               </a:rPr>
               <a:t>Link vẽ</a:t>
@@ -13990,7 +14094,7 @@
       </p:sp>
       <p:pic>
         <p:nvPicPr>
-          <p:cNvPr id="2" name="Picture 1"/>
+          <p:cNvPr id="4" name="Picture 3"/>
           <p:cNvPicPr>
             <a:picLocks noChangeAspect="1"/>
           </p:cNvPicPr>
@@ -14010,8 +14114,8 @@
         </p:blipFill>
         <p:spPr>
           <a:xfrm>
-            <a:off x="1869282" y="1016685"/>
-            <a:ext cx="8453437" cy="5130362"/>
+            <a:off x="1872443" y="864104"/>
+            <a:ext cx="8447113" cy="5129792"/>
           </a:xfrm>
           <a:prstGeom prst="rect">
             <a:avLst/>
@@ -14058,6 +14162,99 @@
           <a:chExt cx="0" cy="0"/>
         </a:xfrm>
       </p:grpSpPr>
+      <p:pic>
+        <p:nvPicPr>
+          <p:cNvPr id="4" name="Picture 3"/>
+          <p:cNvPicPr>
+            <a:picLocks noChangeAspect="1"/>
+          </p:cNvPicPr>
+          <p:nvPr/>
+        </p:nvPicPr>
+        <p:blipFill>
+          <a:blip r:embed="rId3"/>
+          <a:stretch>
+            <a:fillRect/>
+          </a:stretch>
+        </p:blipFill>
+        <p:spPr>
+          <a:xfrm>
+            <a:off x="1751763" y="2740130"/>
+            <a:ext cx="8828571" cy="3628571"/>
+          </a:xfrm>
+          <a:prstGeom prst="rect">
+            <a:avLst/>
+          </a:prstGeom>
+        </p:spPr>
+      </p:pic>
+      <p:pic>
+        <p:nvPicPr>
+          <p:cNvPr id="7" name="Picture 6"/>
+          <p:cNvPicPr>
+            <a:picLocks noChangeAspect="1"/>
+          </p:cNvPicPr>
+          <p:nvPr/>
+        </p:nvPicPr>
+        <p:blipFill>
+          <a:blip r:embed="rId4"/>
+          <a:stretch>
+            <a:fillRect/>
+          </a:stretch>
+        </p:blipFill>
+        <p:spPr>
+          <a:xfrm>
+            <a:off x="1751763" y="526407"/>
+            <a:ext cx="8847619" cy="1838095"/>
+          </a:xfrm>
+          <a:prstGeom prst="rect">
+            <a:avLst/>
+          </a:prstGeom>
+        </p:spPr>
+      </p:pic>
+    </p:spTree>
+    <p:extLst>
+      <p:ext uri="{BB962C8B-B14F-4D97-AF65-F5344CB8AC3E}">
+        <p14:creationId xmlns:p14="http://schemas.microsoft.com/office/powerpoint/2010/main" val="3553935431"/>
+      </p:ext>
+    </p:extLst>
+  </p:cSld>
+  <p:clrMapOvr>
+    <a:masterClrMapping/>
+  </p:clrMapOvr>
+  <p:timing>
+    <p:tnLst>
+      <p:par>
+        <p:cTn id="1" dur="indefinite" restart="never" nodeType="tmRoot"/>
+      </p:par>
+    </p:tnLst>
+  </p:timing>
+</p:sld>
+</file>
+
+<file path=ppt/slides/slide5.xml><?xml version="1.0" encoding="utf-8"?>
+<p:sld xmlns:a="http://schemas.openxmlformats.org/drawingml/2006/main" xmlns:r="http://schemas.openxmlformats.org/officeDocument/2006/relationships" xmlns:p="http://schemas.openxmlformats.org/presentationml/2006/main">
+  <p:cSld>
+    <p:bg>
+      <p:bgPr>
+        <a:solidFill>
+          <a:schemeClr val="bg1"/>
+        </a:solidFill>
+        <a:effectLst/>
+      </p:bgPr>
+    </p:bg>
+    <p:spTree>
+      <p:nvGrpSpPr>
+        <p:cNvPr id="1" name=""/>
+        <p:cNvGrpSpPr/>
+        <p:nvPr/>
+      </p:nvGrpSpPr>
+      <p:grpSpPr>
+        <a:xfrm>
+          <a:off x="0" y="0"/>
+          <a:ext cx="0" cy="0"/>
+          <a:chOff x="0" y="0"/>
+          <a:chExt cx="0" cy="0"/>
+        </a:xfrm>
+      </p:grpSpPr>
       <p:sp>
         <p:nvSpPr>
           <p:cNvPr id="5" name="TextBox 4"/>
@@ -14081,7 +14278,7 @@
           <a:lstStyle/>
           <a:p>
             <a:r>
-              <a:rPr lang="en-US" sz="2800" smtClean="0">
+              <a:rPr lang="en-US" sz="2800">
                 <a:hlinkClick r:id="rId3"/>
               </a:rPr>
               <a:t>Link vẽ</a:t>
@@ -14184,7 +14381,7 @@
 </p:sld>
 </file>
 
-<file path=ppt/slides/slide5.xml><?xml version="1.0" encoding="utf-8"?>
+<file path=ppt/slides/slide6.xml><?xml version="1.0" encoding="utf-8"?>
 <p:sld xmlns:a="http://schemas.openxmlformats.org/drawingml/2006/main" xmlns:r="http://schemas.openxmlformats.org/officeDocument/2006/relationships" xmlns:p="http://schemas.openxmlformats.org/presentationml/2006/main">
   <p:cSld>
     <p:bg>
@@ -14219,7 +14416,7 @@
         </p:nvSpPr>
         <p:spPr>
           <a:xfrm>
-            <a:off x="4999023" y="6183150"/>
+            <a:off x="546292" y="2905780"/>
             <a:ext cx="1909777" cy="523220"/>
           </a:xfrm>
           <a:prstGeom prst="rect">
@@ -14234,7 +14431,7 @@
           <a:lstStyle/>
           <a:p>
             <a:r>
-              <a:rPr lang="en-US" sz="2800" smtClean="0">
+              <a:rPr lang="en-US" sz="2800">
                 <a:solidFill>
                   <a:schemeClr val="tx2">
                     <a:lumMod val="75000"/>
@@ -14320,7 +14517,13 @@
       </p:sp>
       <p:pic>
         <p:nvPicPr>
-          <p:cNvPr id="2050" name="Picture 2" descr="https://scontent.fsgn2-4.fna.fbcdn.net/v/t1.15752-9/117196932_691878271395702_55767675683945254_n.png?_nc_cat=101&amp;_nc_sid=b96e70&amp;_nc_ohc=Cbp4XSyFQE8AX_0E8RD&amp;_nc_ht=scontent.fsgn2-4.fna&amp;oh=ae142ff03ee12cb38445722f44237053&amp;oe=5F529B60"/>
+          <p:cNvPr id="1026" name="Picture 2">
+            <a:extLst>
+              <a:ext uri="{FF2B5EF4-FFF2-40B4-BE49-F238E27FC236}">
+                <a16:creationId xmlns:a16="http://schemas.microsoft.com/office/drawing/2014/main" id="{95937709-71C1-4B2E-B5F8-A558086D4769}"/>
+              </a:ext>
+            </a:extLst>
+          </p:cNvPr>
           <p:cNvPicPr>
             <a:picLocks noChangeAspect="1" noChangeArrowheads="1"/>
           </p:cNvPicPr>
@@ -14341,8 +14544,8 @@
         </p:blipFill>
         <p:spPr bwMode="auto">
           <a:xfrm>
-            <a:off x="824552" y="1163945"/>
-            <a:ext cx="10593697" cy="4894120"/>
+            <a:off x="2610677" y="1298714"/>
+            <a:ext cx="8269357" cy="5264619"/>
           </a:xfrm>
           <a:prstGeom prst="rect">
             <a:avLst/>
@@ -14374,7 +14577,7 @@
 </p:sld>
 </file>
 
-<file path=ppt/slides/slide6.xml><?xml version="1.0" encoding="utf-8"?>
+<file path=ppt/slides/slide7.xml><?xml version="1.0" encoding="utf-8"?>
 <p:sld xmlns:a="http://schemas.openxmlformats.org/drawingml/2006/main" xmlns:r="http://schemas.openxmlformats.org/officeDocument/2006/relationships" xmlns:p="http://schemas.openxmlformats.org/presentationml/2006/main">
   <p:cSld>
     <p:bg>
@@ -14411,7 +14614,7 @@
         </p:nvSpPr>
         <p:spPr>
           <a:xfrm>
-            <a:off x="1260474" y="288290"/>
+            <a:off x="1320109" y="-69574"/>
             <a:ext cx="7740651" cy="829310"/>
           </a:xfrm>
         </p:spPr>
@@ -14482,8 +14685,8 @@
         </p:nvSpPr>
         <p:spPr>
           <a:xfrm>
-            <a:off x="824865" y="3242773"/>
-            <a:ext cx="1588135" cy="954107"/>
+            <a:off x="5331460" y="6292914"/>
+            <a:ext cx="1529080" cy="954107"/>
           </a:xfrm>
           <a:prstGeom prst="rect">
             <a:avLst/>
@@ -14497,10 +14700,16 @@
           <a:lstStyle/>
           <a:p>
             <a:r>
-              <a:rPr lang="en-US" sz="2800" smtClean="0">
+              <a:rPr lang="en-US" sz="2800" dirty="0">
                 <a:hlinkClick r:id="rId3"/>
               </a:rPr>
-              <a:t>Link vẽ</a:t>
+              <a:t>Link </a:t>
+            </a:r>
+            <a:r>
+              <a:rPr lang="en-US" sz="2800" dirty="0" err="1">
+                <a:hlinkClick r:id="rId3"/>
+              </a:rPr>
+              <a:t>vẽ</a:t>
             </a:r>
             <a:endParaRPr lang="en-US" sz="2800" dirty="0"/>
           </a:p>
@@ -14511,22 +14720,28 @@
       </p:sp>
       <p:pic>
         <p:nvPicPr>
-          <p:cNvPr id="5" name="Picture 4"/>
+          <p:cNvPr id="3" name="Picture 2"/>
           <p:cNvPicPr>
             <a:picLocks noChangeAspect="1"/>
           </p:cNvPicPr>
           <p:nvPr/>
         </p:nvPicPr>
         <p:blipFill>
-          <a:blip r:embed="rId4"/>
+          <a:blip r:embed="rId4" cstate="print">
+            <a:extLst>
+              <a:ext uri="{28A0092B-C50C-407E-A947-70E740481C1C}">
+                <a14:useLocalDpi xmlns:a14="http://schemas.microsoft.com/office/drawing/2010/main" val="0"/>
+              </a:ext>
+            </a:extLst>
+          </a:blip>
           <a:stretch>
             <a:fillRect/>
           </a:stretch>
         </p:blipFill>
         <p:spPr>
           <a:xfrm>
-            <a:off x="2743200" y="1117600"/>
-            <a:ext cx="8770898" cy="5461000"/>
+            <a:off x="683150" y="623800"/>
+            <a:ext cx="10825700" cy="5669114"/>
           </a:xfrm>
           <a:prstGeom prst="rect">
             <a:avLst/>
@@ -14534,6 +14749,215 @@
         </p:spPr>
       </p:pic>
     </p:spTree>
+  </p:cSld>
+  <p:clrMapOvr>
+    <a:masterClrMapping/>
+  </p:clrMapOvr>
+  <p:timing>
+    <p:tnLst>
+      <p:par>
+        <p:cTn id="1" dur="indefinite" restart="never" nodeType="tmRoot"/>
+      </p:par>
+    </p:tnLst>
+  </p:timing>
+</p:sld>
+</file>
+
+<file path=ppt/slides/slide8.xml><?xml version="1.0" encoding="utf-8"?>
+<p:sld xmlns:a="http://schemas.openxmlformats.org/drawingml/2006/main" xmlns:r="http://schemas.openxmlformats.org/officeDocument/2006/relationships" xmlns:p="http://schemas.openxmlformats.org/presentationml/2006/main">
+  <p:cSld>
+    <p:bg>
+      <p:bgPr>
+        <a:pattFill prst="trellis">
+          <a:fgClr>
+            <a:schemeClr val="bg1">
+              <a:lumMod val="50000"/>
+              <a:lumOff val="50000"/>
+            </a:schemeClr>
+          </a:fgClr>
+          <a:bgClr>
+            <a:schemeClr val="bg1"/>
+          </a:bgClr>
+        </a:pattFill>
+        <a:effectLst/>
+      </p:bgPr>
+    </p:bg>
+    <p:spTree>
+      <p:nvGrpSpPr>
+        <p:cNvPr id="1" name=""/>
+        <p:cNvGrpSpPr/>
+        <p:nvPr/>
+      </p:nvGrpSpPr>
+      <p:grpSpPr>
+        <a:xfrm>
+          <a:off x="0" y="0"/>
+          <a:ext cx="0" cy="0"/>
+          <a:chOff x="0" y="0"/>
+          <a:chExt cx="0" cy="0"/>
+        </a:xfrm>
+      </p:grpSpPr>
+      <p:sp>
+        <p:nvSpPr>
+          <p:cNvPr id="8" name="Text Box 6">
+            <a:hlinkClick r:id="rId2" action="ppaction://hlinkfile"/>
+          </p:cNvPr>
+          <p:cNvSpPr txBox="1"/>
+          <p:nvPr/>
+        </p:nvSpPr>
+        <p:spPr>
+          <a:xfrm>
+            <a:off x="4257602" y="1906341"/>
+            <a:ext cx="3676796" cy="1261884"/>
+          </a:xfrm>
+          <a:prstGeom prst="rect">
+            <a:avLst/>
+          </a:prstGeom>
+          <a:noFill/>
+        </p:spPr>
+        <p:txBody>
+          <a:bodyPr wrap="square" rtlCol="0" anchor="t">
+            <a:spAutoFit/>
+          </a:bodyPr>
+          <a:lstStyle/>
+          <a:p>
+            <a:r>
+              <a:rPr lang="en-US" sz="4800" smtClean="0">
+                <a:solidFill>
+                  <a:schemeClr val="tx2">
+                    <a:lumMod val="75000"/>
+                  </a:schemeClr>
+                </a:solidFill>
+              </a:rPr>
+              <a:t>Link github</a:t>
+            </a:r>
+            <a:endParaRPr lang="en-US" sz="4800" dirty="0">
+              <a:solidFill>
+                <a:schemeClr val="tx2">
+                  <a:lumMod val="75000"/>
+                </a:schemeClr>
+              </a:solidFill>
+            </a:endParaRPr>
+          </a:p>
+          <a:p>
+            <a:endParaRPr lang="en-US" sz="2800" dirty="0"/>
+          </a:p>
+        </p:txBody>
+      </p:sp>
+      <p:sp>
+        <p:nvSpPr>
+          <p:cNvPr id="4" name="Rectangle 3"/>
+          <p:cNvSpPr/>
+          <p:nvPr/>
+        </p:nvSpPr>
+        <p:spPr>
+          <a:xfrm>
+            <a:off x="2928424" y="3893625"/>
+            <a:ext cx="6335151" cy="369332"/>
+          </a:xfrm>
+          <a:prstGeom prst="rect">
+            <a:avLst/>
+          </a:prstGeom>
+        </p:spPr>
+        <p:txBody>
+          <a:bodyPr wrap="square">
+            <a:spAutoFit/>
+          </a:bodyPr>
+          <a:lstStyle/>
+          <a:p>
+            <a:r>
+              <a:rPr lang="en-US">
+                <a:hlinkClick r:id="rId3"/>
+              </a:rPr>
+              <a:t>https://github.com/CaoTrungVinh/DataWareHouse.git</a:t>
+            </a:r>
+            <a:endParaRPr lang="en-US"/>
+          </a:p>
+        </p:txBody>
+      </p:sp>
+    </p:spTree>
+    <p:extLst>
+      <p:ext uri="{BB962C8B-B14F-4D97-AF65-F5344CB8AC3E}">
+        <p14:creationId xmlns:p14="http://schemas.microsoft.com/office/powerpoint/2010/main" val="2472989411"/>
+      </p:ext>
+    </p:extLst>
+  </p:cSld>
+  <p:clrMapOvr>
+    <a:masterClrMapping/>
+  </p:clrMapOvr>
+  <p:timing>
+    <p:tnLst>
+      <p:par>
+        <p:cTn id="1" dur="indefinite" restart="never" nodeType="tmRoot"/>
+      </p:par>
+    </p:tnLst>
+  </p:timing>
+</p:sld>
+</file>
+
+<file path=ppt/slides/slide9.xml><?xml version="1.0" encoding="utf-8"?>
+<p:sld xmlns:a="http://schemas.openxmlformats.org/drawingml/2006/main" xmlns:r="http://schemas.openxmlformats.org/officeDocument/2006/relationships" xmlns:p="http://schemas.openxmlformats.org/presentationml/2006/main">
+  <p:cSld>
+    <p:spTree>
+      <p:nvGrpSpPr>
+        <p:cNvPr id="1" name=""/>
+        <p:cNvGrpSpPr/>
+        <p:nvPr/>
+      </p:nvGrpSpPr>
+      <p:grpSpPr>
+        <a:xfrm>
+          <a:off x="0" y="0"/>
+          <a:ext cx="0" cy="0"/>
+          <a:chOff x="0" y="0"/>
+          <a:chExt cx="0" cy="0"/>
+        </a:xfrm>
+      </p:grpSpPr>
+      <p:pic>
+        <p:nvPicPr>
+          <p:cNvPr id="1026" name="Picture 2" descr="100+ hình nền thank for watching - hinhanhsieudep.net"/>
+          <p:cNvPicPr>
+            <a:picLocks noChangeAspect="1" noChangeArrowheads="1"/>
+          </p:cNvPicPr>
+          <p:nvPr/>
+        </p:nvPicPr>
+        <p:blipFill>
+          <a:blip r:embed="rId2">
+            <a:extLst>
+              <a:ext uri="{28A0092B-C50C-407E-A947-70E740481C1C}">
+                <a14:useLocalDpi xmlns:a14="http://schemas.microsoft.com/office/drawing/2010/main" val="0"/>
+              </a:ext>
+            </a:extLst>
+          </a:blip>
+          <a:srcRect/>
+          <a:stretch>
+            <a:fillRect/>
+          </a:stretch>
+        </p:blipFill>
+        <p:spPr bwMode="auto">
+          <a:xfrm>
+            <a:off x="0" y="0"/>
+            <a:ext cx="12192000" cy="6858000"/>
+          </a:xfrm>
+          <a:prstGeom prst="rect">
+            <a:avLst/>
+          </a:prstGeom>
+          <a:noFill/>
+          <a:extLst>
+            <a:ext uri="{909E8E84-426E-40DD-AFC4-6F175D3DCCD1}">
+              <a14:hiddenFill xmlns:a14="http://schemas.microsoft.com/office/drawing/2010/main">
+                <a:solidFill>
+                  <a:srgbClr val="FFFFFF"/>
+                </a:solidFill>
+              </a14:hiddenFill>
+            </a:ext>
+          </a:extLst>
+        </p:spPr>
+      </p:pic>
+    </p:spTree>
+    <p:extLst>
+      <p:ext uri="{BB962C8B-B14F-4D97-AF65-F5344CB8AC3E}">
+        <p14:creationId xmlns:p14="http://schemas.microsoft.com/office/powerpoint/2010/main" val="3165115602"/>
+      </p:ext>
+    </p:extLst>
   </p:cSld>
   <p:clrMapOvr>
     <a:masterClrMapping/>
